--- a/Misc/Summit 2020 Zeta.pptx
+++ b/Misc/Summit 2020 Zeta.pptx
@@ -7,15 +7,11 @@
   <p:sldIdLst>
     <p:sldId id="256" r:id="rId5"/>
     <p:sldId id="257" r:id="rId6"/>
-    <p:sldId id="258" r:id="rId7"/>
-    <p:sldId id="259" r:id="rId8"/>
-    <p:sldId id="260" r:id="rId9"/>
-    <p:sldId id="261" r:id="rId10"/>
-    <p:sldId id="262" r:id="rId11"/>
-    <p:sldId id="263" r:id="rId12"/>
-    <p:sldId id="264" r:id="rId13"/>
-    <p:sldId id="265" r:id="rId14"/>
-    <p:sldId id="266" r:id="rId15"/>
+    <p:sldId id="267" r:id="rId7"/>
+    <p:sldId id="268" r:id="rId8"/>
+    <p:sldId id="263" r:id="rId9"/>
+    <p:sldId id="269" r:id="rId10"/>
+    <p:sldId id="270" r:id="rId11"/>
   </p:sldIdLst>
   <p:sldSz cx="12192000" cy="6858000"/>
   <p:notesSz cx="6858000" cy="9144000"/>
@@ -1805,226 +1801,6 @@
 </p:sldLayout>
 </file>
 
-<file path=ppt/slideLayouts/slideLayout12.xml><?xml version="1.0" encoding="utf-8"?>
-<p:sldLayout xmlns:a="http://schemas.openxmlformats.org/drawingml/2006/main" xmlns:r="http://schemas.openxmlformats.org/officeDocument/2006/relationships" xmlns:p="http://schemas.openxmlformats.org/presentationml/2006/main" type="title">
-  <p:cSld name="1_Title Slide">
-    <p:spTree>
-      <p:nvGrpSpPr>
-        <p:cNvPr id="1" name=""/>
-        <p:cNvGrpSpPr/>
-        <p:nvPr/>
-      </p:nvGrpSpPr>
-      <p:grpSpPr>
-        <a:xfrm>
-          <a:off x="0" y="0"/>
-          <a:ext cx="0" cy="0"/>
-          <a:chOff x="0" y="0"/>
-          <a:chExt cx="0" cy="0"/>
-        </a:xfrm>
-      </p:grpSpPr>
-      <p:sp>
-        <p:nvSpPr>
-          <p:cNvPr id="2" name="Title 1">
-            <a:extLst>
-              <a:ext uri="{FF2B5EF4-FFF2-40B4-BE49-F238E27FC236}">
-                <a16:creationId xmlns:a16="http://schemas.microsoft.com/office/drawing/2014/main" id="{91358BD1-82FC-49C1-874C-845EF838BFAE}"/>
-              </a:ext>
-            </a:extLst>
-          </p:cNvPr>
-          <p:cNvSpPr>
-            <a:spLocks noGrp="1"/>
-          </p:cNvSpPr>
-          <p:nvPr>
-            <p:ph type="ctrTitle"/>
-          </p:nvPr>
-        </p:nvSpPr>
-        <p:spPr>
-          <a:xfrm>
-            <a:off x="1524000" y="1122363"/>
-            <a:ext cx="9144000" cy="2387600"/>
-          </a:xfrm>
-        </p:spPr>
-        <p:txBody>
-          <a:bodyPr anchor="b"/>
-          <a:lstStyle>
-            <a:lvl1pPr algn="ctr">
-              <a:defRPr sz="6000"/>
-            </a:lvl1pPr>
-          </a:lstStyle>
-          <a:p>
-            <a:r>
-              <a:rPr lang="en-US"/>
-              <a:t>Click to edit Master title style</a:t>
-            </a:r>
-          </a:p>
-        </p:txBody>
-      </p:sp>
-      <p:sp>
-        <p:nvSpPr>
-          <p:cNvPr id="3" name="Subtitle 2">
-            <a:extLst>
-              <a:ext uri="{FF2B5EF4-FFF2-40B4-BE49-F238E27FC236}">
-                <a16:creationId xmlns:a16="http://schemas.microsoft.com/office/drawing/2014/main" id="{070B48C3-C867-4A6E-B564-CA6311299200}"/>
-              </a:ext>
-            </a:extLst>
-          </p:cNvPr>
-          <p:cNvSpPr>
-            <a:spLocks noGrp="1"/>
-          </p:cNvSpPr>
-          <p:nvPr>
-            <p:ph type="subTitle" idx="1"/>
-          </p:nvPr>
-        </p:nvSpPr>
-        <p:spPr>
-          <a:xfrm>
-            <a:off x="1524000" y="3602038"/>
-            <a:ext cx="9144000" cy="1655762"/>
-          </a:xfrm>
-        </p:spPr>
-        <p:txBody>
-          <a:bodyPr/>
-          <a:lstStyle>
-            <a:lvl1pPr marL="0" indent="0" algn="ctr">
-              <a:buNone/>
-              <a:defRPr sz="2400"/>
-            </a:lvl1pPr>
-            <a:lvl2pPr marL="457200" indent="0" algn="ctr">
-              <a:buNone/>
-              <a:defRPr sz="2000"/>
-            </a:lvl2pPr>
-            <a:lvl3pPr marL="914400" indent="0" algn="ctr">
-              <a:buNone/>
-              <a:defRPr sz="1800"/>
-            </a:lvl3pPr>
-            <a:lvl4pPr marL="1371600" indent="0" algn="ctr">
-              <a:buNone/>
-              <a:defRPr sz="1600"/>
-            </a:lvl4pPr>
-            <a:lvl5pPr marL="1828800" indent="0" algn="ctr">
-              <a:buNone/>
-              <a:defRPr sz="1600"/>
-            </a:lvl5pPr>
-            <a:lvl6pPr marL="2286000" indent="0" algn="ctr">
-              <a:buNone/>
-              <a:defRPr sz="1600"/>
-            </a:lvl6pPr>
-            <a:lvl7pPr marL="2743200" indent="0" algn="ctr">
-              <a:buNone/>
-              <a:defRPr sz="1600"/>
-            </a:lvl7pPr>
-            <a:lvl8pPr marL="3200400" indent="0" algn="ctr">
-              <a:buNone/>
-              <a:defRPr sz="1600"/>
-            </a:lvl8pPr>
-            <a:lvl9pPr marL="3657600" indent="0" algn="ctr">
-              <a:buNone/>
-              <a:defRPr sz="1600"/>
-            </a:lvl9pPr>
-          </a:lstStyle>
-          <a:p>
-            <a:r>
-              <a:rPr lang="en-US"/>
-              <a:t>Click to edit Master subtitle style</a:t>
-            </a:r>
-          </a:p>
-        </p:txBody>
-      </p:sp>
-      <p:sp>
-        <p:nvSpPr>
-          <p:cNvPr id="4" name="Date Placeholder 3">
-            <a:extLst>
-              <a:ext uri="{FF2B5EF4-FFF2-40B4-BE49-F238E27FC236}">
-                <a16:creationId xmlns:a16="http://schemas.microsoft.com/office/drawing/2014/main" id="{3123E815-988A-4BFD-972C-898AE95A06D4}"/>
-              </a:ext>
-            </a:extLst>
-          </p:cNvPr>
-          <p:cNvSpPr>
-            <a:spLocks noGrp="1"/>
-          </p:cNvSpPr>
-          <p:nvPr>
-            <p:ph type="dt" sz="half" idx="10"/>
-          </p:nvPr>
-        </p:nvSpPr>
-        <p:spPr/>
-        <p:txBody>
-          <a:bodyPr/>
-          <a:lstStyle/>
-          <a:p>
-            <a:fld id="{774B6A51-D0F7-41BA-8138-F1BC965CED22}" type="datetimeFigureOut">
-              <a:rPr lang="en-US" smtClean="0"/>
-              <a:t>1/26/2020</a:t>
-            </a:fld>
-            <a:endParaRPr lang="en-US"/>
-          </a:p>
-        </p:txBody>
-      </p:sp>
-      <p:sp>
-        <p:nvSpPr>
-          <p:cNvPr id="5" name="Footer Placeholder 4">
-            <a:extLst>
-              <a:ext uri="{FF2B5EF4-FFF2-40B4-BE49-F238E27FC236}">
-                <a16:creationId xmlns:a16="http://schemas.microsoft.com/office/drawing/2014/main" id="{01BD80E4-4BF6-4DA5-9505-81321D171E21}"/>
-              </a:ext>
-            </a:extLst>
-          </p:cNvPr>
-          <p:cNvSpPr>
-            <a:spLocks noGrp="1"/>
-          </p:cNvSpPr>
-          <p:nvPr>
-            <p:ph type="ftr" sz="quarter" idx="11"/>
-          </p:nvPr>
-        </p:nvSpPr>
-        <p:spPr/>
-        <p:txBody>
-          <a:bodyPr/>
-          <a:lstStyle/>
-          <a:p>
-            <a:endParaRPr lang="en-US"/>
-          </a:p>
-        </p:txBody>
-      </p:sp>
-      <p:sp>
-        <p:nvSpPr>
-          <p:cNvPr id="6" name="Slide Number Placeholder 5">
-            <a:extLst>
-              <a:ext uri="{FF2B5EF4-FFF2-40B4-BE49-F238E27FC236}">
-                <a16:creationId xmlns:a16="http://schemas.microsoft.com/office/drawing/2014/main" id="{8C95B0D7-632E-449A-9AFA-7E5C35B91DAB}"/>
-              </a:ext>
-            </a:extLst>
-          </p:cNvPr>
-          <p:cNvSpPr>
-            <a:spLocks noGrp="1"/>
-          </p:cNvSpPr>
-          <p:nvPr>
-            <p:ph type="sldNum" sz="quarter" idx="12"/>
-          </p:nvPr>
-        </p:nvSpPr>
-        <p:spPr/>
-        <p:txBody>
-          <a:bodyPr/>
-          <a:lstStyle/>
-          <a:p>
-            <a:fld id="{7FF51639-6666-4E08-973C-E608DE643D86}" type="slidenum">
-              <a:rPr lang="en-US" smtClean="0"/>
-              <a:t>‹#›</a:t>
-            </a:fld>
-            <a:endParaRPr lang="en-US"/>
-          </a:p>
-        </p:txBody>
-      </p:sp>
-    </p:spTree>
-    <p:extLst>
-      <p:ext uri="{BB962C8B-B14F-4D97-AF65-F5344CB8AC3E}">
-        <p14:creationId xmlns:p14="http://schemas.microsoft.com/office/powerpoint/2010/main" val="432788775"/>
-      </p:ext>
-    </p:extLst>
-  </p:cSld>
-  <p:clrMapOvr>
-    <a:masterClrMapping/>
-  </p:clrMapOvr>
-</p:sldLayout>
-</file>
-
 <file path=ppt/slideLayouts/slideLayout2.xml><?xml version="1.0" encoding="utf-8"?>
 <p:sldLayout xmlns:a="http://schemas.openxmlformats.org/drawingml/2006/main" xmlns:r="http://schemas.openxmlformats.org/officeDocument/2006/relationships" xmlns:p="http://schemas.openxmlformats.org/presentationml/2006/main" showMasterSp="0" preserve="1">
   <p:cSld name="1_Title Slide 2">
@@ -5042,7 +4818,6 @@
     <p:sldLayoutId id="2147483669" r:id="rId9"/>
     <p:sldLayoutId id="2147483670" r:id="rId10"/>
     <p:sldLayoutId id="2147483671" r:id="rId11"/>
-    <p:sldLayoutId id="2147483672" r:id="rId12"/>
   </p:sldLayoutIdLst>
   <p:txStyles>
     <p:titleStyle>
@@ -5419,15 +5194,17 @@
         <p:spPr>
           <a:xfrm>
             <a:off x="3657599" y="3586766"/>
-            <a:ext cx="8070309" cy="523037"/>
+            <a:ext cx="1922107" cy="523037"/>
           </a:xfrm>
         </p:spPr>
         <p:txBody>
-          <a:bodyPr/>
+          <a:bodyPr>
+            <a:normAutofit/>
+          </a:bodyPr>
           <a:lstStyle/>
           <a:p>
             <a:r>
-              <a:rPr lang="en-US" dirty="0"/>
+              <a:rPr lang="en-US" sz="2400" dirty="0"/>
               <a:t>Team Zeta</a:t>
             </a:r>
           </a:p>
@@ -5595,22 +5372,6 @@
               </a:rPr>
               <a:t>[YOUR FORM NAME HERE]</a:t>
             </a:r>
-            <a:br>
-              <a:rPr lang="en-US" sz="3200" dirty="0">
-                <a:solidFill>
-                  <a:schemeClr val="accent4">
-                    <a:lumMod val="75000"/>
-                  </a:schemeClr>
-                </a:solidFill>
-              </a:rPr>
-            </a:br>
-            <a:endParaRPr lang="en-US" sz="3200" dirty="0">
-              <a:solidFill>
-                <a:schemeClr val="accent4">
-                  <a:lumMod val="75000"/>
-                </a:schemeClr>
-              </a:solidFill>
-            </a:endParaRPr>
           </a:p>
         </p:txBody>
       </p:sp>
@@ -5618,191 +5379,6 @@
     <p:extLst>
       <p:ext uri="{BB962C8B-B14F-4D97-AF65-F5344CB8AC3E}">
         <p14:creationId xmlns:p14="http://schemas.microsoft.com/office/powerpoint/2010/main" val="2400902069"/>
-      </p:ext>
-    </p:extLst>
-  </p:cSld>
-  <p:clrMapOvr>
-    <a:masterClrMapping/>
-  </p:clrMapOvr>
-</p:sld>
-</file>
-
-<file path=ppt/slides/slide10.xml><?xml version="1.0" encoding="utf-8"?>
-<p:sld xmlns:a="http://schemas.openxmlformats.org/drawingml/2006/main" xmlns:r="http://schemas.openxmlformats.org/officeDocument/2006/relationships" xmlns:p="http://schemas.openxmlformats.org/presentationml/2006/main">
-  <p:cSld>
-    <p:spTree>
-      <p:nvGrpSpPr>
-        <p:cNvPr id="1" name=""/>
-        <p:cNvGrpSpPr/>
-        <p:nvPr/>
-      </p:nvGrpSpPr>
-      <p:grpSpPr>
-        <a:xfrm>
-          <a:off x="0" y="0"/>
-          <a:ext cx="0" cy="0"/>
-          <a:chOff x="0" y="0"/>
-          <a:chExt cx="0" cy="0"/>
-        </a:xfrm>
-      </p:grpSpPr>
-      <p:sp>
-        <p:nvSpPr>
-          <p:cNvPr id="2" name="Title 1">
-            <a:extLst>
-              <a:ext uri="{FF2B5EF4-FFF2-40B4-BE49-F238E27FC236}">
-                <a16:creationId xmlns:a16="http://schemas.microsoft.com/office/drawing/2014/main" id="{B0728DF9-15F9-4F78-B6E7-10F1C35BAE57}"/>
-              </a:ext>
-            </a:extLst>
-          </p:cNvPr>
-          <p:cNvSpPr>
-            <a:spLocks noGrp="1"/>
-          </p:cNvSpPr>
-          <p:nvPr>
-            <p:ph type="title"/>
-          </p:nvPr>
-        </p:nvSpPr>
-        <p:spPr/>
-        <p:txBody>
-          <a:bodyPr/>
-          <a:lstStyle/>
-          <a:p>
-            <a:endParaRPr lang="en-US"/>
-          </a:p>
-        </p:txBody>
-      </p:sp>
-      <p:sp>
-        <p:nvSpPr>
-          <p:cNvPr id="3" name="Text Placeholder 2">
-            <a:extLst>
-              <a:ext uri="{FF2B5EF4-FFF2-40B4-BE49-F238E27FC236}">
-                <a16:creationId xmlns:a16="http://schemas.microsoft.com/office/drawing/2014/main" id="{ABF337DB-CFE8-466E-9FA5-54962FD2CC7A}"/>
-              </a:ext>
-            </a:extLst>
-          </p:cNvPr>
-          <p:cNvSpPr>
-            <a:spLocks noGrp="1"/>
-          </p:cNvSpPr>
-          <p:nvPr>
-            <p:ph type="body" sz="quarter" idx="10"/>
-          </p:nvPr>
-        </p:nvSpPr>
-        <p:spPr/>
-        <p:txBody>
-          <a:bodyPr/>
-          <a:lstStyle/>
-          <a:p>
-            <a:endParaRPr lang="en-US"/>
-          </a:p>
-        </p:txBody>
-      </p:sp>
-      <p:sp>
-        <p:nvSpPr>
-          <p:cNvPr id="4" name="Text Placeholder 3">
-            <a:extLst>
-              <a:ext uri="{FF2B5EF4-FFF2-40B4-BE49-F238E27FC236}">
-                <a16:creationId xmlns:a16="http://schemas.microsoft.com/office/drawing/2014/main" id="{FD7130CC-A06D-4917-BE9F-D69F927843CB}"/>
-              </a:ext>
-            </a:extLst>
-          </p:cNvPr>
-          <p:cNvSpPr>
-            <a:spLocks noGrp="1"/>
-          </p:cNvSpPr>
-          <p:nvPr>
-            <p:ph type="body" sz="quarter" idx="11"/>
-          </p:nvPr>
-        </p:nvSpPr>
-        <p:spPr/>
-        <p:txBody>
-          <a:bodyPr/>
-          <a:lstStyle/>
-          <a:p>
-            <a:endParaRPr lang="en-US"/>
-          </a:p>
-        </p:txBody>
-      </p:sp>
-    </p:spTree>
-    <p:extLst>
-      <p:ext uri="{BB962C8B-B14F-4D97-AF65-F5344CB8AC3E}">
-        <p14:creationId xmlns:p14="http://schemas.microsoft.com/office/powerpoint/2010/main" val="3688202441"/>
-      </p:ext>
-    </p:extLst>
-  </p:cSld>
-  <p:clrMapOvr>
-    <a:masterClrMapping/>
-  </p:clrMapOvr>
-</p:sld>
-</file>
-
-<file path=ppt/slides/slide11.xml><?xml version="1.0" encoding="utf-8"?>
-<p:sld xmlns:a="http://schemas.openxmlformats.org/drawingml/2006/main" xmlns:r="http://schemas.openxmlformats.org/officeDocument/2006/relationships" xmlns:p="http://schemas.openxmlformats.org/presentationml/2006/main">
-  <p:cSld>
-    <p:spTree>
-      <p:nvGrpSpPr>
-        <p:cNvPr id="1" name=""/>
-        <p:cNvGrpSpPr/>
-        <p:nvPr/>
-      </p:nvGrpSpPr>
-      <p:grpSpPr>
-        <a:xfrm>
-          <a:off x="0" y="0"/>
-          <a:ext cx="0" cy="0"/>
-          <a:chOff x="0" y="0"/>
-          <a:chExt cx="0" cy="0"/>
-        </a:xfrm>
-      </p:grpSpPr>
-      <p:sp>
-        <p:nvSpPr>
-          <p:cNvPr id="5" name="Title 4">
-            <a:extLst>
-              <a:ext uri="{FF2B5EF4-FFF2-40B4-BE49-F238E27FC236}">
-                <a16:creationId xmlns:a16="http://schemas.microsoft.com/office/drawing/2014/main" id="{BDADA7B9-A3E1-4EAD-9666-C3A8E0C2CD0B}"/>
-              </a:ext>
-            </a:extLst>
-          </p:cNvPr>
-          <p:cNvSpPr>
-            <a:spLocks noGrp="1"/>
-          </p:cNvSpPr>
-          <p:nvPr>
-            <p:ph type="ctrTitle"/>
-          </p:nvPr>
-        </p:nvSpPr>
-        <p:spPr/>
-        <p:txBody>
-          <a:bodyPr/>
-          <a:lstStyle/>
-          <a:p>
-            <a:endParaRPr lang="en-US"/>
-          </a:p>
-        </p:txBody>
-      </p:sp>
-      <p:sp>
-        <p:nvSpPr>
-          <p:cNvPr id="6" name="Subtitle 5">
-            <a:extLst>
-              <a:ext uri="{FF2B5EF4-FFF2-40B4-BE49-F238E27FC236}">
-                <a16:creationId xmlns:a16="http://schemas.microsoft.com/office/drawing/2014/main" id="{D6604DC6-7B3A-45D1-B428-3FF9C7340912}"/>
-              </a:ext>
-            </a:extLst>
-          </p:cNvPr>
-          <p:cNvSpPr>
-            <a:spLocks noGrp="1"/>
-          </p:cNvSpPr>
-          <p:nvPr>
-            <p:ph type="subTitle" idx="1"/>
-          </p:nvPr>
-        </p:nvSpPr>
-        <p:spPr/>
-        <p:txBody>
-          <a:bodyPr/>
-          <a:lstStyle/>
-          <a:p>
-            <a:endParaRPr lang="en-US"/>
-          </a:p>
-        </p:txBody>
-      </p:sp>
-    </p:spTree>
-    <p:extLst>
-      <p:ext uri="{BB962C8B-B14F-4D97-AF65-F5344CB8AC3E}">
-        <p14:creationId xmlns:p14="http://schemas.microsoft.com/office/powerpoint/2010/main" val="3233428814"/>
       </p:ext>
     </p:extLst>
   </p:cSld>
@@ -5831,10 +5407,409 @@
       </p:grpSpPr>
       <p:sp>
         <p:nvSpPr>
-          <p:cNvPr id="6" name="Text Placeholder 5">
-            <a:extLst>
-              <a:ext uri="{FF2B5EF4-FFF2-40B4-BE49-F238E27FC236}">
-                <a16:creationId xmlns:a16="http://schemas.microsoft.com/office/drawing/2014/main" id="{45F81009-2121-4949-9FDD-8744E2C4D9D0}"/>
+          <p:cNvPr id="8" name="Title 3">
+            <a:extLst>
+              <a:ext uri="{FF2B5EF4-FFF2-40B4-BE49-F238E27FC236}">
+                <a16:creationId xmlns:a16="http://schemas.microsoft.com/office/drawing/2014/main" id="{2B488C4E-81AD-4C04-973A-0C9D98EFD03B}"/>
+              </a:ext>
+            </a:extLst>
+          </p:cNvPr>
+          <p:cNvSpPr>
+            <a:spLocks noGrp="1"/>
+          </p:cNvSpPr>
+          <p:nvPr>
+            <p:ph type="ctrTitle"/>
+          </p:nvPr>
+        </p:nvSpPr>
+        <p:spPr>
+          <a:xfrm>
+            <a:off x="3704249" y="245036"/>
+            <a:ext cx="8070309" cy="891759"/>
+          </a:xfrm>
+        </p:spPr>
+        <p:txBody>
+          <a:bodyPr/>
+          <a:lstStyle/>
+          <a:p>
+            <a:r>
+              <a:rPr lang="en-US" dirty="0"/>
+              <a:t>Generic Forms</a:t>
+            </a:r>
+            <a:br>
+              <a:rPr lang="en-US" dirty="0"/>
+            </a:br>
+            <a:endParaRPr lang="en-US" dirty="0"/>
+          </a:p>
+        </p:txBody>
+      </p:sp>
+      <p:sp>
+        <p:nvSpPr>
+          <p:cNvPr id="9" name="Title 3">
+            <a:extLst>
+              <a:ext uri="{FF2B5EF4-FFF2-40B4-BE49-F238E27FC236}">
+                <a16:creationId xmlns:a16="http://schemas.microsoft.com/office/drawing/2014/main" id="{2D6D6BA7-C073-477B-8D57-C393496B8BBA}"/>
+              </a:ext>
+            </a:extLst>
+          </p:cNvPr>
+          <p:cNvSpPr txBox="1">
+            <a:spLocks/>
+          </p:cNvSpPr>
+          <p:nvPr/>
+        </p:nvSpPr>
+        <p:spPr>
+          <a:xfrm>
+            <a:off x="4178867" y="1136795"/>
+            <a:ext cx="6056811" cy="618273"/>
+          </a:xfrm>
+          <a:prstGeom prst="rect">
+            <a:avLst/>
+          </a:prstGeom>
+          <a:noFill/>
+        </p:spPr>
+        <p:txBody>
+          <a:bodyPr wrap="square" lIns="0" tIns="0" rIns="0" bIns="0" rtlCol="0" anchor="t" anchorCtr="0">
+            <a:noAutofit/>
+          </a:bodyPr>
+          <a:lstStyle>
+            <a:lvl1pPr algn="l" defTabSz="914377" rtl="0" eaLnBrk="1" latinLnBrk="0" hangingPunct="1">
+              <a:lnSpc>
+                <a:spcPct val="100000"/>
+              </a:lnSpc>
+              <a:spcBef>
+                <a:spcPct val="0"/>
+              </a:spcBef>
+              <a:buNone/>
+              <a:defRPr lang="en-US" sz="5333" b="1" kern="1200" dirty="0" smtClean="0">
+                <a:solidFill>
+                  <a:srgbClr val="000033"/>
+                </a:solidFill>
+                <a:latin typeface="Arial"/>
+                <a:ea typeface="+mn-ea"/>
+                <a:cs typeface="Arial"/>
+              </a:defRPr>
+            </a:lvl1pPr>
+          </a:lstStyle>
+          <a:p>
+            <a:r>
+              <a:rPr lang="en-US" sz="3200" dirty="0">
+                <a:solidFill>
+                  <a:schemeClr val="accent4">
+                    <a:lumMod val="75000"/>
+                  </a:schemeClr>
+                </a:solidFill>
+              </a:rPr>
+              <a:t>[YOUR FORM NAME HERE]</a:t>
+            </a:r>
+            <a:br>
+              <a:rPr lang="en-US" sz="3200" dirty="0">
+                <a:solidFill>
+                  <a:schemeClr val="accent4">
+                    <a:lumMod val="75000"/>
+                  </a:schemeClr>
+                </a:solidFill>
+              </a:rPr>
+            </a:br>
+            <a:endParaRPr lang="en-US" sz="3200" dirty="0">
+              <a:solidFill>
+                <a:schemeClr val="accent4">
+                  <a:lumMod val="75000"/>
+                </a:schemeClr>
+              </a:solidFill>
+            </a:endParaRPr>
+          </a:p>
+        </p:txBody>
+      </p:sp>
+      <p:sp>
+        <p:nvSpPr>
+          <p:cNvPr id="10" name="TextBox 9">
+            <a:extLst>
+              <a:ext uri="{FF2B5EF4-FFF2-40B4-BE49-F238E27FC236}">
+                <a16:creationId xmlns:a16="http://schemas.microsoft.com/office/drawing/2014/main" id="{CEAC4713-86C1-4FB6-A5AA-6BED14FD7809}"/>
+              </a:ext>
+            </a:extLst>
+          </p:cNvPr>
+          <p:cNvSpPr txBox="1"/>
+          <p:nvPr/>
+        </p:nvSpPr>
+        <p:spPr>
+          <a:xfrm>
+            <a:off x="3704249" y="1872257"/>
+            <a:ext cx="5393093" cy="2062103"/>
+          </a:xfrm>
+          <a:prstGeom prst="rect">
+            <a:avLst/>
+          </a:prstGeom>
+          <a:noFill/>
+        </p:spPr>
+        <p:txBody>
+          <a:bodyPr wrap="square" rtlCol="0">
+            <a:spAutoFit/>
+          </a:bodyPr>
+          <a:lstStyle/>
+          <a:p>
+            <a:pPr marL="285750" indent="-285750">
+              <a:buFont typeface="Arial" panose="020B0604020202020204" pitchFamily="34" charset="0"/>
+              <a:buChar char="•"/>
+            </a:pPr>
+            <a:r>
+              <a:rPr lang="en-US" sz="1600" dirty="0"/>
+              <a:t>What Generic Inquiry did for inquiries</a:t>
+            </a:r>
+          </a:p>
+          <a:p>
+            <a:r>
+              <a:rPr lang="en-US" sz="1600" dirty="0"/>
+              <a:t>	Generic Forms will do for forms.</a:t>
+            </a:r>
+          </a:p>
+          <a:p>
+            <a:r>
+              <a:rPr lang="en-US" sz="1600" dirty="0"/>
+              <a:t>		YOUR data entry simplified.</a:t>
+            </a:r>
+          </a:p>
+          <a:p>
+            <a:endParaRPr lang="en-US" sz="1600" dirty="0"/>
+          </a:p>
+          <a:p>
+            <a:pPr marL="285750" indent="-285750">
+              <a:buFont typeface="Arial" panose="020B0604020202020204" pitchFamily="34" charset="0"/>
+              <a:buChar char="•"/>
+            </a:pPr>
+            <a:r>
+              <a:rPr lang="en-US" sz="1600" dirty="0"/>
+              <a:t>Store </a:t>
+            </a:r>
+            <a:r>
+              <a:rPr lang="en-US" sz="1600" u="sng" dirty="0"/>
+              <a:t>any</a:t>
+            </a:r>
+            <a:r>
+              <a:rPr lang="en-US" sz="1600" dirty="0"/>
+              <a:t> data in your robust, secure ERP instance</a:t>
+            </a:r>
+          </a:p>
+          <a:p>
+            <a:r>
+              <a:rPr lang="en-US" sz="1600" dirty="0"/>
+              <a:t>	Configuration, not Customization</a:t>
+            </a:r>
+          </a:p>
+          <a:p>
+            <a:r>
+              <a:rPr lang="en-US" sz="1600" dirty="0"/>
+              <a:t>		Say goodbye to Excel!</a:t>
+            </a:r>
+          </a:p>
+          <a:p>
+            <a:r>
+              <a:rPr lang="en-US" sz="1600" dirty="0"/>
+              <a:t>	</a:t>
+            </a:r>
+          </a:p>
+        </p:txBody>
+      </p:sp>
+      <p:grpSp>
+        <p:nvGrpSpPr>
+          <p:cNvPr id="15" name="Group 14">
+            <a:extLst>
+              <a:ext uri="{FF2B5EF4-FFF2-40B4-BE49-F238E27FC236}">
+                <a16:creationId xmlns:a16="http://schemas.microsoft.com/office/drawing/2014/main" id="{86374576-658E-4853-AFDC-2334FCB1B1D7}"/>
+              </a:ext>
+            </a:extLst>
+          </p:cNvPr>
+          <p:cNvGrpSpPr/>
+          <p:nvPr/>
+        </p:nvGrpSpPr>
+        <p:grpSpPr>
+          <a:xfrm>
+            <a:off x="3362034" y="4033580"/>
+            <a:ext cx="7610189" cy="2618906"/>
+            <a:chOff x="3362034" y="4033580"/>
+            <a:chExt cx="7610189" cy="2618906"/>
+          </a:xfrm>
+        </p:grpSpPr>
+        <p:pic>
+          <p:nvPicPr>
+            <p:cNvPr id="3" name="Picture 2" descr="A person holding a microphone&#10;&#10;Description automatically generated">
+              <a:extLst>
+                <a:ext uri="{FF2B5EF4-FFF2-40B4-BE49-F238E27FC236}">
+                  <a16:creationId xmlns:a16="http://schemas.microsoft.com/office/drawing/2014/main" id="{D0F98B11-C39B-4C52-BF05-AD59ED714E8A}"/>
+                </a:ext>
+              </a:extLst>
+            </p:cNvPr>
+            <p:cNvPicPr>
+              <a:picLocks noChangeAspect="1"/>
+            </p:cNvPicPr>
+            <p:nvPr/>
+          </p:nvPicPr>
+          <p:blipFill>
+            <a:blip r:embed="rId2">
+              <a:extLst>
+                <a:ext uri="{28A0092B-C50C-407E-A947-70E740481C1C}">
+                  <a14:useLocalDpi xmlns:a14="http://schemas.microsoft.com/office/drawing/2010/main" val="0"/>
+                </a:ext>
+                <a:ext uri="{837473B0-CC2E-450A-ABE3-18F120FF3D39}">
+                  <a1611:picAttrSrcUrl xmlns:a1611="http://schemas.microsoft.com/office/drawing/2016/11/main" r:id="rId3"/>
+                </a:ext>
+              </a:extLst>
+            </a:blip>
+            <a:stretch>
+              <a:fillRect/>
+            </a:stretch>
+          </p:blipFill>
+          <p:spPr>
+            <a:xfrm>
+              <a:off x="3362034" y="4080405"/>
+              <a:ext cx="3663918" cy="2450428"/>
+            </a:xfrm>
+            <a:prstGeom prst="rect">
+              <a:avLst/>
+            </a:prstGeom>
+          </p:spPr>
+        </p:pic>
+        <p:grpSp>
+          <p:nvGrpSpPr>
+            <p:cNvPr id="13" name="Group 12">
+              <a:extLst>
+                <a:ext uri="{FF2B5EF4-FFF2-40B4-BE49-F238E27FC236}">
+                  <a16:creationId xmlns:a16="http://schemas.microsoft.com/office/drawing/2014/main" id="{A9A88E68-F1D5-4910-A6B3-4182EE69E661}"/>
+                </a:ext>
+              </a:extLst>
+            </p:cNvPr>
+            <p:cNvGrpSpPr/>
+            <p:nvPr/>
+          </p:nvGrpSpPr>
+          <p:grpSpPr>
+            <a:xfrm>
+              <a:off x="7925672" y="4033580"/>
+              <a:ext cx="3046551" cy="2618906"/>
+              <a:chOff x="7925672" y="4033580"/>
+              <a:chExt cx="3046551" cy="2618906"/>
+            </a:xfrm>
+          </p:grpSpPr>
+          <p:sp>
+            <p:nvSpPr>
+              <p:cNvPr id="11" name="TextBox 10">
+                <a:extLst>
+                  <a:ext uri="{FF2B5EF4-FFF2-40B4-BE49-F238E27FC236}">
+                    <a16:creationId xmlns:a16="http://schemas.microsoft.com/office/drawing/2014/main" id="{AA0C3830-2361-4EB1-AB57-C9609EDD5072}"/>
+                  </a:ext>
+                </a:extLst>
+              </p:cNvPr>
+              <p:cNvSpPr txBox="1"/>
+              <p:nvPr/>
+            </p:nvSpPr>
+            <p:spPr>
+              <a:xfrm>
+                <a:off x="8285584" y="4563313"/>
+                <a:ext cx="2531399" cy="1600438"/>
+              </a:xfrm>
+              <a:prstGeom prst="rect">
+                <a:avLst/>
+              </a:prstGeom>
+              <a:noFill/>
+            </p:spPr>
+            <p:txBody>
+              <a:bodyPr wrap="none" rtlCol="0">
+                <a:spAutoFit/>
+              </a:bodyPr>
+              <a:lstStyle/>
+              <a:p>
+                <a:r>
+                  <a:rPr lang="en-US" sz="1400" dirty="0"/>
+                  <a:t>  Excel got CORRUPTED!</a:t>
+                </a:r>
+              </a:p>
+              <a:p>
+                <a:endParaRPr lang="en-US" sz="1400" dirty="0"/>
+              </a:p>
+              <a:p>
+                <a:r>
+                  <a:rPr lang="en-US" sz="1400" dirty="0"/>
+                  <a:t>My Hard Drive CRASHED!</a:t>
+                </a:r>
+              </a:p>
+              <a:p>
+                <a:endParaRPr lang="en-US" sz="1400" dirty="0"/>
+              </a:p>
+              <a:p>
+                <a:r>
+                  <a:rPr lang="en-US" sz="1400" dirty="0"/>
+                  <a:t>It’s on my other COMPUTER!</a:t>
+                </a:r>
+              </a:p>
+              <a:p>
+                <a:endParaRPr lang="en-US" sz="1400" dirty="0"/>
+              </a:p>
+              <a:p>
+                <a:r>
+                  <a:rPr lang="en-US" sz="1400" dirty="0"/>
+                  <a:t>  IT is taking FOREVER!!</a:t>
+                </a:r>
+              </a:p>
+            </p:txBody>
+          </p:sp>
+          <p:sp>
+            <p:nvSpPr>
+              <p:cNvPr id="12" name="Speech Bubble: Oval 11">
+                <a:extLst>
+                  <a:ext uri="{FF2B5EF4-FFF2-40B4-BE49-F238E27FC236}">
+                    <a16:creationId xmlns:a16="http://schemas.microsoft.com/office/drawing/2014/main" id="{5BCD89AF-41CB-4C59-9FF2-86A0E02B1930}"/>
+                  </a:ext>
+                </a:extLst>
+              </p:cNvPr>
+              <p:cNvSpPr/>
+              <p:nvPr/>
+            </p:nvSpPr>
+            <p:spPr>
+              <a:xfrm rot="4614537">
+                <a:off x="8139495" y="3819757"/>
+                <a:ext cx="2618906" cy="3046551"/>
+              </a:xfrm>
+              <a:prstGeom prst="wedgeEllipseCallout">
+                <a:avLst/>
+              </a:prstGeom>
+              <a:noFill/>
+              <a:ln>
+                <a:solidFill>
+                  <a:schemeClr val="tx1"/>
+                </a:solidFill>
+              </a:ln>
+            </p:spPr>
+            <p:style>
+              <a:lnRef idx="2">
+                <a:schemeClr val="accent1">
+                  <a:shade val="50000"/>
+                </a:schemeClr>
+              </a:lnRef>
+              <a:fillRef idx="1">
+                <a:schemeClr val="accent1"/>
+              </a:fillRef>
+              <a:effectRef idx="0">
+                <a:schemeClr val="accent1"/>
+              </a:effectRef>
+              <a:fontRef idx="minor">
+                <a:schemeClr val="lt1"/>
+              </a:fontRef>
+            </p:style>
+            <p:txBody>
+              <a:bodyPr rtlCol="0" anchor="ctr"/>
+              <a:lstStyle/>
+              <a:p>
+                <a:pPr algn="ctr"/>
+                <a:endParaRPr lang="en-US" sz="1400" dirty="0"/>
+              </a:p>
+            </p:txBody>
+          </p:sp>
+        </p:grpSp>
+      </p:grpSp>
+      <p:sp>
+        <p:nvSpPr>
+          <p:cNvPr id="14" name="Text Placeholder 4">
+            <a:extLst>
+              <a:ext uri="{FF2B5EF4-FFF2-40B4-BE49-F238E27FC236}">
+                <a16:creationId xmlns:a16="http://schemas.microsoft.com/office/drawing/2014/main" id="{51AC1A03-2C53-4C80-A211-F2BDC389BEB8}"/>
               </a:ext>
             </a:extLst>
           </p:cNvPr>
@@ -5845,62 +5820,22 @@
             <p:ph type="body" sz="quarter" idx="10"/>
           </p:nvPr>
         </p:nvSpPr>
-        <p:spPr/>
+        <p:spPr>
+          <a:xfrm>
+            <a:off x="1192826" y="3878051"/>
+            <a:ext cx="1155275" cy="333236"/>
+          </a:xfrm>
+        </p:spPr>
         <p:txBody>
-          <a:bodyPr/>
+          <a:bodyPr>
+            <a:normAutofit/>
+          </a:bodyPr>
           <a:lstStyle/>
           <a:p>
-            <a:endParaRPr lang="en-US"/>
-          </a:p>
-        </p:txBody>
-      </p:sp>
-      <p:sp>
-        <p:nvSpPr>
-          <p:cNvPr id="7" name="Text Placeholder 6">
-            <a:extLst>
-              <a:ext uri="{FF2B5EF4-FFF2-40B4-BE49-F238E27FC236}">
-                <a16:creationId xmlns:a16="http://schemas.microsoft.com/office/drawing/2014/main" id="{76EED7EE-71FD-4288-BE8D-A7A35204AC7D}"/>
-              </a:ext>
-            </a:extLst>
-          </p:cNvPr>
-          <p:cNvSpPr>
-            <a:spLocks noGrp="1"/>
-          </p:cNvSpPr>
-          <p:nvPr>
-            <p:ph type="body" sz="quarter" idx="11"/>
-          </p:nvPr>
-        </p:nvSpPr>
-        <p:spPr/>
-        <p:txBody>
-          <a:bodyPr/>
-          <a:lstStyle/>
-          <a:p>
-            <a:endParaRPr lang="en-US"/>
-          </a:p>
-        </p:txBody>
-      </p:sp>
-      <p:sp>
-        <p:nvSpPr>
-          <p:cNvPr id="5" name="Title 4">
-            <a:extLst>
-              <a:ext uri="{FF2B5EF4-FFF2-40B4-BE49-F238E27FC236}">
-                <a16:creationId xmlns:a16="http://schemas.microsoft.com/office/drawing/2014/main" id="{AAC694BF-0BFB-4FE9-9CF7-0F4E9991A78A}"/>
-              </a:ext>
-            </a:extLst>
-          </p:cNvPr>
-          <p:cNvSpPr>
-            <a:spLocks noGrp="1"/>
-          </p:cNvSpPr>
-          <p:nvPr>
-            <p:ph type="ctrTitle"/>
-          </p:nvPr>
-        </p:nvSpPr>
-        <p:spPr/>
-        <p:txBody>
-          <a:bodyPr/>
-          <a:lstStyle/>
-          <a:p>
-            <a:endParaRPr lang="en-US"/>
+            <a:r>
+              <a:rPr lang="en-US" sz="1800" dirty="0"/>
+              <a:t>Team Zeta</a:t>
+            </a:r>
           </a:p>
         </p:txBody>
       </p:sp>
@@ -5914,6 +5849,158 @@
   <p:clrMapOvr>
     <a:masterClrMapping/>
   </p:clrMapOvr>
+  <p:timing>
+    <p:tnLst>
+      <p:par>
+        <p:cTn id="1" dur="indefinite" restart="never" nodeType="tmRoot">
+          <p:childTnLst>
+            <p:seq concurrent="1" nextAc="seek">
+              <p:cTn id="2" dur="indefinite" nodeType="mainSeq">
+                <p:childTnLst>
+                  <p:par>
+                    <p:cTn id="3" fill="hold">
+                      <p:stCondLst>
+                        <p:cond delay="indefinite"/>
+                      </p:stCondLst>
+                      <p:childTnLst>
+                        <p:par>
+                          <p:cTn id="4" fill="hold">
+                            <p:stCondLst>
+                              <p:cond delay="0"/>
+                            </p:stCondLst>
+                            <p:childTnLst>
+                              <p:par>
+                                <p:cTn id="5" presetID="31" presetClass="entr" presetSubtype="0" fill="hold" nodeType="clickEffect">
+                                  <p:stCondLst>
+                                    <p:cond delay="0"/>
+                                  </p:stCondLst>
+                                  <p:childTnLst>
+                                    <p:set>
+                                      <p:cBhvr>
+                                        <p:cTn id="6" dur="1" fill="hold">
+                                          <p:stCondLst>
+                                            <p:cond delay="0"/>
+                                          </p:stCondLst>
+                                        </p:cTn>
+                                        <p:tgtEl>
+                                          <p:spTgt spid="15"/>
+                                        </p:tgtEl>
+                                        <p:attrNameLst>
+                                          <p:attrName>style.visibility</p:attrName>
+                                        </p:attrNameLst>
+                                      </p:cBhvr>
+                                      <p:to>
+                                        <p:strVal val="visible"/>
+                                      </p:to>
+                                    </p:set>
+                                    <p:anim calcmode="lin" valueType="num">
+                                      <p:cBhvr>
+                                        <p:cTn id="7" dur="500" fill="hold"/>
+                                        <p:tgtEl>
+                                          <p:spTgt spid="15"/>
+                                        </p:tgtEl>
+                                        <p:attrNameLst>
+                                          <p:attrName>ppt_w</p:attrName>
+                                        </p:attrNameLst>
+                                      </p:cBhvr>
+                                      <p:tavLst>
+                                        <p:tav tm="0">
+                                          <p:val>
+                                            <p:fltVal val="0"/>
+                                          </p:val>
+                                        </p:tav>
+                                        <p:tav tm="100000">
+                                          <p:val>
+                                            <p:strVal val="#ppt_w"/>
+                                          </p:val>
+                                        </p:tav>
+                                      </p:tavLst>
+                                    </p:anim>
+                                    <p:anim calcmode="lin" valueType="num">
+                                      <p:cBhvr>
+                                        <p:cTn id="8" dur="500" fill="hold"/>
+                                        <p:tgtEl>
+                                          <p:spTgt spid="15"/>
+                                        </p:tgtEl>
+                                        <p:attrNameLst>
+                                          <p:attrName>ppt_h</p:attrName>
+                                        </p:attrNameLst>
+                                      </p:cBhvr>
+                                      <p:tavLst>
+                                        <p:tav tm="0">
+                                          <p:val>
+                                            <p:fltVal val="0"/>
+                                          </p:val>
+                                        </p:tav>
+                                        <p:tav tm="100000">
+                                          <p:val>
+                                            <p:strVal val="#ppt_h"/>
+                                          </p:val>
+                                        </p:tav>
+                                      </p:tavLst>
+                                    </p:anim>
+                                    <p:anim calcmode="lin" valueType="num">
+                                      <p:cBhvr>
+                                        <p:cTn id="9" dur="500" fill="hold"/>
+                                        <p:tgtEl>
+                                          <p:spTgt spid="15"/>
+                                        </p:tgtEl>
+                                        <p:attrNameLst>
+                                          <p:attrName>style.rotation</p:attrName>
+                                        </p:attrNameLst>
+                                      </p:cBhvr>
+                                      <p:tavLst>
+                                        <p:tav tm="0">
+                                          <p:val>
+                                            <p:fltVal val="90"/>
+                                          </p:val>
+                                        </p:tav>
+                                        <p:tav tm="100000">
+                                          <p:val>
+                                            <p:fltVal val="0"/>
+                                          </p:val>
+                                        </p:tav>
+                                      </p:tavLst>
+                                    </p:anim>
+                                    <p:animEffect transition="in" filter="fade">
+                                      <p:cBhvr>
+                                        <p:cTn id="10" dur="500"/>
+                                        <p:tgtEl>
+                                          <p:spTgt spid="15"/>
+                                        </p:tgtEl>
+                                      </p:cBhvr>
+                                    </p:animEffect>
+                                  </p:childTnLst>
+                                </p:cTn>
+                              </p:par>
+                            </p:childTnLst>
+                          </p:cTn>
+                        </p:par>
+                      </p:childTnLst>
+                    </p:cTn>
+                  </p:par>
+                </p:childTnLst>
+              </p:cTn>
+              <p:prevCondLst>
+                <p:cond evt="onPrev" delay="0">
+                  <p:tgtEl>
+                    <p:sldTgt/>
+                  </p:tgtEl>
+                </p:cond>
+              </p:prevCondLst>
+              <p:nextCondLst>
+                <p:cond evt="onNext" delay="0">
+                  <p:tgtEl>
+                    <p:sldTgt/>
+                  </p:tgtEl>
+                </p:cond>
+              </p:nextCondLst>
+            </p:seq>
+          </p:childTnLst>
+        </p:cTn>
+      </p:par>
+    </p:tnLst>
+  </p:timing>
 </p:sld>
 </file>
 
@@ -5936,10 +6023,10 @@
       </p:grpSpPr>
       <p:sp>
         <p:nvSpPr>
-          <p:cNvPr id="5" name="Title 4">
-            <a:extLst>
-              <a:ext uri="{FF2B5EF4-FFF2-40B4-BE49-F238E27FC236}">
-                <a16:creationId xmlns:a16="http://schemas.microsoft.com/office/drawing/2014/main" id="{24BA64F4-BDBC-4A13-BA01-D278497DDFDD}"/>
+          <p:cNvPr id="8" name="Title 3">
+            <a:extLst>
+              <a:ext uri="{FF2B5EF4-FFF2-40B4-BE49-F238E27FC236}">
+                <a16:creationId xmlns:a16="http://schemas.microsoft.com/office/drawing/2014/main" id="{2B488C4E-81AD-4C04-973A-0C9D98EFD03B}"/>
               </a:ext>
             </a:extLst>
           </p:cNvPr>
@@ -5947,24 +6034,307 @@
             <a:spLocks noGrp="1"/>
           </p:cNvSpPr>
           <p:nvPr>
-            <p:ph type="title"/>
+            <p:ph type="ctrTitle"/>
           </p:nvPr>
         </p:nvSpPr>
-        <p:spPr/>
+        <p:spPr>
+          <a:xfrm>
+            <a:off x="3704249" y="245036"/>
+            <a:ext cx="8070309" cy="891759"/>
+          </a:xfrm>
+        </p:spPr>
         <p:txBody>
           <a:bodyPr/>
           <a:lstStyle/>
           <a:p>
-            <a:endParaRPr lang="en-US"/>
+            <a:r>
+              <a:rPr lang="en-US" dirty="0"/>
+              <a:t>Generic Forms</a:t>
+            </a:r>
+            <a:br>
+              <a:rPr lang="en-US" dirty="0"/>
+            </a:br>
+            <a:endParaRPr lang="en-US" dirty="0"/>
           </a:p>
         </p:txBody>
       </p:sp>
       <p:sp>
         <p:nvSpPr>
-          <p:cNvPr id="6" name="Content Placeholder 5">
-            <a:extLst>
-              <a:ext uri="{FF2B5EF4-FFF2-40B4-BE49-F238E27FC236}">
-                <a16:creationId xmlns:a16="http://schemas.microsoft.com/office/drawing/2014/main" id="{3ECFC52A-0A35-42CD-97E5-1B4725805393}"/>
+          <p:cNvPr id="9" name="Title 3">
+            <a:extLst>
+              <a:ext uri="{FF2B5EF4-FFF2-40B4-BE49-F238E27FC236}">
+                <a16:creationId xmlns:a16="http://schemas.microsoft.com/office/drawing/2014/main" id="{2D6D6BA7-C073-477B-8D57-C393496B8BBA}"/>
+              </a:ext>
+            </a:extLst>
+          </p:cNvPr>
+          <p:cNvSpPr txBox="1">
+            <a:spLocks/>
+          </p:cNvSpPr>
+          <p:nvPr/>
+        </p:nvSpPr>
+        <p:spPr>
+          <a:xfrm>
+            <a:off x="4178867" y="1136795"/>
+            <a:ext cx="6056811" cy="618273"/>
+          </a:xfrm>
+          <a:prstGeom prst="rect">
+            <a:avLst/>
+          </a:prstGeom>
+          <a:noFill/>
+        </p:spPr>
+        <p:txBody>
+          <a:bodyPr wrap="square" lIns="0" tIns="0" rIns="0" bIns="0" rtlCol="0" anchor="t" anchorCtr="0">
+            <a:noAutofit/>
+          </a:bodyPr>
+          <a:lstStyle>
+            <a:lvl1pPr algn="l" defTabSz="914377" rtl="0" eaLnBrk="1" latinLnBrk="0" hangingPunct="1">
+              <a:lnSpc>
+                <a:spcPct val="100000"/>
+              </a:lnSpc>
+              <a:spcBef>
+                <a:spcPct val="0"/>
+              </a:spcBef>
+              <a:buNone/>
+              <a:defRPr lang="en-US" sz="5333" b="1" kern="1200" dirty="0" smtClean="0">
+                <a:solidFill>
+                  <a:srgbClr val="000033"/>
+                </a:solidFill>
+                <a:latin typeface="Arial"/>
+                <a:ea typeface="+mn-ea"/>
+                <a:cs typeface="Arial"/>
+              </a:defRPr>
+            </a:lvl1pPr>
+          </a:lstStyle>
+          <a:p>
+            <a:r>
+              <a:rPr lang="en-US" sz="3200" dirty="0">
+                <a:solidFill>
+                  <a:schemeClr val="accent4">
+                    <a:lumMod val="75000"/>
+                  </a:schemeClr>
+                </a:solidFill>
+              </a:rPr>
+              <a:t>[YOUR FORM NAME HERE]</a:t>
+            </a:r>
+            <a:br>
+              <a:rPr lang="en-US" sz="3200" dirty="0">
+                <a:solidFill>
+                  <a:schemeClr val="accent4">
+                    <a:lumMod val="75000"/>
+                  </a:schemeClr>
+                </a:solidFill>
+              </a:rPr>
+            </a:br>
+            <a:endParaRPr lang="en-US" sz="3200" dirty="0">
+              <a:solidFill>
+                <a:schemeClr val="accent4">
+                  <a:lumMod val="75000"/>
+                </a:schemeClr>
+              </a:solidFill>
+            </a:endParaRPr>
+          </a:p>
+        </p:txBody>
+      </p:sp>
+      <p:sp>
+        <p:nvSpPr>
+          <p:cNvPr id="10" name="TextBox 9">
+            <a:extLst>
+              <a:ext uri="{FF2B5EF4-FFF2-40B4-BE49-F238E27FC236}">
+                <a16:creationId xmlns:a16="http://schemas.microsoft.com/office/drawing/2014/main" id="{CEAC4713-86C1-4FB6-A5AA-6BED14FD7809}"/>
+              </a:ext>
+            </a:extLst>
+          </p:cNvPr>
+          <p:cNvSpPr txBox="1"/>
+          <p:nvPr/>
+        </p:nvSpPr>
+        <p:spPr>
+          <a:xfrm>
+            <a:off x="3704248" y="1872257"/>
+            <a:ext cx="7819057" cy="4770537"/>
+          </a:xfrm>
+          <a:prstGeom prst="rect">
+            <a:avLst/>
+          </a:prstGeom>
+          <a:noFill/>
+        </p:spPr>
+        <p:txBody>
+          <a:bodyPr wrap="square" rtlCol="0">
+            <a:spAutoFit/>
+          </a:bodyPr>
+          <a:lstStyle/>
+          <a:p>
+            <a:pPr marL="285750" indent="-285750">
+              <a:buFont typeface="Arial" panose="020B0604020202020204" pitchFamily="34" charset="0"/>
+              <a:buChar char="•"/>
+            </a:pPr>
+            <a:r>
+              <a:rPr lang="en-US" sz="1600" dirty="0"/>
+              <a:t>What is Generic forms?</a:t>
+            </a:r>
+          </a:p>
+          <a:p>
+            <a:pPr marL="285750" indent="-285750">
+              <a:buFont typeface="Arial" panose="020B0604020202020204" pitchFamily="34" charset="0"/>
+              <a:buChar char="•"/>
+            </a:pPr>
+            <a:endParaRPr lang="en-US" sz="1600" dirty="0"/>
+          </a:p>
+          <a:p>
+            <a:pPr marL="285750" indent="-285750">
+              <a:buFont typeface="Arial" panose="020B0604020202020204" pitchFamily="34" charset="0"/>
+              <a:buChar char="•"/>
+            </a:pPr>
+            <a:endParaRPr lang="en-US" sz="1600" dirty="0"/>
+          </a:p>
+          <a:p>
+            <a:pPr marL="285750" indent="-285750">
+              <a:buFont typeface="Arial" panose="020B0604020202020204" pitchFamily="34" charset="0"/>
+              <a:buChar char="•"/>
+            </a:pPr>
+            <a:r>
+              <a:rPr lang="en-US" sz="1600" dirty="0"/>
+              <a:t>Generic Forms democratizes the Entry part of data entry</a:t>
+            </a:r>
+          </a:p>
+          <a:p>
+            <a:pPr marL="628650" lvl="1" indent="-285750">
+              <a:buFont typeface="Arial" panose="020B0604020202020204" pitchFamily="34" charset="0"/>
+              <a:buChar char="•"/>
+            </a:pPr>
+            <a:r>
+              <a:rPr lang="en-US" sz="1600" dirty="0"/>
+              <a:t>Configure a Collection of your fields</a:t>
+            </a:r>
+          </a:p>
+          <a:p>
+            <a:pPr marL="628650" lvl="1" indent="-285750">
+              <a:buFont typeface="Arial" panose="020B0604020202020204" pitchFamily="34" charset="0"/>
+              <a:buChar char="•"/>
+            </a:pPr>
+            <a:r>
+              <a:rPr lang="en-US" sz="1600" dirty="0"/>
+              <a:t>Generic Form will dynamically generate the Entry Screen</a:t>
+            </a:r>
+          </a:p>
+          <a:p>
+            <a:pPr marL="628650" lvl="1" indent="-285750">
+              <a:buFont typeface="Arial" panose="020B0604020202020204" pitchFamily="34" charset="0"/>
+              <a:buChar char="•"/>
+            </a:pPr>
+            <a:r>
+              <a:rPr lang="en-US" sz="1600" dirty="0"/>
+              <a:t>Entry screen persists data into DB</a:t>
+            </a:r>
+          </a:p>
+          <a:p>
+            <a:pPr marL="628650" lvl="1" indent="-285750">
+              <a:buFont typeface="Arial" panose="020B0604020202020204" pitchFamily="34" charset="0"/>
+              <a:buChar char="•"/>
+            </a:pPr>
+            <a:r>
+              <a:rPr lang="en-US" sz="1600" dirty="0"/>
+              <a:t>Generic Form is ready again to collect more answers again</a:t>
+            </a:r>
+          </a:p>
+          <a:p>
+            <a:pPr marL="628650" lvl="1" indent="-285750">
+              <a:buFont typeface="Arial" panose="020B0604020202020204" pitchFamily="34" charset="0"/>
+              <a:buChar char="•"/>
+            </a:pPr>
+            <a:r>
+              <a:rPr lang="en-US" sz="1600" dirty="0"/>
+              <a:t>Configure many different Collections!</a:t>
+            </a:r>
+          </a:p>
+          <a:p>
+            <a:pPr marL="628650" lvl="1" indent="-285750">
+              <a:buFont typeface="Arial" panose="020B0604020202020204" pitchFamily="34" charset="0"/>
+              <a:buChar char="•"/>
+            </a:pPr>
+            <a:endParaRPr lang="en-US" sz="1600" dirty="0"/>
+          </a:p>
+          <a:p>
+            <a:pPr marL="628650" lvl="1" indent="-285750">
+              <a:buFont typeface="Arial" panose="020B0604020202020204" pitchFamily="34" charset="0"/>
+              <a:buChar char="•"/>
+            </a:pPr>
+            <a:endParaRPr lang="en-US" sz="1600" dirty="0"/>
+          </a:p>
+          <a:p>
+            <a:pPr marL="285750" indent="-285750">
+              <a:buFont typeface="Arial" panose="020B0604020202020204" pitchFamily="34" charset="0"/>
+              <a:buChar char="•"/>
+            </a:pPr>
+            <a:r>
+              <a:rPr lang="en-US" sz="1600" dirty="0"/>
+              <a:t>Generic Form integrated with Generic Inquiry</a:t>
+            </a:r>
+          </a:p>
+          <a:p>
+            <a:pPr marL="628650" lvl="1" indent="-285750">
+              <a:buFont typeface="Arial" panose="020B0604020202020204" pitchFamily="34" charset="0"/>
+              <a:buChar char="•"/>
+            </a:pPr>
+            <a:r>
+              <a:rPr lang="en-US" sz="1600" dirty="0"/>
+              <a:t>Your answers are available immediately to via DAC and GI</a:t>
+            </a:r>
+          </a:p>
+          <a:p>
+            <a:pPr marL="628650" lvl="1" indent="-285750">
+              <a:buFont typeface="Arial" panose="020B0604020202020204" pitchFamily="34" charset="0"/>
+              <a:buChar char="•"/>
+            </a:pPr>
+            <a:r>
+              <a:rPr lang="en-US" sz="1600" dirty="0"/>
+              <a:t>Ready to join on other data in the system</a:t>
+            </a:r>
+          </a:p>
+          <a:p>
+            <a:pPr marL="628650" lvl="1" indent="-285750">
+              <a:buFont typeface="Arial" panose="020B0604020202020204" pitchFamily="34" charset="0"/>
+              <a:buChar char="•"/>
+            </a:pPr>
+            <a:r>
+              <a:rPr lang="en-US" sz="1600" dirty="0"/>
+              <a:t>Create your own GIs, Reports, Dashboards and more!</a:t>
+            </a:r>
+          </a:p>
+          <a:p>
+            <a:pPr marL="628650" lvl="1" indent="-285750">
+              <a:buFont typeface="Arial" panose="020B0604020202020204" pitchFamily="34" charset="0"/>
+              <a:buChar char="•"/>
+            </a:pPr>
+            <a:endParaRPr lang="en-US" sz="1600" dirty="0"/>
+          </a:p>
+          <a:p>
+            <a:pPr marL="628650" lvl="1" indent="-285750">
+              <a:buFont typeface="Arial" panose="020B0604020202020204" pitchFamily="34" charset="0"/>
+              <a:buChar char="•"/>
+            </a:pPr>
+            <a:endParaRPr lang="en-US" sz="1600" dirty="0"/>
+          </a:p>
+          <a:p>
+            <a:pPr marL="285750" indent="-285750">
+              <a:buFont typeface="Arial" panose="020B0604020202020204" pitchFamily="34" charset="0"/>
+              <a:buChar char="•"/>
+            </a:pPr>
+            <a:endParaRPr lang="en-US" sz="1600" dirty="0"/>
+          </a:p>
+          <a:p>
+            <a:r>
+              <a:rPr lang="en-US" sz="1600" dirty="0"/>
+              <a:t>	</a:t>
+            </a:r>
+          </a:p>
+        </p:txBody>
+      </p:sp>
+      <p:sp>
+        <p:nvSpPr>
+          <p:cNvPr id="14" name="Text Placeholder 4">
+            <a:extLst>
+              <a:ext uri="{FF2B5EF4-FFF2-40B4-BE49-F238E27FC236}">
+                <a16:creationId xmlns:a16="http://schemas.microsoft.com/office/drawing/2014/main" id="{70D18273-A5FF-4DE8-98A5-EB04E5DCAF05}"/>
               </a:ext>
             </a:extLst>
           </p:cNvPr>
@@ -5972,22 +6342,32 @@
             <a:spLocks noGrp="1"/>
           </p:cNvSpPr>
           <p:nvPr>
-            <p:ph sz="quarter" idx="13"/>
+            <p:ph type="body" sz="quarter" idx="10"/>
           </p:nvPr>
         </p:nvSpPr>
-        <p:spPr/>
+        <p:spPr>
+          <a:xfrm>
+            <a:off x="1192826" y="3878051"/>
+            <a:ext cx="1155275" cy="333236"/>
+          </a:xfrm>
+        </p:spPr>
         <p:txBody>
-          <a:bodyPr/>
+          <a:bodyPr>
+            <a:normAutofit/>
+          </a:bodyPr>
           <a:lstStyle/>
           <a:p>
-            <a:endParaRPr lang="en-US"/>
+            <a:r>
+              <a:rPr lang="en-US" sz="1800" dirty="0"/>
+              <a:t>Team Zeta</a:t>
+            </a:r>
           </a:p>
         </p:txBody>
       </p:sp>
     </p:spTree>
     <p:extLst>
       <p:ext uri="{BB962C8B-B14F-4D97-AF65-F5344CB8AC3E}">
-        <p14:creationId xmlns:p14="http://schemas.microsoft.com/office/powerpoint/2010/main" val="2342050568"/>
+        <p14:creationId xmlns:p14="http://schemas.microsoft.com/office/powerpoint/2010/main" val="3061720222"/>
       </p:ext>
     </p:extLst>
   </p:cSld>
@@ -6016,10 +6396,10 @@
       </p:grpSpPr>
       <p:sp>
         <p:nvSpPr>
-          <p:cNvPr id="6" name="Content Placeholder 5">
-            <a:extLst>
-              <a:ext uri="{FF2B5EF4-FFF2-40B4-BE49-F238E27FC236}">
-                <a16:creationId xmlns:a16="http://schemas.microsoft.com/office/drawing/2014/main" id="{1E23C27F-8775-4E91-8AD0-B2E23738635C}"/>
+          <p:cNvPr id="8" name="Title 3">
+            <a:extLst>
+              <a:ext uri="{FF2B5EF4-FFF2-40B4-BE49-F238E27FC236}">
+                <a16:creationId xmlns:a16="http://schemas.microsoft.com/office/drawing/2014/main" id="{2B488C4E-81AD-4C04-973A-0C9D98EFD03B}"/>
               </a:ext>
             </a:extLst>
           </p:cNvPr>
@@ -6027,24 +6407,260 @@
             <a:spLocks noGrp="1"/>
           </p:cNvSpPr>
           <p:nvPr>
-            <p:ph sz="quarter" idx="13"/>
+            <p:ph type="ctrTitle"/>
           </p:nvPr>
         </p:nvSpPr>
-        <p:spPr/>
+        <p:spPr>
+          <a:xfrm>
+            <a:off x="3704249" y="245036"/>
+            <a:ext cx="8070309" cy="891759"/>
+          </a:xfrm>
+        </p:spPr>
         <p:txBody>
           <a:bodyPr/>
           <a:lstStyle/>
           <a:p>
-            <a:endParaRPr lang="en-US"/>
+            <a:r>
+              <a:rPr lang="en-US" dirty="0"/>
+              <a:t>Generic Forms</a:t>
+            </a:r>
+            <a:br>
+              <a:rPr lang="en-US" dirty="0"/>
+            </a:br>
+            <a:endParaRPr lang="en-US" dirty="0"/>
           </a:p>
         </p:txBody>
       </p:sp>
       <p:sp>
         <p:nvSpPr>
-          <p:cNvPr id="5" name="Title 4">
-            <a:extLst>
-              <a:ext uri="{FF2B5EF4-FFF2-40B4-BE49-F238E27FC236}">
-                <a16:creationId xmlns:a16="http://schemas.microsoft.com/office/drawing/2014/main" id="{C45575A2-688B-49D3-85D8-7FE7B0164DDC}"/>
+          <p:cNvPr id="9" name="Title 3">
+            <a:extLst>
+              <a:ext uri="{FF2B5EF4-FFF2-40B4-BE49-F238E27FC236}">
+                <a16:creationId xmlns:a16="http://schemas.microsoft.com/office/drawing/2014/main" id="{2D6D6BA7-C073-477B-8D57-C393496B8BBA}"/>
+              </a:ext>
+            </a:extLst>
+          </p:cNvPr>
+          <p:cNvSpPr txBox="1">
+            <a:spLocks/>
+          </p:cNvSpPr>
+          <p:nvPr/>
+        </p:nvSpPr>
+        <p:spPr>
+          <a:xfrm>
+            <a:off x="4178867" y="1136795"/>
+            <a:ext cx="6056811" cy="618273"/>
+          </a:xfrm>
+          <a:prstGeom prst="rect">
+            <a:avLst/>
+          </a:prstGeom>
+          <a:noFill/>
+        </p:spPr>
+        <p:txBody>
+          <a:bodyPr wrap="square" lIns="0" tIns="0" rIns="0" bIns="0" rtlCol="0" anchor="t" anchorCtr="0">
+            <a:noAutofit/>
+          </a:bodyPr>
+          <a:lstStyle>
+            <a:lvl1pPr algn="l" defTabSz="914377" rtl="0" eaLnBrk="1" latinLnBrk="0" hangingPunct="1">
+              <a:lnSpc>
+                <a:spcPct val="100000"/>
+              </a:lnSpc>
+              <a:spcBef>
+                <a:spcPct val="0"/>
+              </a:spcBef>
+              <a:buNone/>
+              <a:defRPr lang="en-US" sz="5333" b="1" kern="1200" dirty="0" smtClean="0">
+                <a:solidFill>
+                  <a:srgbClr val="000033"/>
+                </a:solidFill>
+                <a:latin typeface="Arial"/>
+                <a:ea typeface="+mn-ea"/>
+                <a:cs typeface="Arial"/>
+              </a:defRPr>
+            </a:lvl1pPr>
+          </a:lstStyle>
+          <a:p>
+            <a:r>
+              <a:rPr lang="en-US" sz="3200" dirty="0">
+                <a:solidFill>
+                  <a:schemeClr val="accent4">
+                    <a:lumMod val="75000"/>
+                  </a:schemeClr>
+                </a:solidFill>
+              </a:rPr>
+              <a:t>[YOUR FORM NAME HERE]</a:t>
+            </a:r>
+            <a:br>
+              <a:rPr lang="en-US" sz="3200" dirty="0">
+                <a:solidFill>
+                  <a:schemeClr val="accent4">
+                    <a:lumMod val="75000"/>
+                  </a:schemeClr>
+                </a:solidFill>
+              </a:rPr>
+            </a:br>
+            <a:endParaRPr lang="en-US" sz="3200" dirty="0">
+              <a:solidFill>
+                <a:schemeClr val="accent4">
+                  <a:lumMod val="75000"/>
+                </a:schemeClr>
+              </a:solidFill>
+            </a:endParaRPr>
+          </a:p>
+        </p:txBody>
+      </p:sp>
+      <p:sp>
+        <p:nvSpPr>
+          <p:cNvPr id="10" name="TextBox 9">
+            <a:extLst>
+              <a:ext uri="{FF2B5EF4-FFF2-40B4-BE49-F238E27FC236}">
+                <a16:creationId xmlns:a16="http://schemas.microsoft.com/office/drawing/2014/main" id="{CEAC4713-86C1-4FB6-A5AA-6BED14FD7809}"/>
+              </a:ext>
+            </a:extLst>
+          </p:cNvPr>
+          <p:cNvSpPr txBox="1"/>
+          <p:nvPr/>
+        </p:nvSpPr>
+        <p:spPr>
+          <a:xfrm>
+            <a:off x="3704248" y="1872257"/>
+            <a:ext cx="7819057" cy="3293209"/>
+          </a:xfrm>
+          <a:prstGeom prst="rect">
+            <a:avLst/>
+          </a:prstGeom>
+          <a:noFill/>
+        </p:spPr>
+        <p:txBody>
+          <a:bodyPr wrap="square" rtlCol="0">
+            <a:spAutoFit/>
+          </a:bodyPr>
+          <a:lstStyle/>
+          <a:p>
+            <a:pPr marL="285750" indent="-285750">
+              <a:buFont typeface="Arial" panose="020B0604020202020204" pitchFamily="34" charset="0"/>
+              <a:buChar char="•"/>
+            </a:pPr>
+            <a:r>
+              <a:rPr lang="en-US" sz="1600" dirty="0"/>
+              <a:t>Why Generic forms?</a:t>
+            </a:r>
+          </a:p>
+          <a:p>
+            <a:pPr marL="285750" indent="-285750">
+              <a:buFont typeface="Arial" panose="020B0604020202020204" pitchFamily="34" charset="0"/>
+              <a:buChar char="•"/>
+            </a:pPr>
+            <a:endParaRPr lang="en-US" sz="1600" dirty="0"/>
+          </a:p>
+          <a:p>
+            <a:pPr marL="285750" indent="-285750">
+              <a:buFont typeface="Arial" panose="020B0604020202020204" pitchFamily="34" charset="0"/>
+              <a:buChar char="•"/>
+            </a:pPr>
+            <a:endParaRPr lang="en-US" sz="1600" dirty="0"/>
+          </a:p>
+          <a:p>
+            <a:pPr marL="285750" indent="-285750">
+              <a:buFont typeface="Arial" panose="020B0604020202020204" pitchFamily="34" charset="0"/>
+              <a:buChar char="•"/>
+            </a:pPr>
+            <a:r>
+              <a:rPr lang="en-US" sz="1600" dirty="0"/>
+              <a:t>Generic Forms democratizes the Entry part of data entry</a:t>
+            </a:r>
+          </a:p>
+          <a:p>
+            <a:pPr marL="628650" lvl="1" indent="-285750">
+              <a:buFont typeface="Arial" panose="020B0604020202020204" pitchFamily="34" charset="0"/>
+              <a:buChar char="•"/>
+            </a:pPr>
+            <a:r>
+              <a:rPr lang="en-US" sz="1600" dirty="0"/>
+              <a:t>No coding necessary, only Configuration</a:t>
+            </a:r>
+          </a:p>
+          <a:p>
+            <a:pPr marL="628650" lvl="1" indent="-285750">
+              <a:buFont typeface="Arial" panose="020B0604020202020204" pitchFamily="34" charset="0"/>
+              <a:buChar char="•"/>
+            </a:pPr>
+            <a:r>
+              <a:rPr lang="en-US" sz="1600" dirty="0"/>
+              <a:t>The person who knows what they want can create it</a:t>
+            </a:r>
+          </a:p>
+          <a:p>
+            <a:pPr marL="628650" lvl="1" indent="-285750">
+              <a:buFont typeface="Arial" panose="020B0604020202020204" pitchFamily="34" charset="0"/>
+              <a:buChar char="•"/>
+            </a:pPr>
+            <a:r>
+              <a:rPr lang="en-US" sz="1600" dirty="0"/>
+              <a:t>No need to involve IT</a:t>
+            </a:r>
+          </a:p>
+          <a:p>
+            <a:pPr marL="628650" lvl="1" indent="-285750">
+              <a:buFont typeface="Arial" panose="020B0604020202020204" pitchFamily="34" charset="0"/>
+              <a:buChar char="•"/>
+            </a:pPr>
+            <a:r>
+              <a:rPr lang="en-US" sz="1600" dirty="0"/>
+              <a:t>Save expensive developer hours</a:t>
+            </a:r>
+          </a:p>
+          <a:p>
+            <a:pPr marL="628650" lvl="1" indent="-285750">
+              <a:buFont typeface="Arial" panose="020B0604020202020204" pitchFamily="34" charset="0"/>
+              <a:buChar char="•"/>
+            </a:pPr>
+            <a:r>
+              <a:rPr lang="en-US" sz="1600" dirty="0"/>
+              <a:t>Users will be happy to get the forms they want </a:t>
+            </a:r>
+            <a:r>
+              <a:rPr lang="en-US" sz="1600" i="1" dirty="0"/>
+              <a:t>FASTER</a:t>
+            </a:r>
+          </a:p>
+          <a:p>
+            <a:pPr marL="628650" lvl="1" indent="-285750">
+              <a:buFont typeface="Arial" panose="020B0604020202020204" pitchFamily="34" charset="0"/>
+              <a:buChar char="•"/>
+            </a:pPr>
+            <a:r>
+              <a:rPr lang="en-US" sz="1600" dirty="0"/>
+              <a:t>Developers will be happy to work on more interesting things</a:t>
+            </a:r>
+          </a:p>
+          <a:p>
+            <a:pPr marL="628650" lvl="1" indent="-285750">
+              <a:buFont typeface="Arial" panose="020B0604020202020204" pitchFamily="34" charset="0"/>
+              <a:buChar char="•"/>
+            </a:pPr>
+            <a:endParaRPr lang="en-US" sz="1600" dirty="0"/>
+          </a:p>
+          <a:p>
+            <a:pPr marL="285750" indent="-285750">
+              <a:buFont typeface="Arial" panose="020B0604020202020204" pitchFamily="34" charset="0"/>
+              <a:buChar char="•"/>
+            </a:pPr>
+            <a:endParaRPr lang="en-US" sz="1600" dirty="0"/>
+          </a:p>
+          <a:p>
+            <a:r>
+              <a:rPr lang="en-US" sz="1600" dirty="0"/>
+              <a:t>	</a:t>
+            </a:r>
+          </a:p>
+        </p:txBody>
+      </p:sp>
+      <p:sp>
+        <p:nvSpPr>
+          <p:cNvPr id="14" name="Text Placeholder 4">
+            <a:extLst>
+              <a:ext uri="{FF2B5EF4-FFF2-40B4-BE49-F238E27FC236}">
+                <a16:creationId xmlns:a16="http://schemas.microsoft.com/office/drawing/2014/main" id="{70D18273-A5FF-4DE8-98A5-EB04E5DCAF05}"/>
               </a:ext>
             </a:extLst>
           </p:cNvPr>
@@ -6052,47 +6668,71 @@
             <a:spLocks noGrp="1"/>
           </p:cNvSpPr>
           <p:nvPr>
-            <p:ph type="title"/>
+            <p:ph type="body" sz="quarter" idx="10"/>
           </p:nvPr>
         </p:nvSpPr>
-        <p:spPr/>
+        <p:spPr>
+          <a:xfrm>
+            <a:off x="1192826" y="3878051"/>
+            <a:ext cx="1155275" cy="333236"/>
+          </a:xfrm>
+        </p:spPr>
         <p:txBody>
-          <a:bodyPr/>
+          <a:bodyPr>
+            <a:normAutofit/>
+          </a:bodyPr>
           <a:lstStyle/>
           <a:p>
-            <a:endParaRPr lang="en-US"/>
+            <a:r>
+              <a:rPr lang="en-US" sz="1800" dirty="0"/>
+              <a:t>Team Zeta</a:t>
+            </a:r>
           </a:p>
         </p:txBody>
       </p:sp>
-      <p:sp>
-        <p:nvSpPr>
-          <p:cNvPr id="7" name="Content Placeholder 6">
-            <a:extLst>
-              <a:ext uri="{FF2B5EF4-FFF2-40B4-BE49-F238E27FC236}">
-                <a16:creationId xmlns:a16="http://schemas.microsoft.com/office/drawing/2014/main" id="{38C9283C-3E63-456E-9FB3-117B07B33794}"/>
-              </a:ext>
-            </a:extLst>
-          </p:cNvPr>
-          <p:cNvSpPr>
-            <a:spLocks noGrp="1"/>
-          </p:cNvSpPr>
-          <p:nvPr>
-            <p:ph sz="quarter" idx="14"/>
-          </p:nvPr>
-        </p:nvSpPr>
-        <p:spPr/>
-        <p:txBody>
-          <a:bodyPr/>
-          <a:lstStyle/>
-          <a:p>
-            <a:endParaRPr lang="en-US"/>
-          </a:p>
-        </p:txBody>
-      </p:sp>
+      <p:pic>
+        <p:nvPicPr>
+          <p:cNvPr id="3" name="Picture 2" descr="A picture containing drawing&#10;&#10;Description automatically generated">
+            <a:extLst>
+              <a:ext uri="{FF2B5EF4-FFF2-40B4-BE49-F238E27FC236}">
+                <a16:creationId xmlns:a16="http://schemas.microsoft.com/office/drawing/2014/main" id="{CE445D48-DCED-4974-81C6-7D03F57015A7}"/>
+              </a:ext>
+            </a:extLst>
+          </p:cNvPr>
+          <p:cNvPicPr>
+            <a:picLocks noChangeAspect="1"/>
+          </p:cNvPicPr>
+          <p:nvPr/>
+        </p:nvPicPr>
+        <p:blipFill>
+          <a:blip r:embed="rId2">
+            <a:extLst>
+              <a:ext uri="{28A0092B-C50C-407E-A947-70E740481C1C}">
+                <a14:useLocalDpi xmlns:a14="http://schemas.microsoft.com/office/drawing/2010/main" val="0"/>
+              </a:ext>
+              <a:ext uri="{837473B0-CC2E-450A-ABE3-18F120FF3D39}">
+                <a1611:picAttrSrcUrl xmlns:a1611="http://schemas.microsoft.com/office/drawing/2016/11/main" r:id="rId3"/>
+              </a:ext>
+            </a:extLst>
+          </a:blip>
+          <a:stretch>
+            <a:fillRect/>
+          </a:stretch>
+        </p:blipFill>
+        <p:spPr>
+          <a:xfrm>
+            <a:off x="6189306" y="4634280"/>
+            <a:ext cx="1769026" cy="1781939"/>
+          </a:xfrm>
+          <a:prstGeom prst="rect">
+            <a:avLst/>
+          </a:prstGeom>
+        </p:spPr>
+      </p:pic>
     </p:spTree>
     <p:extLst>
       <p:ext uri="{BB962C8B-B14F-4D97-AF65-F5344CB8AC3E}">
-        <p14:creationId xmlns:p14="http://schemas.microsoft.com/office/powerpoint/2010/main" val="2547544425"/>
+        <p14:creationId xmlns:p14="http://schemas.microsoft.com/office/powerpoint/2010/main" val="3243342839"/>
       </p:ext>
     </p:extLst>
   </p:cSld>
@@ -6121,35 +6761,10 @@
       </p:grpSpPr>
       <p:sp>
         <p:nvSpPr>
-          <p:cNvPr id="6" name="Content Placeholder 5">
-            <a:extLst>
-              <a:ext uri="{FF2B5EF4-FFF2-40B4-BE49-F238E27FC236}">
-                <a16:creationId xmlns:a16="http://schemas.microsoft.com/office/drawing/2014/main" id="{F77DFFE6-8A4A-4620-AC26-583C42C7B4E9}"/>
-              </a:ext>
-            </a:extLst>
-          </p:cNvPr>
-          <p:cNvSpPr>
-            <a:spLocks noGrp="1"/>
-          </p:cNvSpPr>
-          <p:nvPr>
-            <p:ph sz="quarter" idx="13"/>
-          </p:nvPr>
-        </p:nvSpPr>
-        <p:spPr/>
-        <p:txBody>
-          <a:bodyPr/>
-          <a:lstStyle/>
-          <a:p>
-            <a:endParaRPr lang="en-US"/>
-          </a:p>
-        </p:txBody>
-      </p:sp>
-      <p:sp>
-        <p:nvSpPr>
-          <p:cNvPr id="5" name="Title 4">
-            <a:extLst>
-              <a:ext uri="{FF2B5EF4-FFF2-40B4-BE49-F238E27FC236}">
-                <a16:creationId xmlns:a16="http://schemas.microsoft.com/office/drawing/2014/main" id="{111B4F7C-9EB9-451E-AB0E-025A4989A266}"/>
+          <p:cNvPr id="3" name="Title 2">
+            <a:extLst>
+              <a:ext uri="{FF2B5EF4-FFF2-40B4-BE49-F238E27FC236}">
+                <a16:creationId xmlns:a16="http://schemas.microsoft.com/office/drawing/2014/main" id="{D70FE123-7812-47A2-BA41-2AEE8AD74B2F}"/>
               </a:ext>
             </a:extLst>
           </p:cNvPr>
@@ -6160,69 +6775,29 @@
             <p:ph type="title"/>
           </p:nvPr>
         </p:nvSpPr>
-        <p:spPr/>
+        <p:spPr>
+          <a:xfrm>
+            <a:off x="305981" y="2883164"/>
+            <a:ext cx="5619331" cy="523220"/>
+          </a:xfrm>
+        </p:spPr>
         <p:txBody>
           <a:bodyPr/>
           <a:lstStyle/>
           <a:p>
-            <a:endParaRPr lang="en-US"/>
-          </a:p>
-        </p:txBody>
-      </p:sp>
-      <p:sp>
-        <p:nvSpPr>
-          <p:cNvPr id="7" name="Content Placeholder 6">
-            <a:extLst>
-              <a:ext uri="{FF2B5EF4-FFF2-40B4-BE49-F238E27FC236}">
-                <a16:creationId xmlns:a16="http://schemas.microsoft.com/office/drawing/2014/main" id="{67E812C5-D078-490A-A35B-02F181B8969C}"/>
-              </a:ext>
-            </a:extLst>
-          </p:cNvPr>
-          <p:cNvSpPr>
-            <a:spLocks noGrp="1"/>
-          </p:cNvSpPr>
-          <p:nvPr>
-            <p:ph sz="quarter" idx="14"/>
-          </p:nvPr>
-        </p:nvSpPr>
-        <p:spPr/>
-        <p:txBody>
-          <a:bodyPr/>
-          <a:lstStyle/>
-          <a:p>
-            <a:endParaRPr lang="en-US"/>
-          </a:p>
-        </p:txBody>
-      </p:sp>
-      <p:sp>
-        <p:nvSpPr>
-          <p:cNvPr id="8" name="Content Placeholder 7">
-            <a:extLst>
-              <a:ext uri="{FF2B5EF4-FFF2-40B4-BE49-F238E27FC236}">
-                <a16:creationId xmlns:a16="http://schemas.microsoft.com/office/drawing/2014/main" id="{CFD9FDB6-339C-44B9-9CE0-B03658C37F62}"/>
-              </a:ext>
-            </a:extLst>
-          </p:cNvPr>
-          <p:cNvSpPr>
-            <a:spLocks noGrp="1"/>
-          </p:cNvSpPr>
-          <p:nvPr>
-            <p:ph sz="quarter" idx="15"/>
-          </p:nvPr>
-        </p:nvSpPr>
-        <p:spPr/>
-        <p:txBody>
-          <a:bodyPr/>
-          <a:lstStyle/>
-          <a:p>
-            <a:endParaRPr lang="en-US"/>
+            <a:pPr algn="ctr"/>
+            <a:r>
+              <a:rPr lang="en-US" sz="2800" dirty="0"/>
+              <a:t>DEMO</a:t>
+            </a:r>
+            <a:endParaRPr lang="en-US" dirty="0"/>
           </a:p>
         </p:txBody>
       </p:sp>
     </p:spTree>
     <p:extLst>
       <p:ext uri="{BB962C8B-B14F-4D97-AF65-F5344CB8AC3E}">
-        <p14:creationId xmlns:p14="http://schemas.microsoft.com/office/powerpoint/2010/main" val="1805966252"/>
+        <p14:creationId xmlns:p14="http://schemas.microsoft.com/office/powerpoint/2010/main" val="3196670989"/>
       </p:ext>
     </p:extLst>
   </p:cSld>
@@ -6251,10 +6826,10 @@
       </p:grpSpPr>
       <p:sp>
         <p:nvSpPr>
-          <p:cNvPr id="7" name="Picture Placeholder 6">
-            <a:extLst>
-              <a:ext uri="{FF2B5EF4-FFF2-40B4-BE49-F238E27FC236}">
-                <a16:creationId xmlns:a16="http://schemas.microsoft.com/office/drawing/2014/main" id="{6F345A07-C686-40D3-8F7A-6728EBC2BA45}"/>
+          <p:cNvPr id="8" name="Title 3">
+            <a:extLst>
+              <a:ext uri="{FF2B5EF4-FFF2-40B4-BE49-F238E27FC236}">
+                <a16:creationId xmlns:a16="http://schemas.microsoft.com/office/drawing/2014/main" id="{2B488C4E-81AD-4C04-973A-0C9D98EFD03B}"/>
               </a:ext>
             </a:extLst>
           </p:cNvPr>
@@ -6262,17 +6837,297 @@
             <a:spLocks noGrp="1"/>
           </p:cNvSpPr>
           <p:nvPr>
-            <p:ph type="pic" sz="quarter" idx="14"/>
+            <p:ph type="ctrTitle"/>
           </p:nvPr>
         </p:nvSpPr>
-        <p:spPr/>
+        <p:spPr>
+          <a:xfrm>
+            <a:off x="3704249" y="245036"/>
+            <a:ext cx="8070309" cy="891759"/>
+          </a:xfrm>
+        </p:spPr>
+        <p:txBody>
+          <a:bodyPr/>
+          <a:lstStyle/>
+          <a:p>
+            <a:r>
+              <a:rPr lang="en-US" dirty="0"/>
+              <a:t>Generic Forms</a:t>
+            </a:r>
+            <a:br>
+              <a:rPr lang="en-US" dirty="0"/>
+            </a:br>
+            <a:endParaRPr lang="en-US" dirty="0"/>
+          </a:p>
+        </p:txBody>
       </p:sp>
       <p:sp>
         <p:nvSpPr>
-          <p:cNvPr id="6" name="Title 5">
-            <a:extLst>
-              <a:ext uri="{FF2B5EF4-FFF2-40B4-BE49-F238E27FC236}">
-                <a16:creationId xmlns:a16="http://schemas.microsoft.com/office/drawing/2014/main" id="{FC11B6F2-1468-476A-AB11-903E213F6D7B}"/>
+          <p:cNvPr id="9" name="Title 3">
+            <a:extLst>
+              <a:ext uri="{FF2B5EF4-FFF2-40B4-BE49-F238E27FC236}">
+                <a16:creationId xmlns:a16="http://schemas.microsoft.com/office/drawing/2014/main" id="{2D6D6BA7-C073-477B-8D57-C393496B8BBA}"/>
+              </a:ext>
+            </a:extLst>
+          </p:cNvPr>
+          <p:cNvSpPr txBox="1">
+            <a:spLocks/>
+          </p:cNvSpPr>
+          <p:nvPr/>
+        </p:nvSpPr>
+        <p:spPr>
+          <a:xfrm>
+            <a:off x="4178867" y="1136795"/>
+            <a:ext cx="6056811" cy="618273"/>
+          </a:xfrm>
+          <a:prstGeom prst="rect">
+            <a:avLst/>
+          </a:prstGeom>
+          <a:noFill/>
+        </p:spPr>
+        <p:txBody>
+          <a:bodyPr wrap="square" lIns="0" tIns="0" rIns="0" bIns="0" rtlCol="0" anchor="t" anchorCtr="0">
+            <a:noAutofit/>
+          </a:bodyPr>
+          <a:lstStyle>
+            <a:lvl1pPr algn="l" defTabSz="914377" rtl="0" eaLnBrk="1" latinLnBrk="0" hangingPunct="1">
+              <a:lnSpc>
+                <a:spcPct val="100000"/>
+              </a:lnSpc>
+              <a:spcBef>
+                <a:spcPct val="0"/>
+              </a:spcBef>
+              <a:buNone/>
+              <a:defRPr lang="en-US" sz="5333" b="1" kern="1200" dirty="0" smtClean="0">
+                <a:solidFill>
+                  <a:srgbClr val="000033"/>
+                </a:solidFill>
+                <a:latin typeface="Arial"/>
+                <a:ea typeface="+mn-ea"/>
+                <a:cs typeface="Arial"/>
+              </a:defRPr>
+            </a:lvl1pPr>
+          </a:lstStyle>
+          <a:p>
+            <a:r>
+              <a:rPr lang="en-US" sz="3200" dirty="0">
+                <a:solidFill>
+                  <a:schemeClr val="accent4">
+                    <a:lumMod val="75000"/>
+                  </a:schemeClr>
+                </a:solidFill>
+              </a:rPr>
+              <a:t>[YOUR FORM NAME HERE]</a:t>
+            </a:r>
+            <a:br>
+              <a:rPr lang="en-US" sz="3200" dirty="0">
+                <a:solidFill>
+                  <a:schemeClr val="accent4">
+                    <a:lumMod val="75000"/>
+                  </a:schemeClr>
+                </a:solidFill>
+              </a:rPr>
+            </a:br>
+            <a:endParaRPr lang="en-US" sz="3200" dirty="0">
+              <a:solidFill>
+                <a:schemeClr val="accent4">
+                  <a:lumMod val="75000"/>
+                </a:schemeClr>
+              </a:solidFill>
+            </a:endParaRPr>
+          </a:p>
+        </p:txBody>
+      </p:sp>
+      <p:sp>
+        <p:nvSpPr>
+          <p:cNvPr id="10" name="TextBox 9">
+            <a:extLst>
+              <a:ext uri="{FF2B5EF4-FFF2-40B4-BE49-F238E27FC236}">
+                <a16:creationId xmlns:a16="http://schemas.microsoft.com/office/drawing/2014/main" id="{CEAC4713-86C1-4FB6-A5AA-6BED14FD7809}"/>
+              </a:ext>
+            </a:extLst>
+          </p:cNvPr>
+          <p:cNvSpPr txBox="1"/>
+          <p:nvPr/>
+        </p:nvSpPr>
+        <p:spPr>
+          <a:xfrm>
+            <a:off x="3704248" y="1872257"/>
+            <a:ext cx="7819057" cy="4524315"/>
+          </a:xfrm>
+          <a:prstGeom prst="rect">
+            <a:avLst/>
+          </a:prstGeom>
+          <a:noFill/>
+        </p:spPr>
+        <p:txBody>
+          <a:bodyPr wrap="square" rtlCol="0">
+            <a:spAutoFit/>
+          </a:bodyPr>
+          <a:lstStyle/>
+          <a:p>
+            <a:pPr marL="285750" indent="-285750">
+              <a:buFont typeface="Arial" panose="020B0604020202020204" pitchFamily="34" charset="0"/>
+              <a:buChar char="•"/>
+            </a:pPr>
+            <a:r>
+              <a:rPr lang="en-US" sz="1600" dirty="0"/>
+              <a:t>Where do we go from here?</a:t>
+            </a:r>
+          </a:p>
+          <a:p>
+            <a:pPr marL="285750" indent="-285750">
+              <a:buFont typeface="Arial" panose="020B0604020202020204" pitchFamily="34" charset="0"/>
+              <a:buChar char="•"/>
+            </a:pPr>
+            <a:endParaRPr lang="en-US" sz="1600" dirty="0"/>
+          </a:p>
+          <a:p>
+            <a:pPr marL="285750" indent="-285750">
+              <a:buFont typeface="Arial" panose="020B0604020202020204" pitchFamily="34" charset="0"/>
+              <a:buChar char="•"/>
+            </a:pPr>
+            <a:endParaRPr lang="en-US" sz="1600" dirty="0"/>
+          </a:p>
+          <a:p>
+            <a:pPr marL="285750" indent="-285750">
+              <a:buFont typeface="Arial" panose="020B0604020202020204" pitchFamily="34" charset="0"/>
+              <a:buChar char="•"/>
+            </a:pPr>
+            <a:r>
+              <a:rPr lang="en-US" sz="1600" dirty="0"/>
+              <a:t>Add more controls</a:t>
+            </a:r>
+          </a:p>
+          <a:p>
+            <a:pPr marL="628650" lvl="1" indent="-285750">
+              <a:buFont typeface="Arial" panose="020B0604020202020204" pitchFamily="34" charset="0"/>
+              <a:buChar char="•"/>
+            </a:pPr>
+            <a:r>
+              <a:rPr lang="en-US" sz="1600" dirty="0"/>
+              <a:t>Date</a:t>
+            </a:r>
+          </a:p>
+          <a:p>
+            <a:pPr marL="628650" lvl="1" indent="-285750">
+              <a:buFont typeface="Arial" panose="020B0604020202020204" pitchFamily="34" charset="0"/>
+              <a:buChar char="•"/>
+            </a:pPr>
+            <a:r>
+              <a:rPr lang="en-US" sz="1600" dirty="0"/>
+              <a:t>Checkbox</a:t>
+            </a:r>
+          </a:p>
+          <a:p>
+            <a:pPr marL="628650" lvl="1" indent="-285750">
+              <a:buFont typeface="Arial" panose="020B0604020202020204" pitchFamily="34" charset="0"/>
+              <a:buChar char="•"/>
+            </a:pPr>
+            <a:r>
+              <a:rPr lang="en-US" sz="1600" dirty="0"/>
+              <a:t>Combo Box</a:t>
+            </a:r>
+          </a:p>
+          <a:p>
+            <a:pPr marL="628650" lvl="1" indent="-285750">
+              <a:buFont typeface="Arial" panose="020B0604020202020204" pitchFamily="34" charset="0"/>
+              <a:buChar char="•"/>
+            </a:pPr>
+            <a:r>
+              <a:rPr lang="en-US" sz="1600" dirty="0"/>
+              <a:t>Selector</a:t>
+            </a:r>
+          </a:p>
+          <a:p>
+            <a:pPr marL="628650" lvl="1" indent="-285750">
+              <a:buFont typeface="Arial" panose="020B0604020202020204" pitchFamily="34" charset="0"/>
+              <a:buChar char="•"/>
+            </a:pPr>
+            <a:endParaRPr lang="en-US" sz="1600" dirty="0"/>
+          </a:p>
+          <a:p>
+            <a:pPr marL="285750" indent="-285750">
+              <a:buFont typeface="Arial" panose="020B0604020202020204" pitchFamily="34" charset="0"/>
+              <a:buChar char="•"/>
+            </a:pPr>
+            <a:r>
+              <a:rPr lang="en-US" sz="1600" dirty="0"/>
+              <a:t>Configure layout of the Form</a:t>
+            </a:r>
+          </a:p>
+          <a:p>
+            <a:pPr marL="285750" indent="-285750">
+              <a:buFont typeface="Arial" panose="020B0604020202020204" pitchFamily="34" charset="0"/>
+              <a:buChar char="•"/>
+            </a:pPr>
+            <a:endParaRPr lang="en-US" sz="1600" dirty="0"/>
+          </a:p>
+          <a:p>
+            <a:pPr marL="285750" indent="-285750">
+              <a:buFont typeface="Arial" panose="020B0604020202020204" pitchFamily="34" charset="0"/>
+              <a:buChar char="•"/>
+            </a:pPr>
+            <a:r>
+              <a:rPr lang="en-US" sz="1600" dirty="0"/>
+              <a:t>Allow for Required Fields</a:t>
+            </a:r>
+          </a:p>
+          <a:p>
+            <a:pPr marL="285750" indent="-285750">
+              <a:buFont typeface="Arial" panose="020B0604020202020204" pitchFamily="34" charset="0"/>
+              <a:buChar char="•"/>
+            </a:pPr>
+            <a:endParaRPr lang="en-US" sz="1600" dirty="0"/>
+          </a:p>
+          <a:p>
+            <a:pPr marL="285750" indent="-285750">
+              <a:buFont typeface="Arial" panose="020B0604020202020204" pitchFamily="34" charset="0"/>
+              <a:buChar char="•"/>
+            </a:pPr>
+            <a:r>
+              <a:rPr lang="en-US" sz="1600" dirty="0"/>
+              <a:t>Enable Basic events on fields</a:t>
+            </a:r>
+          </a:p>
+          <a:p>
+            <a:pPr marL="628650" lvl="1" indent="-285750">
+              <a:buFont typeface="Arial" panose="020B0604020202020204" pitchFamily="34" charset="0"/>
+              <a:buChar char="•"/>
+            </a:pPr>
+            <a:r>
+              <a:rPr lang="en-US" sz="1600" dirty="0"/>
+              <a:t>Define Attributes = Business Logic!</a:t>
+            </a:r>
+          </a:p>
+          <a:p>
+            <a:pPr marL="628650" lvl="1" indent="-285750">
+              <a:buFont typeface="Arial" panose="020B0604020202020204" pitchFamily="34" charset="0"/>
+              <a:buChar char="•"/>
+            </a:pPr>
+            <a:endParaRPr lang="en-US" sz="1600" dirty="0"/>
+          </a:p>
+          <a:p>
+            <a:pPr marL="285750" indent="-285750">
+              <a:buFont typeface="Arial" panose="020B0604020202020204" pitchFamily="34" charset="0"/>
+              <a:buChar char="•"/>
+            </a:pPr>
+            <a:endParaRPr lang="en-US" sz="1600" dirty="0"/>
+          </a:p>
+          <a:p>
+            <a:r>
+              <a:rPr lang="en-US" sz="1600" dirty="0"/>
+              <a:t>	</a:t>
+            </a:r>
+          </a:p>
+        </p:txBody>
+      </p:sp>
+      <p:sp>
+        <p:nvSpPr>
+          <p:cNvPr id="14" name="Text Placeholder 4">
+            <a:extLst>
+              <a:ext uri="{FF2B5EF4-FFF2-40B4-BE49-F238E27FC236}">
+                <a16:creationId xmlns:a16="http://schemas.microsoft.com/office/drawing/2014/main" id="{70D18273-A5FF-4DE8-98A5-EB04E5DCAF05}"/>
               </a:ext>
             </a:extLst>
           </p:cNvPr>
@@ -6280,47 +7135,71 @@
             <a:spLocks noGrp="1"/>
           </p:cNvSpPr>
           <p:nvPr>
-            <p:ph type="title"/>
+            <p:ph type="body" sz="quarter" idx="10"/>
           </p:nvPr>
         </p:nvSpPr>
-        <p:spPr/>
+        <p:spPr>
+          <a:xfrm>
+            <a:off x="1192826" y="3878051"/>
+            <a:ext cx="1155275" cy="333236"/>
+          </a:xfrm>
+        </p:spPr>
         <p:txBody>
-          <a:bodyPr/>
+          <a:bodyPr>
+            <a:normAutofit/>
+          </a:bodyPr>
           <a:lstStyle/>
           <a:p>
-            <a:endParaRPr lang="en-US"/>
+            <a:r>
+              <a:rPr lang="en-US" sz="1800" dirty="0"/>
+              <a:t>Team Zeta</a:t>
+            </a:r>
           </a:p>
         </p:txBody>
       </p:sp>
-      <p:sp>
-        <p:nvSpPr>
-          <p:cNvPr id="8" name="Content Placeholder 7">
-            <a:extLst>
-              <a:ext uri="{FF2B5EF4-FFF2-40B4-BE49-F238E27FC236}">
-                <a16:creationId xmlns:a16="http://schemas.microsoft.com/office/drawing/2014/main" id="{7593FDAB-5010-4B84-8A43-03AF24239492}"/>
-              </a:ext>
-            </a:extLst>
-          </p:cNvPr>
-          <p:cNvSpPr>
-            <a:spLocks noGrp="1"/>
-          </p:cNvSpPr>
-          <p:nvPr>
-            <p:ph sz="quarter" idx="15"/>
-          </p:nvPr>
-        </p:nvSpPr>
-        <p:spPr/>
-        <p:txBody>
-          <a:bodyPr/>
-          <a:lstStyle/>
-          <a:p>
-            <a:endParaRPr lang="en-US"/>
-          </a:p>
-        </p:txBody>
-      </p:sp>
+      <p:pic>
+        <p:nvPicPr>
+          <p:cNvPr id="4" name="Picture 3" descr="A picture containing drawing&#10;&#10;Description automatically generated">
+            <a:extLst>
+              <a:ext uri="{FF2B5EF4-FFF2-40B4-BE49-F238E27FC236}">
+                <a16:creationId xmlns:a16="http://schemas.microsoft.com/office/drawing/2014/main" id="{2BCAC32C-E4FD-4714-A804-117DE1ACB89C}"/>
+              </a:ext>
+            </a:extLst>
+          </p:cNvPr>
+          <p:cNvPicPr>
+            <a:picLocks noChangeAspect="1"/>
+          </p:cNvPicPr>
+          <p:nvPr/>
+        </p:nvPicPr>
+        <p:blipFill>
+          <a:blip r:embed="rId2">
+            <a:extLst>
+              <a:ext uri="{28A0092B-C50C-407E-A947-70E740481C1C}">
+                <a14:useLocalDpi xmlns:a14="http://schemas.microsoft.com/office/drawing/2010/main" val="0"/>
+              </a:ext>
+              <a:ext uri="{837473B0-CC2E-450A-ABE3-18F120FF3D39}">
+                <a1611:picAttrSrcUrl xmlns:a1611="http://schemas.microsoft.com/office/drawing/2016/11/main" r:id="rId3"/>
+              </a:ext>
+            </a:extLst>
+          </a:blip>
+          <a:stretch>
+            <a:fillRect/>
+          </a:stretch>
+        </p:blipFill>
+        <p:spPr>
+          <a:xfrm>
+            <a:off x="7116730" y="2375881"/>
+            <a:ext cx="3921384" cy="1305337"/>
+          </a:xfrm>
+          <a:prstGeom prst="rect">
+            <a:avLst/>
+          </a:prstGeom>
+        </p:spPr>
+      </p:pic>
     </p:spTree>
     <p:extLst>
       <p:ext uri="{BB962C8B-B14F-4D97-AF65-F5344CB8AC3E}">
-        <p14:creationId xmlns:p14="http://schemas.microsoft.com/office/powerpoint/2010/main" val="3088906661"/>
+        <p14:creationId xmlns:p14="http://schemas.microsoft.com/office/powerpoint/2010/main" val="898545463"/>
       </p:ext>
     </p:extLst>
   </p:cSld>
@@ -6349,10 +7228,10 @@
       </p:grpSpPr>
       <p:sp>
         <p:nvSpPr>
-          <p:cNvPr id="5" name="Title 4">
-            <a:extLst>
-              <a:ext uri="{FF2B5EF4-FFF2-40B4-BE49-F238E27FC236}">
-                <a16:creationId xmlns:a16="http://schemas.microsoft.com/office/drawing/2014/main" id="{95E2052C-8F42-4B5C-A175-843401B20D6F}"/>
+          <p:cNvPr id="5" name="Text Placeholder 4">
+            <a:extLst>
+              <a:ext uri="{FF2B5EF4-FFF2-40B4-BE49-F238E27FC236}">
+                <a16:creationId xmlns:a16="http://schemas.microsoft.com/office/drawing/2014/main" id="{4235DBCC-193A-43D5-BE2E-2C8FED044449}"/>
               </a:ext>
             </a:extLst>
           </p:cNvPr>
@@ -6360,107 +7239,249 @@
             <a:spLocks noGrp="1"/>
           </p:cNvSpPr>
           <p:nvPr>
-            <p:ph type="title"/>
+            <p:ph type="body" sz="quarter" idx="10"/>
           </p:nvPr>
         </p:nvSpPr>
-        <p:spPr/>
+        <p:spPr>
+          <a:xfrm>
+            <a:off x="3683389" y="3746594"/>
+            <a:ext cx="1896317" cy="423369"/>
+          </a:xfrm>
+        </p:spPr>
+        <p:txBody>
+          <a:bodyPr>
+            <a:normAutofit/>
+          </a:bodyPr>
+          <a:lstStyle/>
+          <a:p>
+            <a:r>
+              <a:rPr lang="en-US" sz="2000" dirty="0"/>
+              <a:t>Team Zeta</a:t>
+            </a:r>
+          </a:p>
+        </p:txBody>
+      </p:sp>
+      <p:sp>
+        <p:nvSpPr>
+          <p:cNvPr id="6" name="Text Placeholder 5">
+            <a:extLst>
+              <a:ext uri="{FF2B5EF4-FFF2-40B4-BE49-F238E27FC236}">
+                <a16:creationId xmlns:a16="http://schemas.microsoft.com/office/drawing/2014/main" id="{B31C3928-D385-40C9-BEA3-2E137EB68A35}"/>
+              </a:ext>
+            </a:extLst>
+          </p:cNvPr>
+          <p:cNvSpPr>
+            <a:spLocks noGrp="1"/>
+          </p:cNvSpPr>
+          <p:nvPr>
+            <p:ph type="body" sz="quarter" idx="11"/>
+          </p:nvPr>
+        </p:nvSpPr>
+        <p:spPr>
+          <a:xfrm>
+            <a:off x="4006450" y="4247051"/>
+            <a:ext cx="7721458" cy="1619054"/>
+          </a:xfrm>
+        </p:spPr>
+        <p:txBody>
+          <a:bodyPr>
+            <a:normAutofit lnSpcReduction="10000"/>
+          </a:bodyPr>
+          <a:lstStyle/>
+          <a:p>
+            <a:r>
+              <a:rPr lang="sv-SE" dirty="0"/>
+              <a:t>Alexander Taran		Hank </a:t>
+            </a:r>
+            <a:r>
+              <a:rPr lang="en-US" dirty="0" err="1"/>
+              <a:t>Vanderstoep</a:t>
+            </a:r>
+            <a:endParaRPr lang="sv-SE" dirty="0"/>
+          </a:p>
+          <a:p>
+            <a:r>
+              <a:rPr lang="sv-SE" dirty="0"/>
+              <a:t>Samvel Petrosov		Stan Aistov</a:t>
+            </a:r>
+          </a:p>
+          <a:p>
+            <a:r>
+              <a:rPr lang="sv-SE" dirty="0"/>
+              <a:t>Kyle </a:t>
+            </a:r>
+            <a:r>
+              <a:rPr lang="en-US" dirty="0" err="1"/>
+              <a:t>Vanderstoep</a:t>
+            </a:r>
+            <a:r>
+              <a:rPr lang="en-US" dirty="0"/>
+              <a:t>		Tony Hill</a:t>
+            </a:r>
+            <a:endParaRPr lang="sv-SE" dirty="0"/>
+          </a:p>
+          <a:p>
+            <a:r>
+              <a:rPr lang="en-US" dirty="0"/>
+              <a:t>		</a:t>
+            </a:r>
+          </a:p>
+        </p:txBody>
+      </p:sp>
+      <p:sp>
+        <p:nvSpPr>
+          <p:cNvPr id="4" name="Title 3">
+            <a:extLst>
+              <a:ext uri="{FF2B5EF4-FFF2-40B4-BE49-F238E27FC236}">
+                <a16:creationId xmlns:a16="http://schemas.microsoft.com/office/drawing/2014/main" id="{A2260856-AB33-4CAE-8FDA-BFCA8827632A}"/>
+              </a:ext>
+            </a:extLst>
+          </p:cNvPr>
+          <p:cNvSpPr>
+            <a:spLocks noGrp="1"/>
+          </p:cNvSpPr>
+          <p:nvPr>
+            <p:ph type="ctrTitle"/>
+          </p:nvPr>
+        </p:nvSpPr>
+        <p:spPr>
+          <a:xfrm>
+            <a:off x="3765884" y="2418355"/>
+            <a:ext cx="7962024" cy="721828"/>
+          </a:xfrm>
+        </p:spPr>
         <p:txBody>
           <a:bodyPr/>
           <a:lstStyle/>
           <a:p>
-            <a:endParaRPr lang="en-US"/>
+            <a:r>
+              <a:rPr lang="en-US" sz="4800" dirty="0"/>
+              <a:t>Generic Forms</a:t>
+            </a:r>
+            <a:br>
+              <a:rPr lang="en-US" sz="4800" dirty="0"/>
+            </a:br>
+            <a:endParaRPr lang="en-US" sz="4800" dirty="0"/>
+          </a:p>
+        </p:txBody>
+      </p:sp>
+      <p:sp>
+        <p:nvSpPr>
+          <p:cNvPr id="7" name="Title 3">
+            <a:extLst>
+              <a:ext uri="{FF2B5EF4-FFF2-40B4-BE49-F238E27FC236}">
+                <a16:creationId xmlns:a16="http://schemas.microsoft.com/office/drawing/2014/main" id="{C15C06D4-53D9-431E-A279-FC7DDCA49DA6}"/>
+              </a:ext>
+            </a:extLst>
+          </p:cNvPr>
+          <p:cNvSpPr txBox="1">
+            <a:spLocks/>
+          </p:cNvSpPr>
+          <p:nvPr/>
+        </p:nvSpPr>
+        <p:spPr>
+          <a:xfrm>
+            <a:off x="4213485" y="3111406"/>
+            <a:ext cx="5975543" cy="500457"/>
+          </a:xfrm>
+          <a:prstGeom prst="rect">
+            <a:avLst/>
+          </a:prstGeom>
+          <a:noFill/>
+        </p:spPr>
+        <p:txBody>
+          <a:bodyPr wrap="square" lIns="0" tIns="0" rIns="0" bIns="0" rtlCol="0" anchor="t" anchorCtr="0">
+            <a:noAutofit/>
+          </a:bodyPr>
+          <a:lstStyle>
+            <a:lvl1pPr algn="l" defTabSz="914377" rtl="0" eaLnBrk="1" latinLnBrk="0" hangingPunct="1">
+              <a:lnSpc>
+                <a:spcPct val="100000"/>
+              </a:lnSpc>
+              <a:spcBef>
+                <a:spcPct val="0"/>
+              </a:spcBef>
+              <a:buNone/>
+              <a:defRPr lang="en-US" sz="5333" b="1" kern="1200" dirty="0" smtClean="0">
+                <a:solidFill>
+                  <a:srgbClr val="000033"/>
+                </a:solidFill>
+                <a:latin typeface="Arial"/>
+                <a:ea typeface="+mn-ea"/>
+                <a:cs typeface="Arial"/>
+              </a:defRPr>
+            </a:lvl1pPr>
+          </a:lstStyle>
+          <a:p>
+            <a:r>
+              <a:rPr lang="en-US" sz="2800" dirty="0">
+                <a:solidFill>
+                  <a:schemeClr val="accent4">
+                    <a:lumMod val="75000"/>
+                  </a:schemeClr>
+                </a:solidFill>
+              </a:rPr>
+              <a:t>[YOUR FORM NAME HERE]</a:t>
+            </a:r>
+          </a:p>
+        </p:txBody>
+      </p:sp>
+      <p:sp>
+        <p:nvSpPr>
+          <p:cNvPr id="2" name="TextBox 1">
+            <a:extLst>
+              <a:ext uri="{FF2B5EF4-FFF2-40B4-BE49-F238E27FC236}">
+                <a16:creationId xmlns:a16="http://schemas.microsoft.com/office/drawing/2014/main" id="{57FFA4D6-F47A-4624-A21D-7CE2F9FF6292}"/>
+              </a:ext>
+            </a:extLst>
+          </p:cNvPr>
+          <p:cNvSpPr txBox="1"/>
+          <p:nvPr/>
+        </p:nvSpPr>
+        <p:spPr>
+          <a:xfrm>
+            <a:off x="5293894" y="444361"/>
+            <a:ext cx="5895474" cy="913007"/>
+          </a:xfrm>
+          <a:prstGeom prst="rect">
+            <a:avLst/>
+          </a:prstGeom>
+          <a:noFill/>
+        </p:spPr>
+        <p:txBody>
+          <a:bodyPr wrap="square" lIns="0" tIns="0" rIns="0" bIns="0" rtlCol="0" anchor="t" anchorCtr="0">
+            <a:noAutofit/>
+          </a:bodyPr>
+          <a:lstStyle>
+            <a:lvl1pPr defTabSz="914377">
+              <a:lnSpc>
+                <a:spcPct val="100000"/>
+              </a:lnSpc>
+              <a:spcBef>
+                <a:spcPct val="0"/>
+              </a:spcBef>
+              <a:buNone/>
+              <a:defRPr lang="en-US" sz="5333" b="1" dirty="0" smtClean="0">
+                <a:solidFill>
+                  <a:srgbClr val="000033"/>
+                </a:solidFill>
+                <a:latin typeface="Arial"/>
+                <a:cs typeface="Arial"/>
+              </a:defRPr>
+            </a:lvl1pPr>
+          </a:lstStyle>
+          <a:p>
+            <a:r>
+              <a:rPr lang="en-US" dirty="0"/>
+              <a:t>Thank You!</a:t>
+            </a:r>
           </a:p>
         </p:txBody>
       </p:sp>
     </p:spTree>
     <p:extLst>
       <p:ext uri="{BB962C8B-B14F-4D97-AF65-F5344CB8AC3E}">
-        <p14:creationId xmlns:p14="http://schemas.microsoft.com/office/powerpoint/2010/main" val="4105957541"/>
-      </p:ext>
-    </p:extLst>
-  </p:cSld>
-  <p:clrMapOvr>
-    <a:masterClrMapping/>
-  </p:clrMapOvr>
-</p:sld>
-</file>
-
-<file path=ppt/slides/slide8.xml><?xml version="1.0" encoding="utf-8"?>
-<p:sld xmlns:a="http://schemas.openxmlformats.org/drawingml/2006/main" xmlns:r="http://schemas.openxmlformats.org/officeDocument/2006/relationships" xmlns:p="http://schemas.openxmlformats.org/presentationml/2006/main">
-  <p:cSld>
-    <p:spTree>
-      <p:nvGrpSpPr>
-        <p:cNvPr id="1" name=""/>
-        <p:cNvGrpSpPr/>
-        <p:nvPr/>
-      </p:nvGrpSpPr>
-      <p:grpSpPr>
-        <a:xfrm>
-          <a:off x="0" y="0"/>
-          <a:ext cx="0" cy="0"/>
-          <a:chOff x="0" y="0"/>
-          <a:chExt cx="0" cy="0"/>
-        </a:xfrm>
-      </p:grpSpPr>
-      <p:sp>
-        <p:nvSpPr>
-          <p:cNvPr id="3" name="Title 2">
-            <a:extLst>
-              <a:ext uri="{FF2B5EF4-FFF2-40B4-BE49-F238E27FC236}">
-                <a16:creationId xmlns:a16="http://schemas.microsoft.com/office/drawing/2014/main" id="{D70FE123-7812-47A2-BA41-2AEE8AD74B2F}"/>
-              </a:ext>
-            </a:extLst>
-          </p:cNvPr>
-          <p:cNvSpPr>
-            <a:spLocks noGrp="1"/>
-          </p:cNvSpPr>
-          <p:nvPr>
-            <p:ph type="title"/>
-          </p:nvPr>
-        </p:nvSpPr>
-        <p:spPr/>
-        <p:txBody>
-          <a:bodyPr/>
-          <a:lstStyle/>
-          <a:p>
-            <a:endParaRPr lang="en-US"/>
-          </a:p>
-        </p:txBody>
-      </p:sp>
-    </p:spTree>
-    <p:extLst>
-      <p:ext uri="{BB962C8B-B14F-4D97-AF65-F5344CB8AC3E}">
-        <p14:creationId xmlns:p14="http://schemas.microsoft.com/office/powerpoint/2010/main" val="3196670989"/>
-      </p:ext>
-    </p:extLst>
-  </p:cSld>
-  <p:clrMapOvr>
-    <a:masterClrMapping/>
-  </p:clrMapOvr>
-</p:sld>
-</file>
-
-<file path=ppt/slides/slide9.xml><?xml version="1.0" encoding="utf-8"?>
-<p:sld xmlns:a="http://schemas.openxmlformats.org/drawingml/2006/main" xmlns:r="http://schemas.openxmlformats.org/officeDocument/2006/relationships" xmlns:p="http://schemas.openxmlformats.org/presentationml/2006/main">
-  <p:cSld>
-    <p:spTree>
-      <p:nvGrpSpPr>
-        <p:cNvPr id="1" name=""/>
-        <p:cNvGrpSpPr/>
-        <p:nvPr/>
-      </p:nvGrpSpPr>
-      <p:grpSpPr>
-        <a:xfrm>
-          <a:off x="0" y="0"/>
-          <a:ext cx="0" cy="0"/>
-          <a:chOff x="0" y="0"/>
-          <a:chExt cx="0" cy="0"/>
-        </a:xfrm>
-      </p:grpSpPr>
-    </p:spTree>
-    <p:extLst>
-      <p:ext uri="{BB962C8B-B14F-4D97-AF65-F5344CB8AC3E}">
-        <p14:creationId xmlns:p14="http://schemas.microsoft.com/office/powerpoint/2010/main" val="3193840387"/>
+        <p14:creationId xmlns:p14="http://schemas.microsoft.com/office/powerpoint/2010/main" val="3977378587"/>
       </p:ext>
     </p:extLst>
   </p:cSld>
@@ -6782,6 +7803,15 @@
 </file>
 
 <file path=customXml/item2.xml><?xml version="1.0" encoding="utf-8"?>
+<?mso-contentType ?>
+<FormTemplates xmlns="http://schemas.microsoft.com/sharepoint/v3/contenttype/forms">
+  <Display>DocumentLibraryForm</Display>
+  <Edit>DocumentLibraryForm</Edit>
+  <New>DocumentLibraryForm</New>
+</FormTemplates>
+</file>
+
+<file path=customXml/item3.xml><?xml version="1.0" encoding="utf-8"?>
 <ct:contentTypeSchema xmlns:ct="http://schemas.microsoft.com/office/2006/metadata/contentType" xmlns:ma="http://schemas.microsoft.com/office/2006/metadata/properties/metaAttributes" ct:_="" ma:_="" ma:contentTypeName="Document" ma:contentTypeID="0x0101000E8597AA592CB245AC84553FD001052B" ma:contentTypeVersion="7" ma:contentTypeDescription="Create a new document." ma:contentTypeScope="" ma:versionID="212cd9971b1595f67b4a2680fba7be59">
   <xsd:schema xmlns:xsd="http://www.w3.org/2001/XMLSchema" xmlns:xs="http://www.w3.org/2001/XMLSchema" xmlns:p="http://schemas.microsoft.com/office/2006/metadata/properties" xmlns:ns2="fe4e76c0-957d-466f-b6f8-63e89943fae3" xmlns:ns3="56c3b963-06d0-423e-9131-baa86a955236" targetNamespace="http://schemas.microsoft.com/office/2006/metadata/properties" ma:root="true" ma:fieldsID="9daf913d054c18082ed4b25cc90d0392" ns2:_="" ns3:_="">
     <xsd:import namespace="fe4e76c0-957d-466f-b6f8-63e89943fae3"/>
@@ -6964,15 +7994,6 @@
 </ct:contentTypeSchema>
 </file>
 
-<file path=customXml/item3.xml><?xml version="1.0" encoding="utf-8"?>
-<?mso-contentType ?>
-<FormTemplates xmlns="http://schemas.microsoft.com/sharepoint/v3/contenttype/forms">
-  <Display>DocumentLibraryForm</Display>
-  <Edit>DocumentLibraryForm</Edit>
-  <New>DocumentLibraryForm</New>
-</FormTemplates>
-</file>
-
 <file path=customXml/itemProps1.xml><?xml version="1.0" encoding="utf-8"?>
 <ds:datastoreItem xmlns:ds="http://schemas.openxmlformats.org/officeDocument/2006/customXml" ds:itemID="{99D7B710-9AA7-4027-95A1-B136B61D20D0}">
   <ds:schemaRefs>
@@ -6991,6 +8012,14 @@
 </file>
 
 <file path=customXml/itemProps2.xml><?xml version="1.0" encoding="utf-8"?>
+<ds:datastoreItem xmlns:ds="http://schemas.openxmlformats.org/officeDocument/2006/customXml" ds:itemID="{5846627D-C8AA-490A-90F2-B5F9A3C92B5E}">
+  <ds:schemaRefs>
+    <ds:schemaRef ds:uri="http://schemas.microsoft.com/sharepoint/v3/contenttype/forms"/>
+  </ds:schemaRefs>
+</ds:datastoreItem>
+</file>
+
+<file path=customXml/itemProps3.xml><?xml version="1.0" encoding="utf-8"?>
 <ds:datastoreItem xmlns:ds="http://schemas.openxmlformats.org/officeDocument/2006/customXml" ds:itemID="{F4ED6B83-F1BE-4D23-9479-A5BC81F2D827}">
   <ds:schemaRefs>
     <ds:schemaRef ds:uri="http://schemas.microsoft.com/office/2006/metadata/contentType"/>
@@ -7007,12 +8036,4 @@
     <ds:schemaRef ds:uri="http://schemas.microsoft.com/internal/obd"/>
   </ds:schemaRefs>
 </ds:datastoreItem>
-</file>
-
-<file path=customXml/itemProps3.xml><?xml version="1.0" encoding="utf-8"?>
-<ds:datastoreItem xmlns:ds="http://schemas.openxmlformats.org/officeDocument/2006/customXml" ds:itemID="{5846627D-C8AA-490A-90F2-B5F9A3C92B5E}">
-  <ds:schemaRefs>
-    <ds:schemaRef ds:uri="http://schemas.microsoft.com/sharepoint/v3/contenttype/forms"/>
-  </ds:schemaRefs>
-</ds:datastoreItem>
 </file>
--- a/Misc/Summit 2020 Zeta.pptx
+++ b/Misc/Summit 2020 Zeta.pptx
@@ -5407,120 +5407,6 @@
       </p:grpSpPr>
       <p:sp>
         <p:nvSpPr>
-          <p:cNvPr id="8" name="Title 3">
-            <a:extLst>
-              <a:ext uri="{FF2B5EF4-FFF2-40B4-BE49-F238E27FC236}">
-                <a16:creationId xmlns:a16="http://schemas.microsoft.com/office/drawing/2014/main" id="{2B488C4E-81AD-4C04-973A-0C9D98EFD03B}"/>
-              </a:ext>
-            </a:extLst>
-          </p:cNvPr>
-          <p:cNvSpPr>
-            <a:spLocks noGrp="1"/>
-          </p:cNvSpPr>
-          <p:nvPr>
-            <p:ph type="ctrTitle"/>
-          </p:nvPr>
-        </p:nvSpPr>
-        <p:spPr>
-          <a:xfrm>
-            <a:off x="3704249" y="245036"/>
-            <a:ext cx="8070309" cy="891759"/>
-          </a:xfrm>
-        </p:spPr>
-        <p:txBody>
-          <a:bodyPr/>
-          <a:lstStyle/>
-          <a:p>
-            <a:r>
-              <a:rPr lang="en-US" dirty="0"/>
-              <a:t>Generic Forms</a:t>
-            </a:r>
-            <a:br>
-              <a:rPr lang="en-US" dirty="0"/>
-            </a:br>
-            <a:endParaRPr lang="en-US" dirty="0"/>
-          </a:p>
-        </p:txBody>
-      </p:sp>
-      <p:sp>
-        <p:nvSpPr>
-          <p:cNvPr id="9" name="Title 3">
-            <a:extLst>
-              <a:ext uri="{FF2B5EF4-FFF2-40B4-BE49-F238E27FC236}">
-                <a16:creationId xmlns:a16="http://schemas.microsoft.com/office/drawing/2014/main" id="{2D6D6BA7-C073-477B-8D57-C393496B8BBA}"/>
-              </a:ext>
-            </a:extLst>
-          </p:cNvPr>
-          <p:cNvSpPr txBox="1">
-            <a:spLocks/>
-          </p:cNvSpPr>
-          <p:nvPr/>
-        </p:nvSpPr>
-        <p:spPr>
-          <a:xfrm>
-            <a:off x="4178867" y="1136795"/>
-            <a:ext cx="6056811" cy="618273"/>
-          </a:xfrm>
-          <a:prstGeom prst="rect">
-            <a:avLst/>
-          </a:prstGeom>
-          <a:noFill/>
-        </p:spPr>
-        <p:txBody>
-          <a:bodyPr wrap="square" lIns="0" tIns="0" rIns="0" bIns="0" rtlCol="0" anchor="t" anchorCtr="0">
-            <a:noAutofit/>
-          </a:bodyPr>
-          <a:lstStyle>
-            <a:lvl1pPr algn="l" defTabSz="914377" rtl="0" eaLnBrk="1" latinLnBrk="0" hangingPunct="1">
-              <a:lnSpc>
-                <a:spcPct val="100000"/>
-              </a:lnSpc>
-              <a:spcBef>
-                <a:spcPct val="0"/>
-              </a:spcBef>
-              <a:buNone/>
-              <a:defRPr lang="en-US" sz="5333" b="1" kern="1200" dirty="0" smtClean="0">
-                <a:solidFill>
-                  <a:srgbClr val="000033"/>
-                </a:solidFill>
-                <a:latin typeface="Arial"/>
-                <a:ea typeface="+mn-ea"/>
-                <a:cs typeface="Arial"/>
-              </a:defRPr>
-            </a:lvl1pPr>
-          </a:lstStyle>
-          <a:p>
-            <a:r>
-              <a:rPr lang="en-US" sz="3200" dirty="0">
-                <a:solidFill>
-                  <a:schemeClr val="accent4">
-                    <a:lumMod val="75000"/>
-                  </a:schemeClr>
-                </a:solidFill>
-              </a:rPr>
-              <a:t>[YOUR FORM NAME HERE]</a:t>
-            </a:r>
-            <a:br>
-              <a:rPr lang="en-US" sz="3200" dirty="0">
-                <a:solidFill>
-                  <a:schemeClr val="accent4">
-                    <a:lumMod val="75000"/>
-                  </a:schemeClr>
-                </a:solidFill>
-              </a:rPr>
-            </a:br>
-            <a:endParaRPr lang="en-US" sz="3200" dirty="0">
-              <a:solidFill>
-                <a:schemeClr val="accent4">
-                  <a:lumMod val="75000"/>
-                </a:schemeClr>
-              </a:solidFill>
-            </a:endParaRPr>
-          </a:p>
-        </p:txBody>
-      </p:sp>
-      <p:sp>
-        <p:nvSpPr>
           <p:cNvPr id="10" name="TextBox 9">
             <a:extLst>
               <a:ext uri="{FF2B5EF4-FFF2-40B4-BE49-F238E27FC236}">
@@ -5533,8 +5419,8 @@
         </p:nvSpPr>
         <p:spPr>
           <a:xfrm>
-            <a:off x="3704249" y="1872257"/>
-            <a:ext cx="5393093" cy="2062103"/>
+            <a:off x="4412611" y="2756966"/>
+            <a:ext cx="7745945" cy="1323439"/>
           </a:xfrm>
           <a:prstGeom prst="rect">
             <a:avLst/>
@@ -5547,63 +5433,38 @@
           </a:bodyPr>
           <a:lstStyle/>
           <a:p>
-            <a:pPr marL="285750" indent="-285750">
+            <a:pPr marL="342900" indent="-342900">
               <a:buFont typeface="Arial" panose="020B0604020202020204" pitchFamily="34" charset="0"/>
               <a:buChar char="•"/>
             </a:pPr>
             <a:r>
-              <a:rPr lang="en-US" sz="1600" dirty="0"/>
-              <a:t>What Generic Inquiry did for inquiries</a:t>
-            </a:r>
-          </a:p>
-          <a:p>
-            <a:r>
-              <a:rPr lang="en-US" sz="1600" dirty="0"/>
-              <a:t>	Generic Forms will do for forms.</a:t>
-            </a:r>
-          </a:p>
-          <a:p>
-            <a:r>
-              <a:rPr lang="en-US" sz="1600" dirty="0"/>
-              <a:t>		YOUR data entry simplified.</a:t>
-            </a:r>
-          </a:p>
-          <a:p>
-            <a:endParaRPr lang="en-US" sz="1600" dirty="0"/>
-          </a:p>
-          <a:p>
-            <a:pPr marL="285750" indent="-285750">
-              <a:buFont typeface="Arial" panose="020B0604020202020204" pitchFamily="34" charset="0"/>
-              <a:buChar char="•"/>
-            </a:pPr>
-            <a:r>
-              <a:rPr lang="en-US" sz="1600" dirty="0"/>
+              <a:rPr lang="en-US" sz="2000" b="1" dirty="0"/>
               <a:t>Store </a:t>
             </a:r>
             <a:r>
-              <a:rPr lang="en-US" sz="1600" u="sng" dirty="0"/>
+              <a:rPr lang="en-US" sz="2000" b="1" u="sng" dirty="0"/>
               <a:t>any</a:t>
             </a:r>
             <a:r>
-              <a:rPr lang="en-US" sz="1600" dirty="0"/>
+              <a:rPr lang="en-US" sz="2000" b="1" dirty="0"/>
               <a:t> data in your robust, secure ERP instance</a:t>
             </a:r>
           </a:p>
           <a:p>
             <a:r>
-              <a:rPr lang="en-US" sz="1600" dirty="0"/>
+              <a:rPr lang="en-US" sz="2000" b="1" dirty="0"/>
               <a:t>	Configuration, not Customization</a:t>
             </a:r>
           </a:p>
           <a:p>
             <a:r>
-              <a:rPr lang="en-US" sz="1600" dirty="0"/>
+              <a:rPr lang="en-US" sz="2000" b="1" dirty="0"/>
               <a:t>		Say goodbye to Excel!</a:t>
             </a:r>
           </a:p>
           <a:p>
             <a:r>
-              <a:rPr lang="en-US" sz="1600" dirty="0"/>
+              <a:rPr lang="en-US" sz="2000" dirty="0"/>
               <a:t>	</a:t>
             </a:r>
           </a:p>
@@ -5839,6 +5700,190 @@
           </a:p>
         </p:txBody>
       </p:sp>
+      <p:sp>
+        <p:nvSpPr>
+          <p:cNvPr id="16" name="Title 3">
+            <a:extLst>
+              <a:ext uri="{FF2B5EF4-FFF2-40B4-BE49-F238E27FC236}">
+                <a16:creationId xmlns:a16="http://schemas.microsoft.com/office/drawing/2014/main" id="{DEBDC4C2-DE45-4F48-8935-86B7B461F9F8}"/>
+              </a:ext>
+            </a:extLst>
+          </p:cNvPr>
+          <p:cNvSpPr txBox="1">
+            <a:spLocks/>
+          </p:cNvSpPr>
+          <p:nvPr/>
+        </p:nvSpPr>
+        <p:spPr>
+          <a:xfrm>
+            <a:off x="80516" y="111163"/>
+            <a:ext cx="4220137" cy="480639"/>
+          </a:xfrm>
+          <a:prstGeom prst="rect">
+            <a:avLst/>
+          </a:prstGeom>
+          <a:noFill/>
+        </p:spPr>
+        <p:txBody>
+          <a:bodyPr wrap="square" lIns="0" tIns="0" rIns="0" bIns="0" rtlCol="0" anchor="t" anchorCtr="0">
+            <a:noAutofit/>
+          </a:bodyPr>
+          <a:lstStyle>
+            <a:lvl1pPr algn="l" defTabSz="914377" rtl="0" eaLnBrk="1" latinLnBrk="0" hangingPunct="1">
+              <a:lnSpc>
+                <a:spcPct val="100000"/>
+              </a:lnSpc>
+              <a:spcBef>
+                <a:spcPct val="0"/>
+              </a:spcBef>
+              <a:buNone/>
+              <a:defRPr lang="en-US" sz="5333" b="1" kern="1200" dirty="0" smtClean="0">
+                <a:solidFill>
+                  <a:srgbClr val="000033"/>
+                </a:solidFill>
+                <a:latin typeface="Arial"/>
+                <a:ea typeface="+mn-ea"/>
+                <a:cs typeface="Arial"/>
+              </a:defRPr>
+            </a:lvl1pPr>
+          </a:lstStyle>
+          <a:p>
+            <a:r>
+              <a:rPr lang="en-US" sz="2800"/>
+              <a:t>Generic Forms</a:t>
+            </a:r>
+            <a:br>
+              <a:rPr lang="en-US" sz="2800"/>
+            </a:br>
+            <a:endParaRPr lang="en-US" sz="2800"/>
+          </a:p>
+        </p:txBody>
+      </p:sp>
+      <p:sp>
+        <p:nvSpPr>
+          <p:cNvPr id="17" name="Title 3">
+            <a:extLst>
+              <a:ext uri="{FF2B5EF4-FFF2-40B4-BE49-F238E27FC236}">
+                <a16:creationId xmlns:a16="http://schemas.microsoft.com/office/drawing/2014/main" id="{689E87C7-53A0-414B-B824-0B68156886EF}"/>
+              </a:ext>
+            </a:extLst>
+          </p:cNvPr>
+          <p:cNvSpPr txBox="1">
+            <a:spLocks/>
+          </p:cNvSpPr>
+          <p:nvPr/>
+        </p:nvSpPr>
+        <p:spPr>
+          <a:xfrm>
+            <a:off x="816331" y="591802"/>
+            <a:ext cx="3167236" cy="333236"/>
+          </a:xfrm>
+          <a:prstGeom prst="rect">
+            <a:avLst/>
+          </a:prstGeom>
+          <a:noFill/>
+        </p:spPr>
+        <p:txBody>
+          <a:bodyPr wrap="square" lIns="0" tIns="0" rIns="0" bIns="0" rtlCol="0" anchor="t" anchorCtr="0">
+            <a:noAutofit/>
+          </a:bodyPr>
+          <a:lstStyle>
+            <a:lvl1pPr algn="l" defTabSz="914377" rtl="0" eaLnBrk="1" latinLnBrk="0" hangingPunct="1">
+              <a:lnSpc>
+                <a:spcPct val="100000"/>
+              </a:lnSpc>
+              <a:spcBef>
+                <a:spcPct val="0"/>
+              </a:spcBef>
+              <a:buNone/>
+              <a:defRPr lang="en-US" sz="5333" b="1" kern="1200" dirty="0" smtClean="0">
+                <a:solidFill>
+                  <a:srgbClr val="000033"/>
+                </a:solidFill>
+                <a:latin typeface="Arial"/>
+                <a:ea typeface="+mn-ea"/>
+                <a:cs typeface="Arial"/>
+              </a:defRPr>
+            </a:lvl1pPr>
+          </a:lstStyle>
+          <a:p>
+            <a:r>
+              <a:rPr lang="en-US" sz="1400" dirty="0">
+                <a:solidFill>
+                  <a:schemeClr val="accent4">
+                    <a:lumMod val="75000"/>
+                  </a:schemeClr>
+                </a:solidFill>
+              </a:rPr>
+              <a:t>[YOUR FORM NAME HERE]</a:t>
+            </a:r>
+            <a:br>
+              <a:rPr lang="en-US" sz="1800" dirty="0">
+                <a:solidFill>
+                  <a:schemeClr val="accent4">
+                    <a:lumMod val="75000"/>
+                  </a:schemeClr>
+                </a:solidFill>
+              </a:rPr>
+            </a:br>
+            <a:endParaRPr lang="en-US" sz="1800" dirty="0">
+              <a:solidFill>
+                <a:schemeClr val="accent4">
+                  <a:lumMod val="75000"/>
+                </a:schemeClr>
+              </a:solidFill>
+            </a:endParaRPr>
+          </a:p>
+        </p:txBody>
+      </p:sp>
+      <p:sp>
+        <p:nvSpPr>
+          <p:cNvPr id="5" name="TextBox 4">
+            <a:extLst>
+              <a:ext uri="{FF2B5EF4-FFF2-40B4-BE49-F238E27FC236}">
+                <a16:creationId xmlns:a16="http://schemas.microsoft.com/office/drawing/2014/main" id="{F5578FE1-47E7-4744-B0D1-ECE618824083}"/>
+              </a:ext>
+            </a:extLst>
+          </p:cNvPr>
+          <p:cNvSpPr txBox="1"/>
+          <p:nvPr/>
+        </p:nvSpPr>
+        <p:spPr>
+          <a:xfrm>
+            <a:off x="4382554" y="1258395"/>
+            <a:ext cx="5896151" cy="1015663"/>
+          </a:xfrm>
+          <a:prstGeom prst="rect">
+            <a:avLst/>
+          </a:prstGeom>
+          <a:noFill/>
+        </p:spPr>
+        <p:txBody>
+          <a:bodyPr wrap="square" rtlCol="0">
+            <a:spAutoFit/>
+          </a:bodyPr>
+          <a:lstStyle/>
+          <a:p>
+            <a:pPr marL="342900" indent="-342900">
+              <a:buFont typeface="Arial" panose="020B0604020202020204" pitchFamily="34" charset="0"/>
+              <a:buChar char="•"/>
+            </a:pPr>
+            <a:r>
+              <a:rPr lang="en-US" sz="2000" b="1" dirty="0"/>
+              <a:t>What Generic Inquiry did for inquiries,</a:t>
+            </a:r>
+          </a:p>
+          <a:p>
+            <a:r>
+              <a:rPr lang="en-US" sz="2000" b="1" dirty="0"/>
+              <a:t>	Generic Forms will do for forms.</a:t>
+            </a:r>
+          </a:p>
+          <a:p>
+            <a:endParaRPr lang="en-US" sz="2000" dirty="0" err="1"/>
+          </a:p>
+        </p:txBody>
+      </p:sp>
     </p:spTree>
     <p:extLst>
       <p:ext uri="{BB962C8B-B14F-4D97-AF65-F5344CB8AC3E}">
@@ -5870,7 +5915,7 @@
                             </p:stCondLst>
                             <p:childTnLst>
                               <p:par>
-                                <p:cTn id="5" presetID="31" presetClass="entr" presetSubtype="0" fill="hold" nodeType="clickEffect">
+                                <p:cTn id="5" presetID="1" presetClass="entr" presetSubtype="0" fill="hold" grpId="0" nodeType="clickEffect">
                                   <p:stCondLst>
                                     <p:cond delay="0"/>
                                   </p:stCondLst>
@@ -5878,6 +5923,96 @@
                                     <p:set>
                                       <p:cBhvr>
                                         <p:cTn id="6" dur="1" fill="hold">
+                                          <p:stCondLst>
+                                            <p:cond delay="0"/>
+                                          </p:stCondLst>
+                                        </p:cTn>
+                                        <p:tgtEl>
+                                          <p:spTgt spid="5"/>
+                                        </p:tgtEl>
+                                        <p:attrNameLst>
+                                          <p:attrName>style.visibility</p:attrName>
+                                        </p:attrNameLst>
+                                      </p:cBhvr>
+                                      <p:to>
+                                        <p:strVal val="visible"/>
+                                      </p:to>
+                                    </p:set>
+                                  </p:childTnLst>
+                                </p:cTn>
+                              </p:par>
+                            </p:childTnLst>
+                          </p:cTn>
+                        </p:par>
+                      </p:childTnLst>
+                    </p:cTn>
+                  </p:par>
+                  <p:par>
+                    <p:cTn id="7" fill="hold">
+                      <p:stCondLst>
+                        <p:cond delay="indefinite"/>
+                      </p:stCondLst>
+                      <p:childTnLst>
+                        <p:par>
+                          <p:cTn id="8" fill="hold">
+                            <p:stCondLst>
+                              <p:cond delay="0"/>
+                            </p:stCondLst>
+                            <p:childTnLst>
+                              <p:par>
+                                <p:cTn id="9" presetID="1" presetClass="entr" presetSubtype="0" fill="hold" grpId="0" nodeType="clickEffect">
+                                  <p:stCondLst>
+                                    <p:cond delay="0"/>
+                                  </p:stCondLst>
+                                  <p:childTnLst>
+                                    <p:set>
+                                      <p:cBhvr>
+                                        <p:cTn id="10" dur="1" fill="hold">
+                                          <p:stCondLst>
+                                            <p:cond delay="0"/>
+                                          </p:stCondLst>
+                                        </p:cTn>
+                                        <p:tgtEl>
+                                          <p:spTgt spid="10"/>
+                                        </p:tgtEl>
+                                        <p:attrNameLst>
+                                          <p:attrName>style.visibility</p:attrName>
+                                        </p:attrNameLst>
+                                      </p:cBhvr>
+                                      <p:to>
+                                        <p:strVal val="visible"/>
+                                      </p:to>
+                                    </p:set>
+                                  </p:childTnLst>
+                                </p:cTn>
+                              </p:par>
+                            </p:childTnLst>
+                          </p:cTn>
+                        </p:par>
+                      </p:childTnLst>
+                    </p:cTn>
+                  </p:par>
+                  <p:par>
+                    <p:cTn id="11" fill="hold">
+                      <p:stCondLst>
+                        <p:cond delay="indefinite"/>
+                      </p:stCondLst>
+                      <p:childTnLst>
+                        <p:par>
+                          <p:cTn id="12" fill="hold">
+                            <p:stCondLst>
+                              <p:cond delay="0"/>
+                            </p:stCondLst>
+                            <p:childTnLst>
+                              <p:par>
+                                <p:cTn id="13" presetID="31" presetClass="entr" presetSubtype="0" fill="hold" nodeType="clickEffect">
+                                  <p:stCondLst>
+                                    <p:cond delay="0"/>
+                                  </p:stCondLst>
+                                  <p:childTnLst>
+                                    <p:set>
+                                      <p:cBhvr>
+                                        <p:cTn id="14" dur="1" fill="hold">
                                           <p:stCondLst>
                                             <p:cond delay="0"/>
                                           </p:stCondLst>
@@ -5895,7 +6030,7 @@
                                     </p:set>
                                     <p:anim calcmode="lin" valueType="num">
                                       <p:cBhvr>
-                                        <p:cTn id="7" dur="500" fill="hold"/>
+                                        <p:cTn id="15" dur="500" fill="hold"/>
                                         <p:tgtEl>
                                           <p:spTgt spid="15"/>
                                         </p:tgtEl>
@@ -5918,7 +6053,7 @@
                                     </p:anim>
                                     <p:anim calcmode="lin" valueType="num">
                                       <p:cBhvr>
-                                        <p:cTn id="8" dur="500" fill="hold"/>
+                                        <p:cTn id="16" dur="500" fill="hold"/>
                                         <p:tgtEl>
                                           <p:spTgt spid="15"/>
                                         </p:tgtEl>
@@ -5941,7 +6076,7 @@
                                     </p:anim>
                                     <p:anim calcmode="lin" valueType="num">
                                       <p:cBhvr>
-                                        <p:cTn id="9" dur="500" fill="hold"/>
+                                        <p:cTn id="17" dur="500" fill="hold"/>
                                         <p:tgtEl>
                                           <p:spTgt spid="15"/>
                                         </p:tgtEl>
@@ -5964,7 +6099,7 @@
                                     </p:anim>
                                     <p:animEffect transition="in" filter="fade">
                                       <p:cBhvr>
-                                        <p:cTn id="10" dur="500"/>
+                                        <p:cTn id="18" dur="500"/>
                                         <p:tgtEl>
                                           <p:spTgt spid="15"/>
                                         </p:tgtEl>
@@ -6000,6 +6135,10 @@
         </p:cTn>
       </p:par>
     </p:tnLst>
+    <p:bldLst>
+      <p:bldP spid="10" grpId="0"/>
+      <p:bldP spid="5" grpId="0"/>
+    </p:bldLst>
   </p:timing>
 </p:sld>
 </file>
@@ -6023,10 +6162,200 @@
       </p:grpSpPr>
       <p:sp>
         <p:nvSpPr>
-          <p:cNvPr id="8" name="Title 3">
-            <a:extLst>
-              <a:ext uri="{FF2B5EF4-FFF2-40B4-BE49-F238E27FC236}">
-                <a16:creationId xmlns:a16="http://schemas.microsoft.com/office/drawing/2014/main" id="{2B488C4E-81AD-4C04-973A-0C9D98EFD03B}"/>
+          <p:cNvPr id="10" name="TextBox 9">
+            <a:extLst>
+              <a:ext uri="{FF2B5EF4-FFF2-40B4-BE49-F238E27FC236}">
+                <a16:creationId xmlns:a16="http://schemas.microsoft.com/office/drawing/2014/main" id="{CEAC4713-86C1-4FB6-A5AA-6BED14FD7809}"/>
+              </a:ext>
+            </a:extLst>
+          </p:cNvPr>
+          <p:cNvSpPr txBox="1"/>
+          <p:nvPr/>
+        </p:nvSpPr>
+        <p:spPr>
+          <a:xfrm>
+            <a:off x="3750814" y="449858"/>
+            <a:ext cx="7819057" cy="5016758"/>
+          </a:xfrm>
+          <a:prstGeom prst="rect">
+            <a:avLst/>
+          </a:prstGeom>
+          <a:noFill/>
+        </p:spPr>
+        <p:txBody>
+          <a:bodyPr wrap="square" rtlCol="0">
+            <a:spAutoFit/>
+          </a:bodyPr>
+          <a:lstStyle/>
+          <a:p>
+            <a:r>
+              <a:rPr lang="en-US" sz="3200" b="1" dirty="0"/>
+              <a:t>What is Generic forms?</a:t>
+            </a:r>
+          </a:p>
+          <a:p>
+            <a:pPr marL="285750" indent="-285750">
+              <a:buFont typeface="Arial" panose="020B0604020202020204" pitchFamily="34" charset="0"/>
+              <a:buChar char="•"/>
+            </a:pPr>
+            <a:endParaRPr lang="en-US" sz="1600" dirty="0"/>
+          </a:p>
+          <a:p>
+            <a:pPr marL="285750" indent="-285750">
+              <a:buFont typeface="Arial" panose="020B0604020202020204" pitchFamily="34" charset="0"/>
+              <a:buChar char="•"/>
+            </a:pPr>
+            <a:endParaRPr lang="en-US" sz="1600" dirty="0"/>
+          </a:p>
+          <a:p>
+            <a:pPr marL="285750" indent="-285750">
+              <a:buFont typeface="Arial" panose="020B0604020202020204" pitchFamily="34" charset="0"/>
+              <a:buChar char="•"/>
+            </a:pPr>
+            <a:r>
+              <a:rPr lang="en-US" sz="1600" dirty="0"/>
+              <a:t>Generic Forms democratizes the Entry part of data entry</a:t>
+            </a:r>
+          </a:p>
+          <a:p>
+            <a:pPr marL="628650" lvl="1" indent="-285750">
+              <a:buFont typeface="Arial" panose="020B0604020202020204" pitchFamily="34" charset="0"/>
+              <a:buChar char="•"/>
+            </a:pPr>
+            <a:r>
+              <a:rPr lang="en-US" sz="1600" dirty="0"/>
+              <a:t>Configure a Collection of your fields</a:t>
+            </a:r>
+          </a:p>
+          <a:p>
+            <a:pPr marL="628650" lvl="1" indent="-285750">
+              <a:buFont typeface="Arial" panose="020B0604020202020204" pitchFamily="34" charset="0"/>
+              <a:buChar char="•"/>
+            </a:pPr>
+            <a:r>
+              <a:rPr lang="en-US" sz="1600" dirty="0"/>
+              <a:t>Generic Form will dynamically generate the Entry Screen</a:t>
+            </a:r>
+          </a:p>
+          <a:p>
+            <a:pPr marL="628650" lvl="1" indent="-285750">
+              <a:buFont typeface="Arial" panose="020B0604020202020204" pitchFamily="34" charset="0"/>
+              <a:buChar char="•"/>
+            </a:pPr>
+            <a:r>
+              <a:rPr lang="en-US" sz="1600" dirty="0"/>
+              <a:t>Entry screen persists data into DB</a:t>
+            </a:r>
+          </a:p>
+          <a:p>
+            <a:pPr marL="628650" lvl="1" indent="-285750">
+              <a:buFont typeface="Arial" panose="020B0604020202020204" pitchFamily="34" charset="0"/>
+              <a:buChar char="•"/>
+            </a:pPr>
+            <a:r>
+              <a:rPr lang="en-US" sz="1600" dirty="0"/>
+              <a:t>Generic Form is ready again to collect more answers again</a:t>
+            </a:r>
+          </a:p>
+          <a:p>
+            <a:pPr marL="628650" lvl="1" indent="-285750">
+              <a:buFont typeface="Arial" panose="020B0604020202020204" pitchFamily="34" charset="0"/>
+              <a:buChar char="•"/>
+            </a:pPr>
+            <a:r>
+              <a:rPr lang="en-US" sz="1600" dirty="0"/>
+              <a:t>Configure many different Collections!</a:t>
+            </a:r>
+          </a:p>
+          <a:p>
+            <a:pPr marL="628650" lvl="1" indent="-285750">
+              <a:buFont typeface="Arial" panose="020B0604020202020204" pitchFamily="34" charset="0"/>
+              <a:buChar char="•"/>
+            </a:pPr>
+            <a:endParaRPr lang="en-US" sz="1600" dirty="0"/>
+          </a:p>
+          <a:p>
+            <a:pPr marL="628650" lvl="1" indent="-285750">
+              <a:buFont typeface="Arial" panose="020B0604020202020204" pitchFamily="34" charset="0"/>
+              <a:buChar char="•"/>
+            </a:pPr>
+            <a:endParaRPr lang="en-US" sz="1600" dirty="0"/>
+          </a:p>
+          <a:p>
+            <a:pPr marL="285750" indent="-285750">
+              <a:buFont typeface="Arial" panose="020B0604020202020204" pitchFamily="34" charset="0"/>
+              <a:buChar char="•"/>
+            </a:pPr>
+            <a:r>
+              <a:rPr lang="en-US" sz="1600" dirty="0"/>
+              <a:t>Generic Form integrated with Generic Inquiry</a:t>
+            </a:r>
+          </a:p>
+          <a:p>
+            <a:pPr marL="628650" lvl="1" indent="-285750">
+              <a:buFont typeface="Arial" panose="020B0604020202020204" pitchFamily="34" charset="0"/>
+              <a:buChar char="•"/>
+            </a:pPr>
+            <a:r>
+              <a:rPr lang="en-US" sz="1600" dirty="0"/>
+              <a:t>Your answers are available immediately to via DAC and GI</a:t>
+            </a:r>
+          </a:p>
+          <a:p>
+            <a:pPr marL="628650" lvl="1" indent="-285750">
+              <a:buFont typeface="Arial" panose="020B0604020202020204" pitchFamily="34" charset="0"/>
+              <a:buChar char="•"/>
+            </a:pPr>
+            <a:r>
+              <a:rPr lang="en-US" sz="1600" dirty="0"/>
+              <a:t>Ready to join on other data in the system</a:t>
+            </a:r>
+          </a:p>
+          <a:p>
+            <a:pPr marL="628650" lvl="1" indent="-285750">
+              <a:buFont typeface="Arial" panose="020B0604020202020204" pitchFamily="34" charset="0"/>
+              <a:buChar char="•"/>
+            </a:pPr>
+            <a:r>
+              <a:rPr lang="en-US" sz="1600" dirty="0"/>
+              <a:t>Create your own GIs, Reports, Dashboards and more!</a:t>
+            </a:r>
+          </a:p>
+          <a:p>
+            <a:pPr marL="628650" lvl="1" indent="-285750">
+              <a:buFont typeface="Arial" panose="020B0604020202020204" pitchFamily="34" charset="0"/>
+              <a:buChar char="•"/>
+            </a:pPr>
+            <a:endParaRPr lang="en-US" sz="1600" dirty="0"/>
+          </a:p>
+          <a:p>
+            <a:pPr marL="628650" lvl="1" indent="-285750">
+              <a:buFont typeface="Arial" panose="020B0604020202020204" pitchFamily="34" charset="0"/>
+              <a:buChar char="•"/>
+            </a:pPr>
+            <a:endParaRPr lang="en-US" sz="1600" dirty="0"/>
+          </a:p>
+          <a:p>
+            <a:pPr marL="285750" indent="-285750">
+              <a:buFont typeface="Arial" panose="020B0604020202020204" pitchFamily="34" charset="0"/>
+              <a:buChar char="•"/>
+            </a:pPr>
+            <a:endParaRPr lang="en-US" sz="1600" dirty="0"/>
+          </a:p>
+          <a:p>
+            <a:r>
+              <a:rPr lang="en-US" sz="1600" dirty="0"/>
+              <a:t>	</a:t>
+            </a:r>
+          </a:p>
+        </p:txBody>
+      </p:sp>
+      <p:sp>
+        <p:nvSpPr>
+          <p:cNvPr id="14" name="Text Placeholder 4">
+            <a:extLst>
+              <a:ext uri="{FF2B5EF4-FFF2-40B4-BE49-F238E27FC236}">
+                <a16:creationId xmlns:a16="http://schemas.microsoft.com/office/drawing/2014/main" id="{70D18273-A5FF-4DE8-98A5-EB04E5DCAF05}"/>
               </a:ext>
             </a:extLst>
           </p:cNvPr>
@@ -6034,36 +6363,34 @@
             <a:spLocks noGrp="1"/>
           </p:cNvSpPr>
           <p:nvPr>
-            <p:ph type="ctrTitle"/>
+            <p:ph type="body" sz="quarter" idx="10"/>
           </p:nvPr>
         </p:nvSpPr>
         <p:spPr>
           <a:xfrm>
-            <a:off x="3704249" y="245036"/>
-            <a:ext cx="8070309" cy="891759"/>
+            <a:off x="1192826" y="3878051"/>
+            <a:ext cx="1155275" cy="333236"/>
           </a:xfrm>
         </p:spPr>
         <p:txBody>
-          <a:bodyPr/>
+          <a:bodyPr>
+            <a:normAutofit/>
+          </a:bodyPr>
           <a:lstStyle/>
           <a:p>
             <a:r>
-              <a:rPr lang="en-US" dirty="0"/>
-              <a:t>Generic Forms</a:t>
-            </a:r>
-            <a:br>
-              <a:rPr lang="en-US" dirty="0"/>
-            </a:br>
-            <a:endParaRPr lang="en-US" dirty="0"/>
+              <a:rPr lang="en-US" sz="1800" dirty="0"/>
+              <a:t>Team Zeta</a:t>
+            </a:r>
           </a:p>
         </p:txBody>
       </p:sp>
       <p:sp>
         <p:nvSpPr>
-          <p:cNvPr id="9" name="Title 3">
-            <a:extLst>
-              <a:ext uri="{FF2B5EF4-FFF2-40B4-BE49-F238E27FC236}">
-                <a16:creationId xmlns:a16="http://schemas.microsoft.com/office/drawing/2014/main" id="{2D6D6BA7-C073-477B-8D57-C393496B8BBA}"/>
+          <p:cNvPr id="6" name="Title 3">
+            <a:extLst>
+              <a:ext uri="{FF2B5EF4-FFF2-40B4-BE49-F238E27FC236}">
+                <a16:creationId xmlns:a16="http://schemas.microsoft.com/office/drawing/2014/main" id="{6665AAA7-2D79-4006-BCF9-B21270E1329A}"/>
               </a:ext>
             </a:extLst>
           </p:cNvPr>
@@ -6074,8 +6401,8 @@
         </p:nvSpPr>
         <p:spPr>
           <a:xfrm>
-            <a:off x="4178867" y="1136795"/>
-            <a:ext cx="6056811" cy="618273"/>
+            <a:off x="93217" y="109570"/>
+            <a:ext cx="4220137" cy="480639"/>
           </a:xfrm>
           <a:prstGeom prst="rect">
             <a:avLst/>
@@ -6107,7 +6434,66 @@
           </a:lstStyle>
           <a:p>
             <a:r>
-              <a:rPr lang="en-US" sz="3200" dirty="0">
+              <a:rPr lang="en-US" sz="2800" dirty="0"/>
+              <a:t>Generic Forms</a:t>
+            </a:r>
+            <a:br>
+              <a:rPr lang="en-US" sz="2800" dirty="0"/>
+            </a:br>
+            <a:endParaRPr lang="en-US" sz="2800" dirty="0"/>
+          </a:p>
+        </p:txBody>
+      </p:sp>
+      <p:sp>
+        <p:nvSpPr>
+          <p:cNvPr id="7" name="Title 3">
+            <a:extLst>
+              <a:ext uri="{FF2B5EF4-FFF2-40B4-BE49-F238E27FC236}">
+                <a16:creationId xmlns:a16="http://schemas.microsoft.com/office/drawing/2014/main" id="{84444814-35CA-49B7-B26A-E1EB9D7FC8E4}"/>
+              </a:ext>
+            </a:extLst>
+          </p:cNvPr>
+          <p:cNvSpPr txBox="1">
+            <a:spLocks/>
+          </p:cNvSpPr>
+          <p:nvPr/>
+        </p:nvSpPr>
+        <p:spPr>
+          <a:xfrm>
+            <a:off x="829032" y="590209"/>
+            <a:ext cx="3167236" cy="333236"/>
+          </a:xfrm>
+          <a:prstGeom prst="rect">
+            <a:avLst/>
+          </a:prstGeom>
+          <a:noFill/>
+        </p:spPr>
+        <p:txBody>
+          <a:bodyPr wrap="square" lIns="0" tIns="0" rIns="0" bIns="0" rtlCol="0" anchor="t" anchorCtr="0">
+            <a:noAutofit/>
+          </a:bodyPr>
+          <a:lstStyle>
+            <a:lvl1pPr algn="l" defTabSz="914377" rtl="0" eaLnBrk="1" latinLnBrk="0" hangingPunct="1">
+              <a:lnSpc>
+                <a:spcPct val="100000"/>
+              </a:lnSpc>
+              <a:spcBef>
+                <a:spcPct val="0"/>
+              </a:spcBef>
+              <a:buNone/>
+              <a:defRPr lang="en-US" sz="5333" b="1" kern="1200" dirty="0" smtClean="0">
+                <a:solidFill>
+                  <a:srgbClr val="000033"/>
+                </a:solidFill>
+                <a:latin typeface="Arial"/>
+                <a:ea typeface="+mn-ea"/>
+                <a:cs typeface="Arial"/>
+              </a:defRPr>
+            </a:lvl1pPr>
+          </a:lstStyle>
+          <a:p>
+            <a:r>
+              <a:rPr lang="en-US" sz="1400" dirty="0">
                 <a:solidFill>
                   <a:schemeClr val="accent4">
                     <a:lumMod val="75000"/>
@@ -6117,7 +6503,7 @@
               <a:t>[YOUR FORM NAME HERE]</a:t>
             </a:r>
             <a:br>
-              <a:rPr lang="en-US" sz="3200" dirty="0">
+              <a:rPr lang="en-US" sz="1800" dirty="0">
                 <a:solidFill>
                   <a:schemeClr val="accent4">
                     <a:lumMod val="75000"/>
@@ -6125,242 +6511,13 @@
                 </a:solidFill>
               </a:rPr>
             </a:br>
-            <a:endParaRPr lang="en-US" sz="3200" dirty="0">
+            <a:endParaRPr lang="en-US" sz="1800" dirty="0">
               <a:solidFill>
                 <a:schemeClr val="accent4">
                   <a:lumMod val="75000"/>
                 </a:schemeClr>
               </a:solidFill>
             </a:endParaRPr>
-          </a:p>
-        </p:txBody>
-      </p:sp>
-      <p:sp>
-        <p:nvSpPr>
-          <p:cNvPr id="10" name="TextBox 9">
-            <a:extLst>
-              <a:ext uri="{FF2B5EF4-FFF2-40B4-BE49-F238E27FC236}">
-                <a16:creationId xmlns:a16="http://schemas.microsoft.com/office/drawing/2014/main" id="{CEAC4713-86C1-4FB6-A5AA-6BED14FD7809}"/>
-              </a:ext>
-            </a:extLst>
-          </p:cNvPr>
-          <p:cNvSpPr txBox="1"/>
-          <p:nvPr/>
-        </p:nvSpPr>
-        <p:spPr>
-          <a:xfrm>
-            <a:off x="3704248" y="1872257"/>
-            <a:ext cx="7819057" cy="4770537"/>
-          </a:xfrm>
-          <a:prstGeom prst="rect">
-            <a:avLst/>
-          </a:prstGeom>
-          <a:noFill/>
-        </p:spPr>
-        <p:txBody>
-          <a:bodyPr wrap="square" rtlCol="0">
-            <a:spAutoFit/>
-          </a:bodyPr>
-          <a:lstStyle/>
-          <a:p>
-            <a:pPr marL="285750" indent="-285750">
-              <a:buFont typeface="Arial" panose="020B0604020202020204" pitchFamily="34" charset="0"/>
-              <a:buChar char="•"/>
-            </a:pPr>
-            <a:r>
-              <a:rPr lang="en-US" sz="1600" dirty="0"/>
-              <a:t>What is Generic forms?</a:t>
-            </a:r>
-          </a:p>
-          <a:p>
-            <a:pPr marL="285750" indent="-285750">
-              <a:buFont typeface="Arial" panose="020B0604020202020204" pitchFamily="34" charset="0"/>
-              <a:buChar char="•"/>
-            </a:pPr>
-            <a:endParaRPr lang="en-US" sz="1600" dirty="0"/>
-          </a:p>
-          <a:p>
-            <a:pPr marL="285750" indent="-285750">
-              <a:buFont typeface="Arial" panose="020B0604020202020204" pitchFamily="34" charset="0"/>
-              <a:buChar char="•"/>
-            </a:pPr>
-            <a:endParaRPr lang="en-US" sz="1600" dirty="0"/>
-          </a:p>
-          <a:p>
-            <a:pPr marL="285750" indent="-285750">
-              <a:buFont typeface="Arial" panose="020B0604020202020204" pitchFamily="34" charset="0"/>
-              <a:buChar char="•"/>
-            </a:pPr>
-            <a:r>
-              <a:rPr lang="en-US" sz="1600" dirty="0"/>
-              <a:t>Generic Forms democratizes the Entry part of data entry</a:t>
-            </a:r>
-          </a:p>
-          <a:p>
-            <a:pPr marL="628650" lvl="1" indent="-285750">
-              <a:buFont typeface="Arial" panose="020B0604020202020204" pitchFamily="34" charset="0"/>
-              <a:buChar char="•"/>
-            </a:pPr>
-            <a:r>
-              <a:rPr lang="en-US" sz="1600" dirty="0"/>
-              <a:t>Configure a Collection of your fields</a:t>
-            </a:r>
-          </a:p>
-          <a:p>
-            <a:pPr marL="628650" lvl="1" indent="-285750">
-              <a:buFont typeface="Arial" panose="020B0604020202020204" pitchFamily="34" charset="0"/>
-              <a:buChar char="•"/>
-            </a:pPr>
-            <a:r>
-              <a:rPr lang="en-US" sz="1600" dirty="0"/>
-              <a:t>Generic Form will dynamically generate the Entry Screen</a:t>
-            </a:r>
-          </a:p>
-          <a:p>
-            <a:pPr marL="628650" lvl="1" indent="-285750">
-              <a:buFont typeface="Arial" panose="020B0604020202020204" pitchFamily="34" charset="0"/>
-              <a:buChar char="•"/>
-            </a:pPr>
-            <a:r>
-              <a:rPr lang="en-US" sz="1600" dirty="0"/>
-              <a:t>Entry screen persists data into DB</a:t>
-            </a:r>
-          </a:p>
-          <a:p>
-            <a:pPr marL="628650" lvl="1" indent="-285750">
-              <a:buFont typeface="Arial" panose="020B0604020202020204" pitchFamily="34" charset="0"/>
-              <a:buChar char="•"/>
-            </a:pPr>
-            <a:r>
-              <a:rPr lang="en-US" sz="1600" dirty="0"/>
-              <a:t>Generic Form is ready again to collect more answers again</a:t>
-            </a:r>
-          </a:p>
-          <a:p>
-            <a:pPr marL="628650" lvl="1" indent="-285750">
-              <a:buFont typeface="Arial" panose="020B0604020202020204" pitchFamily="34" charset="0"/>
-              <a:buChar char="•"/>
-            </a:pPr>
-            <a:r>
-              <a:rPr lang="en-US" sz="1600" dirty="0"/>
-              <a:t>Configure many different Collections!</a:t>
-            </a:r>
-          </a:p>
-          <a:p>
-            <a:pPr marL="628650" lvl="1" indent="-285750">
-              <a:buFont typeface="Arial" panose="020B0604020202020204" pitchFamily="34" charset="0"/>
-              <a:buChar char="•"/>
-            </a:pPr>
-            <a:endParaRPr lang="en-US" sz="1600" dirty="0"/>
-          </a:p>
-          <a:p>
-            <a:pPr marL="628650" lvl="1" indent="-285750">
-              <a:buFont typeface="Arial" panose="020B0604020202020204" pitchFamily="34" charset="0"/>
-              <a:buChar char="•"/>
-            </a:pPr>
-            <a:endParaRPr lang="en-US" sz="1600" dirty="0"/>
-          </a:p>
-          <a:p>
-            <a:pPr marL="285750" indent="-285750">
-              <a:buFont typeface="Arial" panose="020B0604020202020204" pitchFamily="34" charset="0"/>
-              <a:buChar char="•"/>
-            </a:pPr>
-            <a:r>
-              <a:rPr lang="en-US" sz="1600" dirty="0"/>
-              <a:t>Generic Form integrated with Generic Inquiry</a:t>
-            </a:r>
-          </a:p>
-          <a:p>
-            <a:pPr marL="628650" lvl="1" indent="-285750">
-              <a:buFont typeface="Arial" panose="020B0604020202020204" pitchFamily="34" charset="0"/>
-              <a:buChar char="•"/>
-            </a:pPr>
-            <a:r>
-              <a:rPr lang="en-US" sz="1600" dirty="0"/>
-              <a:t>Your answers are available immediately to via DAC and GI</a:t>
-            </a:r>
-          </a:p>
-          <a:p>
-            <a:pPr marL="628650" lvl="1" indent="-285750">
-              <a:buFont typeface="Arial" panose="020B0604020202020204" pitchFamily="34" charset="0"/>
-              <a:buChar char="•"/>
-            </a:pPr>
-            <a:r>
-              <a:rPr lang="en-US" sz="1600" dirty="0"/>
-              <a:t>Ready to join on other data in the system</a:t>
-            </a:r>
-          </a:p>
-          <a:p>
-            <a:pPr marL="628650" lvl="1" indent="-285750">
-              <a:buFont typeface="Arial" panose="020B0604020202020204" pitchFamily="34" charset="0"/>
-              <a:buChar char="•"/>
-            </a:pPr>
-            <a:r>
-              <a:rPr lang="en-US" sz="1600" dirty="0"/>
-              <a:t>Create your own GIs, Reports, Dashboards and more!</a:t>
-            </a:r>
-          </a:p>
-          <a:p>
-            <a:pPr marL="628650" lvl="1" indent="-285750">
-              <a:buFont typeface="Arial" panose="020B0604020202020204" pitchFamily="34" charset="0"/>
-              <a:buChar char="•"/>
-            </a:pPr>
-            <a:endParaRPr lang="en-US" sz="1600" dirty="0"/>
-          </a:p>
-          <a:p>
-            <a:pPr marL="628650" lvl="1" indent="-285750">
-              <a:buFont typeface="Arial" panose="020B0604020202020204" pitchFamily="34" charset="0"/>
-              <a:buChar char="•"/>
-            </a:pPr>
-            <a:endParaRPr lang="en-US" sz="1600" dirty="0"/>
-          </a:p>
-          <a:p>
-            <a:pPr marL="285750" indent="-285750">
-              <a:buFont typeface="Arial" panose="020B0604020202020204" pitchFamily="34" charset="0"/>
-              <a:buChar char="•"/>
-            </a:pPr>
-            <a:endParaRPr lang="en-US" sz="1600" dirty="0"/>
-          </a:p>
-          <a:p>
-            <a:r>
-              <a:rPr lang="en-US" sz="1600" dirty="0"/>
-              <a:t>	</a:t>
-            </a:r>
-          </a:p>
-        </p:txBody>
-      </p:sp>
-      <p:sp>
-        <p:nvSpPr>
-          <p:cNvPr id="14" name="Text Placeholder 4">
-            <a:extLst>
-              <a:ext uri="{FF2B5EF4-FFF2-40B4-BE49-F238E27FC236}">
-                <a16:creationId xmlns:a16="http://schemas.microsoft.com/office/drawing/2014/main" id="{70D18273-A5FF-4DE8-98A5-EB04E5DCAF05}"/>
-              </a:ext>
-            </a:extLst>
-          </p:cNvPr>
-          <p:cNvSpPr>
-            <a:spLocks noGrp="1"/>
-          </p:cNvSpPr>
-          <p:nvPr>
-            <p:ph type="body" sz="quarter" idx="10"/>
-          </p:nvPr>
-        </p:nvSpPr>
-        <p:spPr>
-          <a:xfrm>
-            <a:off x="1192826" y="3878051"/>
-            <a:ext cx="1155275" cy="333236"/>
-          </a:xfrm>
-        </p:spPr>
-        <p:txBody>
-          <a:bodyPr>
-            <a:normAutofit/>
-          </a:bodyPr>
-          <a:lstStyle/>
-          <a:p>
-            <a:r>
-              <a:rPr lang="en-US" sz="1800" dirty="0"/>
-              <a:t>Team Zeta</a:t>
-            </a:r>
           </a:p>
         </p:txBody>
       </p:sp>
@@ -6412,8 +6569,8 @@
         </p:nvSpPr>
         <p:spPr>
           <a:xfrm>
-            <a:off x="3704249" y="245036"/>
-            <a:ext cx="8070309" cy="891759"/>
+            <a:off x="139782" y="134970"/>
+            <a:ext cx="4220137" cy="480639"/>
           </a:xfrm>
         </p:spPr>
         <p:txBody>
@@ -6421,13 +6578,13 @@
           <a:lstStyle/>
           <a:p>
             <a:r>
-              <a:rPr lang="en-US" dirty="0"/>
+              <a:rPr lang="en-US" sz="2800" dirty="0"/>
               <a:t>Generic Forms</a:t>
             </a:r>
             <a:br>
-              <a:rPr lang="en-US" dirty="0"/>
+              <a:rPr lang="en-US" sz="2800" dirty="0"/>
             </a:br>
-            <a:endParaRPr lang="en-US" dirty="0"/>
+            <a:endParaRPr lang="en-US" sz="2800" dirty="0"/>
           </a:p>
         </p:txBody>
       </p:sp>
@@ -6447,8 +6604,8 @@
         </p:nvSpPr>
         <p:spPr>
           <a:xfrm>
-            <a:off x="4178867" y="1136795"/>
-            <a:ext cx="6056811" cy="618273"/>
+            <a:off x="875597" y="615609"/>
+            <a:ext cx="3167236" cy="333236"/>
           </a:xfrm>
           <a:prstGeom prst="rect">
             <a:avLst/>
@@ -6480,7 +6637,7 @@
           </a:lstStyle>
           <a:p>
             <a:r>
-              <a:rPr lang="en-US" sz="3200" dirty="0">
+              <a:rPr lang="en-US" sz="1400" dirty="0">
                 <a:solidFill>
                   <a:schemeClr val="accent4">
                     <a:lumMod val="75000"/>
@@ -6490,7 +6647,7 @@
               <a:t>[YOUR FORM NAME HERE]</a:t>
             </a:r>
             <a:br>
-              <a:rPr lang="en-US" sz="3200" dirty="0">
+              <a:rPr lang="en-US" sz="1800" dirty="0">
                 <a:solidFill>
                   <a:schemeClr val="accent4">
                     <a:lumMod val="75000"/>
@@ -6498,7 +6655,7 @@
                 </a:solidFill>
               </a:rPr>
             </a:br>
-            <a:endParaRPr lang="en-US" sz="3200" dirty="0">
+            <a:endParaRPr lang="en-US" sz="1800" dirty="0">
               <a:solidFill>
                 <a:schemeClr val="accent4">
                   <a:lumMod val="75000"/>
@@ -6522,7 +6679,7 @@
         </p:nvSpPr>
         <p:spPr>
           <a:xfrm>
-            <a:off x="3704248" y="1872257"/>
+            <a:off x="3827015" y="441781"/>
             <a:ext cx="7819057" cy="3293209"/>
           </a:xfrm>
           <a:prstGeom prst="rect">
@@ -6536,38 +6693,13 @@
           </a:bodyPr>
           <a:lstStyle/>
           <a:p>
-            <a:pPr marL="285750" indent="-285750">
-              <a:buFont typeface="Arial" panose="020B0604020202020204" pitchFamily="34" charset="0"/>
-              <a:buChar char="•"/>
-            </a:pPr>
-            <a:r>
-              <a:rPr lang="en-US" sz="1600" dirty="0"/>
+            <a:r>
+              <a:rPr lang="en-US" sz="3200" b="1" dirty="0"/>
               <a:t>Why Generic forms?</a:t>
             </a:r>
           </a:p>
           <a:p>
-            <a:pPr marL="285750" indent="-285750">
-              <a:buFont typeface="Arial" panose="020B0604020202020204" pitchFamily="34" charset="0"/>
-              <a:buChar char="•"/>
-            </a:pPr>
-            <a:endParaRPr lang="en-US" sz="1600" dirty="0"/>
-          </a:p>
-          <a:p>
-            <a:pPr marL="285750" indent="-285750">
-              <a:buFont typeface="Arial" panose="020B0604020202020204" pitchFamily="34" charset="0"/>
-              <a:buChar char="•"/>
-            </a:pPr>
-            <a:endParaRPr lang="en-US" sz="1600" dirty="0"/>
-          </a:p>
-          <a:p>
-            <a:pPr marL="285750" indent="-285750">
-              <a:buFont typeface="Arial" panose="020B0604020202020204" pitchFamily="34" charset="0"/>
-              <a:buChar char="•"/>
-            </a:pPr>
-            <a:r>
-              <a:rPr lang="en-US" sz="1600" dirty="0"/>
-              <a:t>Generic Forms democratizes the Entry part of data entry</a:t>
-            </a:r>
+            <a:endParaRPr lang="en-US" sz="3200" b="1" dirty="0"/>
           </a:p>
           <a:p>
             <a:pPr marL="628650" lvl="1" indent="-285750">
@@ -6721,7 +6853,7 @@
         </p:blipFill>
         <p:spPr>
           <a:xfrm>
-            <a:off x="6189306" y="4634280"/>
+            <a:off x="6367106" y="3910885"/>
             <a:ext cx="1769026" cy="1781939"/>
           </a:xfrm>
           <a:prstGeom prst="rect">
@@ -6826,10 +6958,193 @@
       </p:grpSpPr>
       <p:sp>
         <p:nvSpPr>
-          <p:cNvPr id="8" name="Title 3">
-            <a:extLst>
-              <a:ext uri="{FF2B5EF4-FFF2-40B4-BE49-F238E27FC236}">
-                <a16:creationId xmlns:a16="http://schemas.microsoft.com/office/drawing/2014/main" id="{2B488C4E-81AD-4C04-973A-0C9D98EFD03B}"/>
+          <p:cNvPr id="10" name="TextBox 9">
+            <a:extLst>
+              <a:ext uri="{FF2B5EF4-FFF2-40B4-BE49-F238E27FC236}">
+                <a16:creationId xmlns:a16="http://schemas.microsoft.com/office/drawing/2014/main" id="{CEAC4713-86C1-4FB6-A5AA-6BED14FD7809}"/>
+              </a:ext>
+            </a:extLst>
+          </p:cNvPr>
+          <p:cNvSpPr txBox="1"/>
+          <p:nvPr/>
+        </p:nvSpPr>
+        <p:spPr>
+          <a:xfrm>
+            <a:off x="3719847" y="288990"/>
+            <a:ext cx="7819057" cy="5078313"/>
+          </a:xfrm>
+          <a:prstGeom prst="rect">
+            <a:avLst/>
+          </a:prstGeom>
+          <a:noFill/>
+        </p:spPr>
+        <p:txBody>
+          <a:bodyPr wrap="square" rtlCol="0">
+            <a:spAutoFit/>
+          </a:bodyPr>
+          <a:lstStyle/>
+          <a:p>
+            <a:r>
+              <a:rPr lang="en-US" sz="3600" b="1" dirty="0"/>
+              <a:t>Where do we go from here?</a:t>
+            </a:r>
+          </a:p>
+          <a:p>
+            <a:endParaRPr lang="en-US" sz="1600" dirty="0"/>
+          </a:p>
+          <a:p>
+            <a:pPr marL="285750" indent="-285750">
+              <a:buFont typeface="Arial" panose="020B0604020202020204" pitchFamily="34" charset="0"/>
+              <a:buChar char="•"/>
+            </a:pPr>
+            <a:r>
+              <a:rPr lang="en-US" sz="1600" dirty="0"/>
+              <a:t>Add more controls</a:t>
+            </a:r>
+          </a:p>
+          <a:p>
+            <a:pPr marL="628650" lvl="1" indent="-285750">
+              <a:buFont typeface="Arial" panose="020B0604020202020204" pitchFamily="34" charset="0"/>
+              <a:buChar char="•"/>
+            </a:pPr>
+            <a:r>
+              <a:rPr lang="en-US" sz="1600" dirty="0"/>
+              <a:t>Date, Checkbox, Combo Box</a:t>
+            </a:r>
+          </a:p>
+          <a:p>
+            <a:pPr marL="628650" lvl="1" indent="-285750">
+              <a:buFont typeface="Arial" panose="020B0604020202020204" pitchFamily="34" charset="0"/>
+              <a:buChar char="•"/>
+            </a:pPr>
+            <a:r>
+              <a:rPr lang="en-US" sz="1600" dirty="0"/>
+              <a:t>Selector</a:t>
+            </a:r>
+          </a:p>
+          <a:p>
+            <a:pPr marL="971550" lvl="2" indent="-285750">
+              <a:buFont typeface="Arial" panose="020B0604020202020204" pitchFamily="34" charset="0"/>
+              <a:buChar char="•"/>
+            </a:pPr>
+            <a:r>
+              <a:rPr lang="en-US" sz="1600" dirty="0"/>
+              <a:t>Link to existing data</a:t>
+            </a:r>
+          </a:p>
+          <a:p>
+            <a:pPr marL="285750" indent="-285750">
+              <a:buFont typeface="Arial" panose="020B0604020202020204" pitchFamily="34" charset="0"/>
+              <a:buChar char="•"/>
+            </a:pPr>
+            <a:endParaRPr lang="en-US" sz="1600" dirty="0"/>
+          </a:p>
+          <a:p>
+            <a:pPr marL="285750" indent="-285750">
+              <a:buFont typeface="Arial" panose="020B0604020202020204" pitchFamily="34" charset="0"/>
+              <a:buChar char="•"/>
+            </a:pPr>
+            <a:endParaRPr lang="en-US" sz="1600" dirty="0"/>
+          </a:p>
+          <a:p>
+            <a:pPr marL="285750" indent="-285750">
+              <a:buFont typeface="Arial" panose="020B0604020202020204" pitchFamily="34" charset="0"/>
+              <a:buChar char="•"/>
+            </a:pPr>
+            <a:r>
+              <a:rPr lang="en-US" sz="1600" dirty="0"/>
+              <a:t>Automatic generation of a GI definition</a:t>
+            </a:r>
+          </a:p>
+          <a:p>
+            <a:pPr marL="628650" lvl="1" indent="-285750">
+              <a:buFont typeface="Arial" panose="020B0604020202020204" pitchFamily="34" charset="0"/>
+              <a:buChar char="•"/>
+            </a:pPr>
+            <a:endParaRPr lang="en-US" sz="1600" dirty="0"/>
+          </a:p>
+          <a:p>
+            <a:pPr marL="285750" indent="-285750">
+              <a:buFont typeface="Arial" panose="020B0604020202020204" pitchFamily="34" charset="0"/>
+              <a:buChar char="•"/>
+            </a:pPr>
+            <a:r>
+              <a:rPr lang="en-US" sz="1600" dirty="0"/>
+              <a:t>Configure layout of the Form</a:t>
+            </a:r>
+          </a:p>
+          <a:p>
+            <a:pPr marL="285750" indent="-285750">
+              <a:buFont typeface="Arial" panose="020B0604020202020204" pitchFamily="34" charset="0"/>
+              <a:buChar char="•"/>
+            </a:pPr>
+            <a:endParaRPr lang="en-US" sz="1600" dirty="0"/>
+          </a:p>
+          <a:p>
+            <a:pPr marL="285750" indent="-285750">
+              <a:buFont typeface="Arial" panose="020B0604020202020204" pitchFamily="34" charset="0"/>
+              <a:buChar char="•"/>
+            </a:pPr>
+            <a:r>
+              <a:rPr lang="en-US" sz="1600" dirty="0"/>
+              <a:t>Allow for Required Fields</a:t>
+            </a:r>
+          </a:p>
+          <a:p>
+            <a:pPr marL="285750" indent="-285750">
+              <a:buFont typeface="Arial" panose="020B0604020202020204" pitchFamily="34" charset="0"/>
+              <a:buChar char="•"/>
+            </a:pPr>
+            <a:endParaRPr lang="en-US" sz="1600" dirty="0"/>
+          </a:p>
+          <a:p>
+            <a:pPr marL="285750" indent="-285750">
+              <a:buFont typeface="Arial" panose="020B0604020202020204" pitchFamily="34" charset="0"/>
+              <a:buChar char="•"/>
+            </a:pPr>
+            <a:r>
+              <a:rPr lang="en-US" sz="1600" dirty="0"/>
+              <a:t>Enable Basic events on fields</a:t>
+            </a:r>
+          </a:p>
+          <a:p>
+            <a:pPr marL="628650" lvl="1" indent="-285750">
+              <a:buFont typeface="Arial" panose="020B0604020202020204" pitchFamily="34" charset="0"/>
+              <a:buChar char="•"/>
+            </a:pPr>
+            <a:r>
+              <a:rPr lang="en-US" sz="1600" dirty="0"/>
+              <a:t>Define Attributes = Business Logic!</a:t>
+            </a:r>
+          </a:p>
+          <a:p>
+            <a:pPr marL="628650" lvl="1" indent="-285750">
+              <a:buFont typeface="Arial" panose="020B0604020202020204" pitchFamily="34" charset="0"/>
+              <a:buChar char="•"/>
+            </a:pPr>
+            <a:endParaRPr lang="en-US" sz="1600" dirty="0"/>
+          </a:p>
+          <a:p>
+            <a:pPr marL="285750" indent="-285750">
+              <a:buFont typeface="Arial" panose="020B0604020202020204" pitchFamily="34" charset="0"/>
+              <a:buChar char="•"/>
+            </a:pPr>
+            <a:endParaRPr lang="en-US" sz="1600" dirty="0"/>
+          </a:p>
+          <a:p>
+            <a:r>
+              <a:rPr lang="en-US" sz="1600" dirty="0"/>
+              <a:t>	</a:t>
+            </a:r>
+          </a:p>
+        </p:txBody>
+      </p:sp>
+      <p:sp>
+        <p:nvSpPr>
+          <p:cNvPr id="14" name="Text Placeholder 4">
+            <a:extLst>
+              <a:ext uri="{FF2B5EF4-FFF2-40B4-BE49-F238E27FC236}">
+                <a16:creationId xmlns:a16="http://schemas.microsoft.com/office/drawing/2014/main" id="{70D18273-A5FF-4DE8-98A5-EB04E5DCAF05}"/>
               </a:ext>
             </a:extLst>
           </p:cNvPr>
@@ -6837,36 +7152,73 @@
             <a:spLocks noGrp="1"/>
           </p:cNvSpPr>
           <p:nvPr>
-            <p:ph type="ctrTitle"/>
+            <p:ph type="body" sz="quarter" idx="10"/>
           </p:nvPr>
         </p:nvSpPr>
         <p:spPr>
           <a:xfrm>
-            <a:off x="3704249" y="245036"/>
-            <a:ext cx="8070309" cy="891759"/>
+            <a:off x="1192826" y="3878051"/>
+            <a:ext cx="1155275" cy="333236"/>
           </a:xfrm>
         </p:spPr>
         <p:txBody>
-          <a:bodyPr/>
+          <a:bodyPr>
+            <a:normAutofit/>
+          </a:bodyPr>
           <a:lstStyle/>
           <a:p>
             <a:r>
-              <a:rPr lang="en-US" dirty="0"/>
-              <a:t>Generic Forms</a:t>
-            </a:r>
-            <a:br>
-              <a:rPr lang="en-US" dirty="0"/>
-            </a:br>
-            <a:endParaRPr lang="en-US" dirty="0"/>
+              <a:rPr lang="en-US" sz="1800" dirty="0"/>
+              <a:t>Team Zeta</a:t>
+            </a:r>
           </a:p>
         </p:txBody>
       </p:sp>
+      <p:pic>
+        <p:nvPicPr>
+          <p:cNvPr id="4" name="Picture 3" descr="A picture containing drawing&#10;&#10;Description automatically generated">
+            <a:extLst>
+              <a:ext uri="{FF2B5EF4-FFF2-40B4-BE49-F238E27FC236}">
+                <a16:creationId xmlns:a16="http://schemas.microsoft.com/office/drawing/2014/main" id="{2BCAC32C-E4FD-4714-A804-117DE1ACB89C}"/>
+              </a:ext>
+            </a:extLst>
+          </p:cNvPr>
+          <p:cNvPicPr>
+            <a:picLocks noChangeAspect="1"/>
+          </p:cNvPicPr>
+          <p:nvPr/>
+        </p:nvPicPr>
+        <p:blipFill>
+          <a:blip r:embed="rId2">
+            <a:extLst>
+              <a:ext uri="{28A0092B-C50C-407E-A947-70E740481C1C}">
+                <a14:useLocalDpi xmlns:a14="http://schemas.microsoft.com/office/drawing/2010/main" val="0"/>
+              </a:ext>
+              <a:ext uri="{837473B0-CC2E-450A-ABE3-18F120FF3D39}">
+                <a1611:picAttrSrcUrl xmlns:a1611="http://schemas.microsoft.com/office/drawing/2016/11/main" r:id="rId3"/>
+              </a:ext>
+            </a:extLst>
+          </a:blip>
+          <a:stretch>
+            <a:fillRect/>
+          </a:stretch>
+        </p:blipFill>
+        <p:spPr>
+          <a:xfrm>
+            <a:off x="7904128" y="5104572"/>
+            <a:ext cx="3921384" cy="1305337"/>
+          </a:xfrm>
+          <a:prstGeom prst="rect">
+            <a:avLst/>
+          </a:prstGeom>
+        </p:spPr>
+      </p:pic>
       <p:sp>
         <p:nvSpPr>
-          <p:cNvPr id="9" name="Title 3">
-            <a:extLst>
-              <a:ext uri="{FF2B5EF4-FFF2-40B4-BE49-F238E27FC236}">
-                <a16:creationId xmlns:a16="http://schemas.microsoft.com/office/drawing/2014/main" id="{2D6D6BA7-C073-477B-8D57-C393496B8BBA}"/>
+          <p:cNvPr id="7" name="Title 3">
+            <a:extLst>
+              <a:ext uri="{FF2B5EF4-FFF2-40B4-BE49-F238E27FC236}">
+                <a16:creationId xmlns:a16="http://schemas.microsoft.com/office/drawing/2014/main" id="{14258AEC-A28A-4BE7-8098-9714C8671B86}"/>
               </a:ext>
             </a:extLst>
           </p:cNvPr>
@@ -6877,8 +7229,8 @@
         </p:nvSpPr>
         <p:spPr>
           <a:xfrm>
-            <a:off x="4178867" y="1136795"/>
-            <a:ext cx="6056811" cy="618273"/>
+            <a:off x="160949" y="139853"/>
+            <a:ext cx="4220137" cy="480639"/>
           </a:xfrm>
           <a:prstGeom prst="rect">
             <a:avLst/>
@@ -6910,7 +7262,66 @@
           </a:lstStyle>
           <a:p>
             <a:r>
-              <a:rPr lang="en-US" sz="3200" dirty="0">
+              <a:rPr lang="en-US" sz="2800"/>
+              <a:t>Generic Forms</a:t>
+            </a:r>
+            <a:br>
+              <a:rPr lang="en-US" sz="2800"/>
+            </a:br>
+            <a:endParaRPr lang="en-US" sz="2800"/>
+          </a:p>
+        </p:txBody>
+      </p:sp>
+      <p:sp>
+        <p:nvSpPr>
+          <p:cNvPr id="11" name="Title 3">
+            <a:extLst>
+              <a:ext uri="{FF2B5EF4-FFF2-40B4-BE49-F238E27FC236}">
+                <a16:creationId xmlns:a16="http://schemas.microsoft.com/office/drawing/2014/main" id="{2D568159-A96D-412D-AC75-3D62F1ADE590}"/>
+              </a:ext>
+            </a:extLst>
+          </p:cNvPr>
+          <p:cNvSpPr txBox="1">
+            <a:spLocks/>
+          </p:cNvSpPr>
+          <p:nvPr/>
+        </p:nvSpPr>
+        <p:spPr>
+          <a:xfrm>
+            <a:off x="896764" y="620492"/>
+            <a:ext cx="3167236" cy="333236"/>
+          </a:xfrm>
+          <a:prstGeom prst="rect">
+            <a:avLst/>
+          </a:prstGeom>
+          <a:noFill/>
+        </p:spPr>
+        <p:txBody>
+          <a:bodyPr wrap="square" lIns="0" tIns="0" rIns="0" bIns="0" rtlCol="0" anchor="t" anchorCtr="0">
+            <a:noAutofit/>
+          </a:bodyPr>
+          <a:lstStyle>
+            <a:lvl1pPr algn="l" defTabSz="914377" rtl="0" eaLnBrk="1" latinLnBrk="0" hangingPunct="1">
+              <a:lnSpc>
+                <a:spcPct val="100000"/>
+              </a:lnSpc>
+              <a:spcBef>
+                <a:spcPct val="0"/>
+              </a:spcBef>
+              <a:buNone/>
+              <a:defRPr lang="en-US" sz="5333" b="1" kern="1200" dirty="0" smtClean="0">
+                <a:solidFill>
+                  <a:srgbClr val="000033"/>
+                </a:solidFill>
+                <a:latin typeface="Arial"/>
+                <a:ea typeface="+mn-ea"/>
+                <a:cs typeface="Arial"/>
+              </a:defRPr>
+            </a:lvl1pPr>
+          </a:lstStyle>
+          <a:p>
+            <a:r>
+              <a:rPr lang="en-US" sz="1400" dirty="0">
                 <a:solidFill>
                   <a:schemeClr val="accent4">
                     <a:lumMod val="75000"/>
@@ -6920,7 +7331,7 @@
               <a:t>[YOUR FORM NAME HERE]</a:t>
             </a:r>
             <a:br>
-              <a:rPr lang="en-US" sz="3200" dirty="0">
+              <a:rPr lang="en-US" sz="1800" dirty="0">
                 <a:solidFill>
                   <a:schemeClr val="accent4">
                     <a:lumMod val="75000"/>
@@ -6928,7 +7339,7 @@
                 </a:solidFill>
               </a:rPr>
             </a:br>
-            <a:endParaRPr lang="en-US" sz="3200" dirty="0">
+            <a:endParaRPr lang="en-US" sz="1800" dirty="0">
               <a:solidFill>
                 <a:schemeClr val="accent4">
                   <a:lumMod val="75000"/>
@@ -6938,264 +7349,6 @@
           </a:p>
         </p:txBody>
       </p:sp>
-      <p:sp>
-        <p:nvSpPr>
-          <p:cNvPr id="10" name="TextBox 9">
-            <a:extLst>
-              <a:ext uri="{FF2B5EF4-FFF2-40B4-BE49-F238E27FC236}">
-                <a16:creationId xmlns:a16="http://schemas.microsoft.com/office/drawing/2014/main" id="{CEAC4713-86C1-4FB6-A5AA-6BED14FD7809}"/>
-              </a:ext>
-            </a:extLst>
-          </p:cNvPr>
-          <p:cNvSpPr txBox="1"/>
-          <p:nvPr/>
-        </p:nvSpPr>
-        <p:spPr>
-          <a:xfrm>
-            <a:off x="3704248" y="1872257"/>
-            <a:ext cx="7819057" cy="4524315"/>
-          </a:xfrm>
-          <a:prstGeom prst="rect">
-            <a:avLst/>
-          </a:prstGeom>
-          <a:noFill/>
-        </p:spPr>
-        <p:txBody>
-          <a:bodyPr wrap="square" rtlCol="0">
-            <a:spAutoFit/>
-          </a:bodyPr>
-          <a:lstStyle/>
-          <a:p>
-            <a:pPr marL="285750" indent="-285750">
-              <a:buFont typeface="Arial" panose="020B0604020202020204" pitchFamily="34" charset="0"/>
-              <a:buChar char="•"/>
-            </a:pPr>
-            <a:r>
-              <a:rPr lang="en-US" sz="1600" dirty="0"/>
-              <a:t>Where do we go from here?</a:t>
-            </a:r>
-          </a:p>
-          <a:p>
-            <a:pPr marL="285750" indent="-285750">
-              <a:buFont typeface="Arial" panose="020B0604020202020204" pitchFamily="34" charset="0"/>
-              <a:buChar char="•"/>
-            </a:pPr>
-            <a:endParaRPr lang="en-US" sz="1600" dirty="0"/>
-          </a:p>
-          <a:p>
-            <a:pPr marL="285750" indent="-285750">
-              <a:buFont typeface="Arial" panose="020B0604020202020204" pitchFamily="34" charset="0"/>
-              <a:buChar char="•"/>
-            </a:pPr>
-            <a:endParaRPr lang="en-US" sz="1600" dirty="0"/>
-          </a:p>
-          <a:p>
-            <a:pPr marL="285750" indent="-285750">
-              <a:buFont typeface="Arial" panose="020B0604020202020204" pitchFamily="34" charset="0"/>
-              <a:buChar char="•"/>
-            </a:pPr>
-            <a:r>
-              <a:rPr lang="en-US" sz="1600" dirty="0"/>
-              <a:t>Add more controls</a:t>
-            </a:r>
-          </a:p>
-          <a:p>
-            <a:pPr marL="628650" lvl="1" indent="-285750">
-              <a:buFont typeface="Arial" panose="020B0604020202020204" pitchFamily="34" charset="0"/>
-              <a:buChar char="•"/>
-            </a:pPr>
-            <a:r>
-              <a:rPr lang="en-US" sz="1600" dirty="0"/>
-              <a:t>Date</a:t>
-            </a:r>
-          </a:p>
-          <a:p>
-            <a:pPr marL="628650" lvl="1" indent="-285750">
-              <a:buFont typeface="Arial" panose="020B0604020202020204" pitchFamily="34" charset="0"/>
-              <a:buChar char="•"/>
-            </a:pPr>
-            <a:r>
-              <a:rPr lang="en-US" sz="1600" dirty="0"/>
-              <a:t>Checkbox</a:t>
-            </a:r>
-          </a:p>
-          <a:p>
-            <a:pPr marL="628650" lvl="1" indent="-285750">
-              <a:buFont typeface="Arial" panose="020B0604020202020204" pitchFamily="34" charset="0"/>
-              <a:buChar char="•"/>
-            </a:pPr>
-            <a:r>
-              <a:rPr lang="en-US" sz="1600" dirty="0"/>
-              <a:t>Combo Box</a:t>
-            </a:r>
-          </a:p>
-          <a:p>
-            <a:pPr marL="628650" lvl="1" indent="-285750">
-              <a:buFont typeface="Arial" panose="020B0604020202020204" pitchFamily="34" charset="0"/>
-              <a:buChar char="•"/>
-            </a:pPr>
-            <a:r>
-              <a:rPr lang="en-US" sz="1600" dirty="0"/>
-              <a:t>Selector</a:t>
-            </a:r>
-          </a:p>
-          <a:p>
-            <a:pPr marL="628650" lvl="1" indent="-285750">
-              <a:buFont typeface="Arial" panose="020B0604020202020204" pitchFamily="34" charset="0"/>
-              <a:buChar char="•"/>
-            </a:pPr>
-            <a:endParaRPr lang="en-US" sz="1600" dirty="0"/>
-          </a:p>
-          <a:p>
-            <a:pPr marL="285750" indent="-285750">
-              <a:buFont typeface="Arial" panose="020B0604020202020204" pitchFamily="34" charset="0"/>
-              <a:buChar char="•"/>
-            </a:pPr>
-            <a:r>
-              <a:rPr lang="en-US" sz="1600" dirty="0"/>
-              <a:t>Configure layout of the Form</a:t>
-            </a:r>
-          </a:p>
-          <a:p>
-            <a:pPr marL="285750" indent="-285750">
-              <a:buFont typeface="Arial" panose="020B0604020202020204" pitchFamily="34" charset="0"/>
-              <a:buChar char="•"/>
-            </a:pPr>
-            <a:endParaRPr lang="en-US" sz="1600" dirty="0"/>
-          </a:p>
-          <a:p>
-            <a:pPr marL="285750" indent="-285750">
-              <a:buFont typeface="Arial" panose="020B0604020202020204" pitchFamily="34" charset="0"/>
-              <a:buChar char="•"/>
-            </a:pPr>
-            <a:r>
-              <a:rPr lang="en-US" sz="1600" dirty="0"/>
-              <a:t>Allow for Required Fields</a:t>
-            </a:r>
-          </a:p>
-          <a:p>
-            <a:pPr marL="285750" indent="-285750">
-              <a:buFont typeface="Arial" panose="020B0604020202020204" pitchFamily="34" charset="0"/>
-              <a:buChar char="•"/>
-            </a:pPr>
-            <a:endParaRPr lang="en-US" sz="1600" dirty="0"/>
-          </a:p>
-          <a:p>
-            <a:pPr marL="285750" indent="-285750">
-              <a:buFont typeface="Arial" panose="020B0604020202020204" pitchFamily="34" charset="0"/>
-              <a:buChar char="•"/>
-            </a:pPr>
-            <a:r>
-              <a:rPr lang="en-US" sz="1600" dirty="0"/>
-              <a:t>Enable Basic events on fields</a:t>
-            </a:r>
-          </a:p>
-          <a:p>
-            <a:pPr marL="628650" lvl="1" indent="-285750">
-              <a:buFont typeface="Arial" panose="020B0604020202020204" pitchFamily="34" charset="0"/>
-              <a:buChar char="•"/>
-            </a:pPr>
-            <a:r>
-              <a:rPr lang="en-US" sz="1600" dirty="0"/>
-              <a:t>Define Attributes = Business Logic!</a:t>
-            </a:r>
-          </a:p>
-          <a:p>
-            <a:pPr marL="628650" lvl="1" indent="-285750">
-              <a:buFont typeface="Arial" panose="020B0604020202020204" pitchFamily="34" charset="0"/>
-              <a:buChar char="•"/>
-            </a:pPr>
-            <a:endParaRPr lang="en-US" sz="1600" dirty="0"/>
-          </a:p>
-          <a:p>
-            <a:pPr marL="285750" indent="-285750">
-              <a:buFont typeface="Arial" panose="020B0604020202020204" pitchFamily="34" charset="0"/>
-              <a:buChar char="•"/>
-            </a:pPr>
-            <a:endParaRPr lang="en-US" sz="1600" dirty="0"/>
-          </a:p>
-          <a:p>
-            <a:r>
-              <a:rPr lang="en-US" sz="1600" dirty="0"/>
-              <a:t>	</a:t>
-            </a:r>
-          </a:p>
-        </p:txBody>
-      </p:sp>
-      <p:sp>
-        <p:nvSpPr>
-          <p:cNvPr id="14" name="Text Placeholder 4">
-            <a:extLst>
-              <a:ext uri="{FF2B5EF4-FFF2-40B4-BE49-F238E27FC236}">
-                <a16:creationId xmlns:a16="http://schemas.microsoft.com/office/drawing/2014/main" id="{70D18273-A5FF-4DE8-98A5-EB04E5DCAF05}"/>
-              </a:ext>
-            </a:extLst>
-          </p:cNvPr>
-          <p:cNvSpPr>
-            <a:spLocks noGrp="1"/>
-          </p:cNvSpPr>
-          <p:nvPr>
-            <p:ph type="body" sz="quarter" idx="10"/>
-          </p:nvPr>
-        </p:nvSpPr>
-        <p:spPr>
-          <a:xfrm>
-            <a:off x="1192826" y="3878051"/>
-            <a:ext cx="1155275" cy="333236"/>
-          </a:xfrm>
-        </p:spPr>
-        <p:txBody>
-          <a:bodyPr>
-            <a:normAutofit/>
-          </a:bodyPr>
-          <a:lstStyle/>
-          <a:p>
-            <a:r>
-              <a:rPr lang="en-US" sz="1800" dirty="0"/>
-              <a:t>Team Zeta</a:t>
-            </a:r>
-          </a:p>
-        </p:txBody>
-      </p:sp>
-      <p:pic>
-        <p:nvPicPr>
-          <p:cNvPr id="4" name="Picture 3" descr="A picture containing drawing&#10;&#10;Description automatically generated">
-            <a:extLst>
-              <a:ext uri="{FF2B5EF4-FFF2-40B4-BE49-F238E27FC236}">
-                <a16:creationId xmlns:a16="http://schemas.microsoft.com/office/drawing/2014/main" id="{2BCAC32C-E4FD-4714-A804-117DE1ACB89C}"/>
-              </a:ext>
-            </a:extLst>
-          </p:cNvPr>
-          <p:cNvPicPr>
-            <a:picLocks noChangeAspect="1"/>
-          </p:cNvPicPr>
-          <p:nvPr/>
-        </p:nvPicPr>
-        <p:blipFill>
-          <a:blip r:embed="rId2">
-            <a:extLst>
-              <a:ext uri="{28A0092B-C50C-407E-A947-70E740481C1C}">
-                <a14:useLocalDpi xmlns:a14="http://schemas.microsoft.com/office/drawing/2010/main" val="0"/>
-              </a:ext>
-              <a:ext uri="{837473B0-CC2E-450A-ABE3-18F120FF3D39}">
-                <a1611:picAttrSrcUrl xmlns:a1611="http://schemas.microsoft.com/office/drawing/2016/11/main" r:id="rId3"/>
-              </a:ext>
-            </a:extLst>
-          </a:blip>
-          <a:stretch>
-            <a:fillRect/>
-          </a:stretch>
-        </p:blipFill>
-        <p:spPr>
-          <a:xfrm>
-            <a:off x="7116730" y="2375881"/>
-            <a:ext cx="3921384" cy="1305337"/>
-          </a:xfrm>
-          <a:prstGeom prst="rect">
-            <a:avLst/>
-          </a:prstGeom>
-        </p:spPr>
-      </p:pic>
     </p:spTree>
     <p:extLst>
       <p:ext uri="{BB962C8B-B14F-4D97-AF65-F5344CB8AC3E}">
@@ -7797,21 +7950,6 @@
 </file>
 
 <file path=customXml/item1.xml><?xml version="1.0" encoding="utf-8"?>
-<p:properties xmlns:p="http://schemas.microsoft.com/office/2006/metadata/properties" xmlns:xsi="http://www.w3.org/2001/XMLSchema-instance" xmlns:pc="http://schemas.microsoft.com/office/infopath/2007/PartnerControls">
-  <documentManagement/>
-</p:properties>
-</file>
-
-<file path=customXml/item2.xml><?xml version="1.0" encoding="utf-8"?>
-<?mso-contentType ?>
-<FormTemplates xmlns="http://schemas.microsoft.com/sharepoint/v3/contenttype/forms">
-  <Display>DocumentLibraryForm</Display>
-  <Edit>DocumentLibraryForm</Edit>
-  <New>DocumentLibraryForm</New>
-</FormTemplates>
-</file>
-
-<file path=customXml/item3.xml><?xml version="1.0" encoding="utf-8"?>
 <ct:contentTypeSchema xmlns:ct="http://schemas.microsoft.com/office/2006/metadata/contentType" xmlns:ma="http://schemas.microsoft.com/office/2006/metadata/properties/metaAttributes" ct:_="" ma:_="" ma:contentTypeName="Document" ma:contentTypeID="0x0101000E8597AA592CB245AC84553FD001052B" ma:contentTypeVersion="7" ma:contentTypeDescription="Create a new document." ma:contentTypeScope="" ma:versionID="212cd9971b1595f67b4a2680fba7be59">
   <xsd:schema xmlns:xsd="http://www.w3.org/2001/XMLSchema" xmlns:xs="http://www.w3.org/2001/XMLSchema" xmlns:p="http://schemas.microsoft.com/office/2006/metadata/properties" xmlns:ns2="fe4e76c0-957d-466f-b6f8-63e89943fae3" xmlns:ns3="56c3b963-06d0-423e-9131-baa86a955236" targetNamespace="http://schemas.microsoft.com/office/2006/metadata/properties" ma:root="true" ma:fieldsID="9daf913d054c18082ed4b25cc90d0392" ns2:_="" ns3:_="">
     <xsd:import namespace="fe4e76c0-957d-466f-b6f8-63e89943fae3"/>
@@ -7994,32 +8132,22 @@
 </ct:contentTypeSchema>
 </file>
 
-<file path=customXml/itemProps1.xml><?xml version="1.0" encoding="utf-8"?>
-<ds:datastoreItem xmlns:ds="http://schemas.openxmlformats.org/officeDocument/2006/customXml" ds:itemID="{99D7B710-9AA7-4027-95A1-B136B61D20D0}">
-  <ds:schemaRefs>
-    <ds:schemaRef ds:uri="http://schemas.microsoft.com/office/2006/documentManagement/types"/>
-    <ds:schemaRef ds:uri="http://purl.org/dc/elements/1.1/"/>
-    <ds:schemaRef ds:uri="http://purl.org/dc/dcmitype/"/>
-    <ds:schemaRef ds:uri="56c3b963-06d0-423e-9131-baa86a955236"/>
-    <ds:schemaRef ds:uri="http://schemas.microsoft.com/office/2006/metadata/properties"/>
-    <ds:schemaRef ds:uri="http://schemas.openxmlformats.org/package/2006/metadata/core-properties"/>
-    <ds:schemaRef ds:uri="http://www.w3.org/XML/1998/namespace"/>
-    <ds:schemaRef ds:uri="http://schemas.microsoft.com/office/infopath/2007/PartnerControls"/>
-    <ds:schemaRef ds:uri="fe4e76c0-957d-466f-b6f8-63e89943fae3"/>
-    <ds:schemaRef ds:uri="http://purl.org/dc/terms/"/>
-  </ds:schemaRefs>
-</ds:datastoreItem>
+<file path=customXml/item2.xml><?xml version="1.0" encoding="utf-8"?>
+<?mso-contentType ?>
+<FormTemplates xmlns="http://schemas.microsoft.com/sharepoint/v3/contenttype/forms">
+  <Display>DocumentLibraryForm</Display>
+  <Edit>DocumentLibraryForm</Edit>
+  <New>DocumentLibraryForm</New>
+</FormTemplates>
 </file>
 
-<file path=customXml/itemProps2.xml><?xml version="1.0" encoding="utf-8"?>
-<ds:datastoreItem xmlns:ds="http://schemas.openxmlformats.org/officeDocument/2006/customXml" ds:itemID="{5846627D-C8AA-490A-90F2-B5F9A3C92B5E}">
-  <ds:schemaRefs>
-    <ds:schemaRef ds:uri="http://schemas.microsoft.com/sharepoint/v3/contenttype/forms"/>
-  </ds:schemaRefs>
-</ds:datastoreItem>
+<file path=customXml/item3.xml><?xml version="1.0" encoding="utf-8"?>
+<p:properties xmlns:p="http://schemas.microsoft.com/office/2006/metadata/properties" xmlns:xsi="http://www.w3.org/2001/XMLSchema-instance" xmlns:pc="http://schemas.microsoft.com/office/infopath/2007/PartnerControls">
+  <documentManagement/>
+</p:properties>
 </file>
 
-<file path=customXml/itemProps3.xml><?xml version="1.0" encoding="utf-8"?>
+<file path=customXml/itemProps1.xml><?xml version="1.0" encoding="utf-8"?>
 <ds:datastoreItem xmlns:ds="http://schemas.openxmlformats.org/officeDocument/2006/customXml" ds:itemID="{F4ED6B83-F1BE-4D23-9479-A5BC81F2D827}">
   <ds:schemaRefs>
     <ds:schemaRef ds:uri="http://schemas.microsoft.com/office/2006/metadata/contentType"/>
@@ -8036,4 +8164,29 @@
     <ds:schemaRef ds:uri="http://schemas.microsoft.com/internal/obd"/>
   </ds:schemaRefs>
 </ds:datastoreItem>
+</file>
+
+<file path=customXml/itemProps2.xml><?xml version="1.0" encoding="utf-8"?>
+<ds:datastoreItem xmlns:ds="http://schemas.openxmlformats.org/officeDocument/2006/customXml" ds:itemID="{5846627D-C8AA-490A-90F2-B5F9A3C92B5E}">
+  <ds:schemaRefs>
+    <ds:schemaRef ds:uri="http://schemas.microsoft.com/sharepoint/v3/contenttype/forms"/>
+  </ds:schemaRefs>
+</ds:datastoreItem>
+</file>
+
+<file path=customXml/itemProps3.xml><?xml version="1.0" encoding="utf-8"?>
+<ds:datastoreItem xmlns:ds="http://schemas.openxmlformats.org/officeDocument/2006/customXml" ds:itemID="{99D7B710-9AA7-4027-95A1-B136B61D20D0}">
+  <ds:schemaRefs>
+    <ds:schemaRef ds:uri="http://schemas.microsoft.com/office/2006/documentManagement/types"/>
+    <ds:schemaRef ds:uri="http://purl.org/dc/elements/1.1/"/>
+    <ds:schemaRef ds:uri="http://purl.org/dc/dcmitype/"/>
+    <ds:schemaRef ds:uri="56c3b963-06d0-423e-9131-baa86a955236"/>
+    <ds:schemaRef ds:uri="http://schemas.microsoft.com/office/2006/metadata/properties"/>
+    <ds:schemaRef ds:uri="http://schemas.openxmlformats.org/package/2006/metadata/core-properties"/>
+    <ds:schemaRef ds:uri="http://www.w3.org/XML/1998/namespace"/>
+    <ds:schemaRef ds:uri="http://schemas.microsoft.com/office/infopath/2007/PartnerControls"/>
+    <ds:schemaRef ds:uri="fe4e76c0-957d-466f-b6f8-63e89943fae3"/>
+    <ds:schemaRef ds:uri="http://purl.org/dc/terms/"/>
+  </ds:schemaRefs>
+</ds:datastoreItem>
 </file>
--- a/Misc/Summit 2020 Zeta.pptx
+++ b/Misc/Summit 2020 Zeta.pptx
@@ -6175,7 +6175,7 @@
         <p:spPr>
           <a:xfrm>
             <a:off x="3750814" y="449858"/>
-            <a:ext cx="7819057" cy="5016758"/>
+            <a:ext cx="7819057" cy="5755422"/>
           </a:xfrm>
           <a:prstGeom prst="rect">
             <a:avLst/>
@@ -6213,7 +6213,7 @@
               <a:buChar char="•"/>
             </a:pPr>
             <a:r>
-              <a:rPr lang="en-US" sz="1600" dirty="0"/>
+              <a:rPr lang="en-US" sz="2000" dirty="0"/>
               <a:t>Generic Forms democratizes the Entry part of data entry</a:t>
             </a:r>
           </a:p>
@@ -6223,7 +6223,7 @@
               <a:buChar char="•"/>
             </a:pPr>
             <a:r>
-              <a:rPr lang="en-US" sz="1600" dirty="0"/>
+              <a:rPr lang="en-US" sz="2000" dirty="0"/>
               <a:t>Configure a Collection of your fields</a:t>
             </a:r>
           </a:p>
@@ -6233,7 +6233,7 @@
               <a:buChar char="•"/>
             </a:pPr>
             <a:r>
-              <a:rPr lang="en-US" sz="1600" dirty="0"/>
+              <a:rPr lang="en-US" sz="2000" dirty="0"/>
               <a:t>Generic Form will dynamically generate the Entry Screen</a:t>
             </a:r>
           </a:p>
@@ -6243,7 +6243,7 @@
               <a:buChar char="•"/>
             </a:pPr>
             <a:r>
-              <a:rPr lang="en-US" sz="1600" dirty="0"/>
+              <a:rPr lang="en-US" sz="2000" dirty="0"/>
               <a:t>Entry screen persists data into DB</a:t>
             </a:r>
           </a:p>
@@ -6253,8 +6253,8 @@
               <a:buChar char="•"/>
             </a:pPr>
             <a:r>
-              <a:rPr lang="en-US" sz="1600" dirty="0"/>
-              <a:t>Generic Form is ready again to collect more answers again</a:t>
+              <a:rPr lang="en-US" sz="2000" dirty="0"/>
+              <a:t>Generic Form is ready again to collect more answers</a:t>
             </a:r>
           </a:p>
           <a:p>
@@ -6263,7 +6263,7 @@
               <a:buChar char="•"/>
             </a:pPr>
             <a:r>
-              <a:rPr lang="en-US" sz="1600" dirty="0"/>
+              <a:rPr lang="en-US" sz="2000" dirty="0"/>
               <a:t>Configure many different Collections!</a:t>
             </a:r>
           </a:p>
@@ -6272,14 +6272,14 @@
               <a:buFont typeface="Arial" panose="020B0604020202020204" pitchFamily="34" charset="0"/>
               <a:buChar char="•"/>
             </a:pPr>
-            <a:endParaRPr lang="en-US" sz="1600" dirty="0"/>
+            <a:endParaRPr lang="en-US" sz="2000" dirty="0"/>
           </a:p>
           <a:p>
             <a:pPr marL="628650" lvl="1" indent="-285750">
               <a:buFont typeface="Arial" panose="020B0604020202020204" pitchFamily="34" charset="0"/>
               <a:buChar char="•"/>
             </a:pPr>
-            <a:endParaRPr lang="en-US" sz="1600" dirty="0"/>
+            <a:endParaRPr lang="en-US" sz="2000" dirty="0"/>
           </a:p>
           <a:p>
             <a:pPr marL="285750" indent="-285750">
@@ -6287,7 +6287,7 @@
               <a:buChar char="•"/>
             </a:pPr>
             <a:r>
-              <a:rPr lang="en-US" sz="1600" dirty="0"/>
+              <a:rPr lang="en-US" sz="2000" dirty="0"/>
               <a:t>Generic Form integrated with Generic Inquiry</a:t>
             </a:r>
           </a:p>
@@ -6297,7 +6297,7 @@
               <a:buChar char="•"/>
             </a:pPr>
             <a:r>
-              <a:rPr lang="en-US" sz="1600" dirty="0"/>
+              <a:rPr lang="en-US" sz="2000" dirty="0"/>
               <a:t>Your answers are available immediately to via DAC and GI</a:t>
             </a:r>
           </a:p>
@@ -6307,7 +6307,7 @@
               <a:buChar char="•"/>
             </a:pPr>
             <a:r>
-              <a:rPr lang="en-US" sz="1600" dirty="0"/>
+              <a:rPr lang="en-US" sz="2000" dirty="0"/>
               <a:t>Ready to join on other data in the system</a:t>
             </a:r>
           </a:p>
@@ -6317,7 +6317,7 @@
               <a:buChar char="•"/>
             </a:pPr>
             <a:r>
-              <a:rPr lang="en-US" sz="1600" dirty="0"/>
+              <a:rPr lang="en-US" sz="2000" dirty="0"/>
               <a:t>Create your own GIs, Reports, Dashboards and more!</a:t>
             </a:r>
           </a:p>
@@ -6680,7 +6680,7 @@
         <p:spPr>
           <a:xfrm>
             <a:off x="3827015" y="441781"/>
-            <a:ext cx="7819057" cy="3293209"/>
+            <a:ext cx="7819057" cy="3662541"/>
           </a:xfrm>
           <a:prstGeom prst="rect">
             <a:avLst/>
@@ -6707,7 +6707,7 @@
               <a:buChar char="•"/>
             </a:pPr>
             <a:r>
-              <a:rPr lang="en-US" sz="1600" dirty="0"/>
+              <a:rPr lang="en-US" sz="2000" dirty="0"/>
               <a:t>No coding necessary, only Configuration</a:t>
             </a:r>
           </a:p>
@@ -6717,7 +6717,7 @@
               <a:buChar char="•"/>
             </a:pPr>
             <a:r>
-              <a:rPr lang="en-US" sz="1600" dirty="0"/>
+              <a:rPr lang="en-US" sz="2000" dirty="0"/>
               <a:t>The person who knows what they want can create it</a:t>
             </a:r>
           </a:p>
@@ -6727,7 +6727,7 @@
               <a:buChar char="•"/>
             </a:pPr>
             <a:r>
-              <a:rPr lang="en-US" sz="1600" dirty="0"/>
+              <a:rPr lang="en-US" sz="2000" dirty="0"/>
               <a:t>No need to involve IT</a:t>
             </a:r>
           </a:p>
@@ -6737,7 +6737,7 @@
               <a:buChar char="•"/>
             </a:pPr>
             <a:r>
-              <a:rPr lang="en-US" sz="1600" dirty="0"/>
+              <a:rPr lang="en-US" sz="2000" dirty="0"/>
               <a:t>Save expensive developer hours</a:t>
             </a:r>
           </a:p>
@@ -6747,11 +6747,11 @@
               <a:buChar char="•"/>
             </a:pPr>
             <a:r>
-              <a:rPr lang="en-US" sz="1600" dirty="0"/>
+              <a:rPr lang="en-US" sz="2000" dirty="0"/>
               <a:t>Users will be happy to get the forms they want </a:t>
             </a:r>
             <a:r>
-              <a:rPr lang="en-US" sz="1600" i="1" dirty="0"/>
+              <a:rPr lang="en-US" sz="2000" i="1" dirty="0"/>
               <a:t>FASTER</a:t>
             </a:r>
           </a:p>
@@ -6761,7 +6761,7 @@
               <a:buChar char="•"/>
             </a:pPr>
             <a:r>
-              <a:rPr lang="en-US" sz="1600" dirty="0"/>
+              <a:rPr lang="en-US" sz="2000" dirty="0"/>
               <a:t>Developers will be happy to work on more interesting things</a:t>
             </a:r>
           </a:p>
